--- a/Lectures/Lec11/Lec11_2023SP.pptx
+++ b/Lectures/Lec11/Lec11_2023SP.pptx
@@ -5,19 +5,19 @@
     <p:sldMasterId id="2147483648" r:id="rId1"/>
   </p:sldMasterIdLst>
   <p:notesMasterIdLst>
-    <p:notesMasterId r:id="rId42"/>
+    <p:notesMasterId r:id="rId22"/>
   </p:notesMasterIdLst>
   <p:handoutMasterIdLst>
-    <p:handoutMasterId r:id="rId43"/>
+    <p:handoutMasterId r:id="rId23"/>
   </p:handoutMasterIdLst>
   <p:sldIdLst>
     <p:sldId id="269" r:id="rId2"/>
     <p:sldId id="401" r:id="rId3"/>
     <p:sldId id="423" r:id="rId4"/>
-    <p:sldId id="290" r:id="rId5"/>
-    <p:sldId id="424" r:id="rId6"/>
-    <p:sldId id="425" r:id="rId7"/>
-    <p:sldId id="402" r:id="rId8"/>
+    <p:sldId id="424" r:id="rId5"/>
+    <p:sldId id="425" r:id="rId6"/>
+    <p:sldId id="402" r:id="rId7"/>
+    <p:sldId id="290" r:id="rId8"/>
     <p:sldId id="280" r:id="rId9"/>
     <p:sldId id="395" r:id="rId10"/>
     <p:sldId id="426" r:id="rId11"/>
@@ -29,28 +29,8 @@
     <p:sldId id="429" r:id="rId17"/>
     <p:sldId id="285" r:id="rId18"/>
     <p:sldId id="430" r:id="rId19"/>
-    <p:sldId id="431" r:id="rId20"/>
-    <p:sldId id="291" r:id="rId21"/>
-    <p:sldId id="292" r:id="rId22"/>
-    <p:sldId id="293" r:id="rId23"/>
-    <p:sldId id="396" r:id="rId24"/>
-    <p:sldId id="286" r:id="rId25"/>
-    <p:sldId id="399" r:id="rId26"/>
-    <p:sldId id="400" r:id="rId27"/>
-    <p:sldId id="404" r:id="rId28"/>
-    <p:sldId id="405" r:id="rId29"/>
-    <p:sldId id="406" r:id="rId30"/>
-    <p:sldId id="407" r:id="rId31"/>
-    <p:sldId id="408" r:id="rId32"/>
-    <p:sldId id="409" r:id="rId33"/>
-    <p:sldId id="416" r:id="rId34"/>
-    <p:sldId id="411" r:id="rId35"/>
-    <p:sldId id="417" r:id="rId36"/>
-    <p:sldId id="418" r:id="rId37"/>
-    <p:sldId id="419" r:id="rId38"/>
-    <p:sldId id="420" r:id="rId39"/>
-    <p:sldId id="403" r:id="rId40"/>
-    <p:sldId id="421" r:id="rId41"/>
+    <p:sldId id="291" r:id="rId20"/>
+    <p:sldId id="431" r:id="rId21"/>
   </p:sldIdLst>
   <p:sldSz cx="9144000" cy="6858000" type="screen4x3"/>
   <p:notesSz cx="6858000" cy="9144000"/>
@@ -3619,8 +3599,8 @@
         </p:nvSpPr>
         <p:spPr>
           <a:xfrm>
-            <a:off x="3691836" y="3133976"/>
-            <a:ext cx="1595309" cy="1200329"/>
+            <a:off x="3685423" y="3133976"/>
+            <a:ext cx="1608133" cy="1200329"/>
           </a:xfrm>
           <a:prstGeom prst="rect">
             <a:avLst/>
@@ -3651,7 +3631,23 @@
                   <a:srgbClr val="064339"/>
                 </a:solidFill>
               </a:rPr>
-              <a:t>Feb 6st</a:t>
+              <a:t>Feb 6</a:t>
+            </a:r>
+            <a:r>
+              <a:rPr lang="en-US" altLang="zh-CN" baseline="30000" dirty="0">
+                <a:solidFill>
+                  <a:srgbClr val="064339"/>
+                </a:solidFill>
+              </a:rPr>
+              <a:t>th</a:t>
+            </a:r>
+            <a:r>
+              <a:rPr lang="en-US" altLang="zh-CN" dirty="0">
+                <a:solidFill>
+                  <a:srgbClr val="064339"/>
+                </a:solidFill>
+              </a:rPr>
+              <a:t> </a:t>
             </a:r>
             <a:r>
               <a:rPr lang="en-US" dirty="0">
@@ -4349,7 +4345,7 @@
         </p:blipFill>
         <p:spPr>
           <a:xfrm>
-            <a:off x="2847606" y="3397025"/>
+            <a:off x="2847606" y="3422425"/>
             <a:ext cx="2488030" cy="801756"/>
           </a:xfrm>
           <a:prstGeom prst="rect">
@@ -8669,7 +8665,7 @@
           <p:cNvPr id="5" name="Title 1">
             <a:extLst>
               <a:ext uri="{FF2B5EF4-FFF2-40B4-BE49-F238E27FC236}">
-                <a16:creationId xmlns:a16="http://schemas.microsoft.com/office/drawing/2014/main" id="{A72240C3-EDC2-4337-84BC-E59256B4147E}"/>
+                <a16:creationId xmlns:a16="http://schemas.microsoft.com/office/drawing/2014/main" id="{607C5C96-66AF-4BFD-80B4-BE0E46F3B28D}"/>
               </a:ext>
             </a:extLst>
           </p:cNvPr>
@@ -8680,107 +8676,216 @@
         </p:nvSpPr>
         <p:spPr>
           <a:xfrm>
-            <a:off x="304800" y="-443798"/>
-            <a:ext cx="8305800" cy="990600"/>
+            <a:off x="222847" y="0"/>
+            <a:ext cx="6477000" cy="990600"/>
           </a:xfrm>
           <a:prstGeom prst="rect">
             <a:avLst/>
           </a:prstGeom>
         </p:spPr>
         <p:txBody>
-          <a:bodyPr vert="horz" lIns="91440" tIns="45720" rIns="91440" bIns="45720" rtlCol="0" anchor="b">
-            <a:normAutofit fontScale="97500"/>
+          <a:bodyPr>
+            <a:normAutofit/>
           </a:bodyPr>
           <a:lstStyle>
-            <a:lvl1pPr algn="ctr" defTabSz="914400" rtl="0" eaLnBrk="1" latinLnBrk="0" hangingPunct="1">
-              <a:spcBef>
-                <a:spcPct val="0"/>
-              </a:spcBef>
-              <a:buNone/>
-              <a:defRPr sz="4400" kern="1200">
-                <a:solidFill>
-                  <a:srgbClr val="FFFFFF"/>
-                </a:solidFill>
-                <a:latin typeface="+mj-lt"/>
-                <a:ea typeface="+mj-ea"/>
-                <a:cs typeface="+mj-cs"/>
+            <a:lvl1pPr algn="l" defTabSz="457200" rtl="0" eaLnBrk="1" fontAlgn="base" hangingPunct="1">
+              <a:spcBef>
+                <a:spcPct val="0"/>
+              </a:spcBef>
+              <a:spcAft>
+                <a:spcPct val="0"/>
+              </a:spcAft>
+              <a:defRPr sz="3600" b="0" i="0" kern="1200" baseline="0">
+                <a:solidFill>
+                  <a:srgbClr val="18453B"/>
+                </a:solidFill>
+                <a:latin typeface="Gotham-Bold"/>
+                <a:ea typeface="ＭＳ Ｐゴシック" charset="-128"/>
+                <a:cs typeface="Gotham-Bold"/>
               </a:defRPr>
             </a:lvl1pPr>
-            <a:lvl2pPr eaLnBrk="1" hangingPunct="1">
-              <a:defRPr>
-                <a:solidFill>
-                  <a:schemeClr val="tx2"/>
-                </a:solidFill>
+            <a:lvl2pPr algn="ctr" defTabSz="457200" rtl="0" eaLnBrk="1" fontAlgn="base" hangingPunct="1">
+              <a:spcBef>
+                <a:spcPct val="0"/>
+              </a:spcBef>
+              <a:spcAft>
+                <a:spcPct val="0"/>
+              </a:spcAft>
+              <a:defRPr sz="4400">
+                <a:solidFill>
+                  <a:schemeClr val="tx1"/>
+                </a:solidFill>
+                <a:latin typeface="Gotham Book" charset="0"/>
+                <a:ea typeface="ＭＳ Ｐゴシック" charset="-128"/>
+                <a:cs typeface="ＭＳ Ｐゴシック" charset="-128"/>
               </a:defRPr>
             </a:lvl2pPr>
-            <a:lvl3pPr eaLnBrk="1" hangingPunct="1">
-              <a:defRPr>
-                <a:solidFill>
-                  <a:schemeClr val="tx2"/>
-                </a:solidFill>
+            <a:lvl3pPr algn="ctr" defTabSz="457200" rtl="0" eaLnBrk="1" fontAlgn="base" hangingPunct="1">
+              <a:spcBef>
+                <a:spcPct val="0"/>
+              </a:spcBef>
+              <a:spcAft>
+                <a:spcPct val="0"/>
+              </a:spcAft>
+              <a:defRPr sz="4400">
+                <a:solidFill>
+                  <a:schemeClr val="tx1"/>
+                </a:solidFill>
+                <a:latin typeface="Gotham Book" charset="0"/>
+                <a:ea typeface="ＭＳ Ｐゴシック" charset="-128"/>
+                <a:cs typeface="ＭＳ Ｐゴシック" charset="-128"/>
               </a:defRPr>
             </a:lvl3pPr>
-            <a:lvl4pPr eaLnBrk="1" hangingPunct="1">
-              <a:defRPr>
-                <a:solidFill>
-                  <a:schemeClr val="tx2"/>
-                </a:solidFill>
+            <a:lvl4pPr algn="ctr" defTabSz="457200" rtl="0" eaLnBrk="1" fontAlgn="base" hangingPunct="1">
+              <a:spcBef>
+                <a:spcPct val="0"/>
+              </a:spcBef>
+              <a:spcAft>
+                <a:spcPct val="0"/>
+              </a:spcAft>
+              <a:defRPr sz="4400">
+                <a:solidFill>
+                  <a:schemeClr val="tx1"/>
+                </a:solidFill>
+                <a:latin typeface="Gotham Book" charset="0"/>
+                <a:ea typeface="ＭＳ Ｐゴシック" charset="-128"/>
+                <a:cs typeface="ＭＳ Ｐゴシック" charset="-128"/>
               </a:defRPr>
             </a:lvl4pPr>
-            <a:lvl5pPr eaLnBrk="1" hangingPunct="1">
-              <a:defRPr>
-                <a:solidFill>
-                  <a:schemeClr val="tx2"/>
-                </a:solidFill>
+            <a:lvl5pPr algn="ctr" defTabSz="457200" rtl="0" eaLnBrk="1" fontAlgn="base" hangingPunct="1">
+              <a:spcBef>
+                <a:spcPct val="0"/>
+              </a:spcBef>
+              <a:spcAft>
+                <a:spcPct val="0"/>
+              </a:spcAft>
+              <a:defRPr sz="4400">
+                <a:solidFill>
+                  <a:schemeClr val="tx1"/>
+                </a:solidFill>
+                <a:latin typeface="Gotham Book" charset="0"/>
+                <a:ea typeface="ＭＳ Ｐゴシック" charset="-128"/>
+                <a:cs typeface="ＭＳ Ｐゴシック" charset="-128"/>
               </a:defRPr>
             </a:lvl5pPr>
-            <a:lvl6pPr eaLnBrk="1" hangingPunct="1">
-              <a:defRPr>
-                <a:solidFill>
-                  <a:schemeClr val="tx2"/>
-                </a:solidFill>
+            <a:lvl6pPr marL="457200" algn="ctr" defTabSz="457200" rtl="0" eaLnBrk="1" fontAlgn="base" hangingPunct="1">
+              <a:spcBef>
+                <a:spcPct val="0"/>
+              </a:spcBef>
+              <a:spcAft>
+                <a:spcPct val="0"/>
+              </a:spcAft>
+              <a:defRPr sz="4400">
+                <a:solidFill>
+                  <a:schemeClr val="tx1"/>
+                </a:solidFill>
+                <a:latin typeface="Gotham Book" charset="0"/>
+                <a:ea typeface="ＭＳ Ｐゴシック" charset="-128"/>
+                <a:cs typeface="ＭＳ Ｐゴシック" charset="-128"/>
               </a:defRPr>
             </a:lvl6pPr>
-            <a:lvl7pPr eaLnBrk="1" hangingPunct="1">
-              <a:defRPr>
-                <a:solidFill>
-                  <a:schemeClr val="tx2"/>
-                </a:solidFill>
+            <a:lvl7pPr marL="914400" algn="ctr" defTabSz="457200" rtl="0" eaLnBrk="1" fontAlgn="base" hangingPunct="1">
+              <a:spcBef>
+                <a:spcPct val="0"/>
+              </a:spcBef>
+              <a:spcAft>
+                <a:spcPct val="0"/>
+              </a:spcAft>
+              <a:defRPr sz="4400">
+                <a:solidFill>
+                  <a:schemeClr val="tx1"/>
+                </a:solidFill>
+                <a:latin typeface="Gotham Book" charset="0"/>
+                <a:ea typeface="ＭＳ Ｐゴシック" charset="-128"/>
+                <a:cs typeface="ＭＳ Ｐゴシック" charset="-128"/>
               </a:defRPr>
             </a:lvl7pPr>
-            <a:lvl8pPr eaLnBrk="1" hangingPunct="1">
-              <a:defRPr>
-                <a:solidFill>
-                  <a:schemeClr val="tx2"/>
-                </a:solidFill>
+            <a:lvl8pPr marL="1371600" algn="ctr" defTabSz="457200" rtl="0" eaLnBrk="1" fontAlgn="base" hangingPunct="1">
+              <a:spcBef>
+                <a:spcPct val="0"/>
+              </a:spcBef>
+              <a:spcAft>
+                <a:spcPct val="0"/>
+              </a:spcAft>
+              <a:defRPr sz="4400">
+                <a:solidFill>
+                  <a:schemeClr val="tx1"/>
+                </a:solidFill>
+                <a:latin typeface="Gotham Book" charset="0"/>
+                <a:ea typeface="ＭＳ Ｐゴシック" charset="-128"/>
+                <a:cs typeface="ＭＳ Ｐゴシック" charset="-128"/>
               </a:defRPr>
             </a:lvl8pPr>
-            <a:lvl9pPr eaLnBrk="1" hangingPunct="1">
-              <a:defRPr>
-                <a:solidFill>
-                  <a:schemeClr val="tx2"/>
-                </a:solidFill>
+            <a:lvl9pPr marL="1828800" algn="ctr" defTabSz="457200" rtl="0" eaLnBrk="1" fontAlgn="base" hangingPunct="1">
+              <a:spcBef>
+                <a:spcPct val="0"/>
+              </a:spcBef>
+              <a:spcAft>
+                <a:spcPct val="0"/>
+              </a:spcAft>
+              <a:defRPr sz="4400">
+                <a:solidFill>
+                  <a:schemeClr val="tx1"/>
+                </a:solidFill>
+                <a:latin typeface="Gotham Book" charset="0"/>
+                <a:ea typeface="ＭＳ Ｐゴシック" charset="-128"/>
+                <a:cs typeface="ＭＳ Ｐゴシック" charset="-128"/>
               </a:defRPr>
             </a:lvl9pPr>
           </a:lstStyle>
           <a:p>
-            <a:pPr algn="l"/>
             <a:r>
-              <a:rPr lang="en-US" sz="3600" b="1" dirty="0"/>
-              <a:t>Coding – </a:t>
+              <a:rPr lang="en-US" sz="3500" dirty="0">
+                <a:solidFill>
+                  <a:schemeClr val="bg1"/>
+                </a:solidFill>
+              </a:rPr>
+              <a:t>Comparison</a:t>
             </a:r>
-            <a:r>
-              <a:rPr lang="en-US" sz="3600" b="1"/>
-              <a:t>Building k-fold CV</a:t>
-            </a:r>
-            <a:endParaRPr lang="en-US" sz="3500" b="1" dirty="0"/>
+          </a:p>
+          <a:p>
+            <a:endParaRPr lang="en-US" sz="3500" dirty="0">
+              <a:solidFill>
+                <a:schemeClr val="bg1"/>
+              </a:solidFill>
+            </a:endParaRPr>
           </a:p>
         </p:txBody>
       </p:sp>
+      <p:pic>
+        <p:nvPicPr>
+          <p:cNvPr id="4" name="Picture 3" descr="Chart, line chart&#10;&#10;Description automatically generated">
+            <a:extLst>
+              <a:ext uri="{FF2B5EF4-FFF2-40B4-BE49-F238E27FC236}">
+                <a16:creationId xmlns:a16="http://schemas.microsoft.com/office/drawing/2014/main" id="{E39167AC-78D2-4CD1-924C-423FD0B8F5B1}"/>
+              </a:ext>
+            </a:extLst>
+          </p:cNvPr>
+          <p:cNvPicPr>
+            <a:picLocks noChangeAspect="1"/>
+          </p:cNvPicPr>
+          <p:nvPr/>
+        </p:nvPicPr>
+        <p:blipFill>
+          <a:blip r:embed="rId2"/>
+          <a:stretch>
+            <a:fillRect/>
+          </a:stretch>
+        </p:blipFill>
+        <p:spPr>
+          <a:xfrm>
+            <a:off x="0" y="2027147"/>
+            <a:ext cx="9144000" cy="2803705"/>
+          </a:xfrm>
+          <a:prstGeom prst="rect">
+            <a:avLst/>
+          </a:prstGeom>
+        </p:spPr>
+      </p:pic>
     </p:spTree>
     <p:extLst>
       <p:ext uri="{BB962C8B-B14F-4D97-AF65-F5344CB8AC3E}">
-        <p14:creationId xmlns:p14="http://schemas.microsoft.com/office/powerpoint/2010/main" val="4054033628"/>
+        <p14:creationId xmlns:p14="http://schemas.microsoft.com/office/powerpoint/2010/main" val="2004114576"/>
       </p:ext>
     </p:extLst>
   </p:cSld>
@@ -8868,7 +8973,7 @@
             <a:pPr lvl="1" indent="-342900"/>
             <a:r>
               <a:rPr lang="en-US" dirty="0"/>
-              <a:t>Cross-validation</a:t>
+              <a:t>Validation Set</a:t>
             </a:r>
             <a:endParaRPr lang="en-US" dirty="0">
               <a:solidFill>
@@ -9182,1212 +9287,6 @@
           <p:cNvPr id="5" name="Title 1">
             <a:extLst>
               <a:ext uri="{FF2B5EF4-FFF2-40B4-BE49-F238E27FC236}">
-                <a16:creationId xmlns:a16="http://schemas.microsoft.com/office/drawing/2014/main" id="{607C5C96-66AF-4BFD-80B4-BE0E46F3B28D}"/>
-              </a:ext>
-            </a:extLst>
-          </p:cNvPr>
-          <p:cNvSpPr txBox="1">
-            <a:spLocks/>
-          </p:cNvSpPr>
-          <p:nvPr/>
-        </p:nvSpPr>
-        <p:spPr>
-          <a:xfrm>
-            <a:off x="222847" y="0"/>
-            <a:ext cx="6477000" cy="990600"/>
-          </a:xfrm>
-          <a:prstGeom prst="rect">
-            <a:avLst/>
-          </a:prstGeom>
-        </p:spPr>
-        <p:txBody>
-          <a:bodyPr>
-            <a:normAutofit/>
-          </a:bodyPr>
-          <a:lstStyle>
-            <a:lvl1pPr algn="l" defTabSz="457200" rtl="0" eaLnBrk="1" fontAlgn="base" hangingPunct="1">
-              <a:spcBef>
-                <a:spcPct val="0"/>
-              </a:spcBef>
-              <a:spcAft>
-                <a:spcPct val="0"/>
-              </a:spcAft>
-              <a:defRPr sz="3600" b="0" i="0" kern="1200" baseline="0">
-                <a:solidFill>
-                  <a:srgbClr val="18453B"/>
-                </a:solidFill>
-                <a:latin typeface="Gotham-Bold"/>
-                <a:ea typeface="ＭＳ Ｐゴシック" charset="-128"/>
-                <a:cs typeface="Gotham-Bold"/>
-              </a:defRPr>
-            </a:lvl1pPr>
-            <a:lvl2pPr algn="ctr" defTabSz="457200" rtl="0" eaLnBrk="1" fontAlgn="base" hangingPunct="1">
-              <a:spcBef>
-                <a:spcPct val="0"/>
-              </a:spcBef>
-              <a:spcAft>
-                <a:spcPct val="0"/>
-              </a:spcAft>
-              <a:defRPr sz="4400">
-                <a:solidFill>
-                  <a:schemeClr val="tx1"/>
-                </a:solidFill>
-                <a:latin typeface="Gotham Book" charset="0"/>
-                <a:ea typeface="ＭＳ Ｐゴシック" charset="-128"/>
-                <a:cs typeface="ＭＳ Ｐゴシック" charset="-128"/>
-              </a:defRPr>
-            </a:lvl2pPr>
-            <a:lvl3pPr algn="ctr" defTabSz="457200" rtl="0" eaLnBrk="1" fontAlgn="base" hangingPunct="1">
-              <a:spcBef>
-                <a:spcPct val="0"/>
-              </a:spcBef>
-              <a:spcAft>
-                <a:spcPct val="0"/>
-              </a:spcAft>
-              <a:defRPr sz="4400">
-                <a:solidFill>
-                  <a:schemeClr val="tx1"/>
-                </a:solidFill>
-                <a:latin typeface="Gotham Book" charset="0"/>
-                <a:ea typeface="ＭＳ Ｐゴシック" charset="-128"/>
-                <a:cs typeface="ＭＳ Ｐゴシック" charset="-128"/>
-              </a:defRPr>
-            </a:lvl3pPr>
-            <a:lvl4pPr algn="ctr" defTabSz="457200" rtl="0" eaLnBrk="1" fontAlgn="base" hangingPunct="1">
-              <a:spcBef>
-                <a:spcPct val="0"/>
-              </a:spcBef>
-              <a:spcAft>
-                <a:spcPct val="0"/>
-              </a:spcAft>
-              <a:defRPr sz="4400">
-                <a:solidFill>
-                  <a:schemeClr val="tx1"/>
-                </a:solidFill>
-                <a:latin typeface="Gotham Book" charset="0"/>
-                <a:ea typeface="ＭＳ Ｐゴシック" charset="-128"/>
-                <a:cs typeface="ＭＳ Ｐゴシック" charset="-128"/>
-              </a:defRPr>
-            </a:lvl4pPr>
-            <a:lvl5pPr algn="ctr" defTabSz="457200" rtl="0" eaLnBrk="1" fontAlgn="base" hangingPunct="1">
-              <a:spcBef>
-                <a:spcPct val="0"/>
-              </a:spcBef>
-              <a:spcAft>
-                <a:spcPct val="0"/>
-              </a:spcAft>
-              <a:defRPr sz="4400">
-                <a:solidFill>
-                  <a:schemeClr val="tx1"/>
-                </a:solidFill>
-                <a:latin typeface="Gotham Book" charset="0"/>
-                <a:ea typeface="ＭＳ Ｐゴシック" charset="-128"/>
-                <a:cs typeface="ＭＳ Ｐゴシック" charset="-128"/>
-              </a:defRPr>
-            </a:lvl5pPr>
-            <a:lvl6pPr marL="457200" algn="ctr" defTabSz="457200" rtl="0" eaLnBrk="1" fontAlgn="base" hangingPunct="1">
-              <a:spcBef>
-                <a:spcPct val="0"/>
-              </a:spcBef>
-              <a:spcAft>
-                <a:spcPct val="0"/>
-              </a:spcAft>
-              <a:defRPr sz="4400">
-                <a:solidFill>
-                  <a:schemeClr val="tx1"/>
-                </a:solidFill>
-                <a:latin typeface="Gotham Book" charset="0"/>
-                <a:ea typeface="ＭＳ Ｐゴシック" charset="-128"/>
-                <a:cs typeface="ＭＳ Ｐゴシック" charset="-128"/>
-              </a:defRPr>
-            </a:lvl6pPr>
-            <a:lvl7pPr marL="914400" algn="ctr" defTabSz="457200" rtl="0" eaLnBrk="1" fontAlgn="base" hangingPunct="1">
-              <a:spcBef>
-                <a:spcPct val="0"/>
-              </a:spcBef>
-              <a:spcAft>
-                <a:spcPct val="0"/>
-              </a:spcAft>
-              <a:defRPr sz="4400">
-                <a:solidFill>
-                  <a:schemeClr val="tx1"/>
-                </a:solidFill>
-                <a:latin typeface="Gotham Book" charset="0"/>
-                <a:ea typeface="ＭＳ Ｐゴシック" charset="-128"/>
-                <a:cs typeface="ＭＳ Ｐゴシック" charset="-128"/>
-              </a:defRPr>
-            </a:lvl7pPr>
-            <a:lvl8pPr marL="1371600" algn="ctr" defTabSz="457200" rtl="0" eaLnBrk="1" fontAlgn="base" hangingPunct="1">
-              <a:spcBef>
-                <a:spcPct val="0"/>
-              </a:spcBef>
-              <a:spcAft>
-                <a:spcPct val="0"/>
-              </a:spcAft>
-              <a:defRPr sz="4400">
-                <a:solidFill>
-                  <a:schemeClr val="tx1"/>
-                </a:solidFill>
-                <a:latin typeface="Gotham Book" charset="0"/>
-                <a:ea typeface="ＭＳ Ｐゴシック" charset="-128"/>
-                <a:cs typeface="ＭＳ Ｐゴシック" charset="-128"/>
-              </a:defRPr>
-            </a:lvl8pPr>
-            <a:lvl9pPr marL="1828800" algn="ctr" defTabSz="457200" rtl="0" eaLnBrk="1" fontAlgn="base" hangingPunct="1">
-              <a:spcBef>
-                <a:spcPct val="0"/>
-              </a:spcBef>
-              <a:spcAft>
-                <a:spcPct val="0"/>
-              </a:spcAft>
-              <a:defRPr sz="4400">
-                <a:solidFill>
-                  <a:schemeClr val="tx1"/>
-                </a:solidFill>
-                <a:latin typeface="Gotham Book" charset="0"/>
-                <a:ea typeface="ＭＳ Ｐゴシック" charset="-128"/>
-                <a:cs typeface="ＭＳ Ｐゴシック" charset="-128"/>
-              </a:defRPr>
-            </a:lvl9pPr>
-          </a:lstStyle>
-          <a:p>
-            <a:r>
-              <a:rPr lang="en-US" sz="3500" dirty="0">
-                <a:solidFill>
-                  <a:schemeClr val="bg1"/>
-                </a:solidFill>
-              </a:rPr>
-              <a:t>Cross-validation vs LOOCV</a:t>
-            </a:r>
-          </a:p>
-        </p:txBody>
-      </p:sp>
-      <p:pic>
-        <p:nvPicPr>
-          <p:cNvPr id="3" name="Picture 2">
-            <a:extLst>
-              <a:ext uri="{FF2B5EF4-FFF2-40B4-BE49-F238E27FC236}">
-                <a16:creationId xmlns:a16="http://schemas.microsoft.com/office/drawing/2014/main" id="{90938279-3446-4469-BACA-977C6146BDFC}"/>
-              </a:ext>
-            </a:extLst>
-          </p:cNvPr>
-          <p:cNvPicPr>
-            <a:picLocks noChangeAspect="1"/>
-          </p:cNvPicPr>
-          <p:nvPr/>
-        </p:nvPicPr>
-        <p:blipFill>
-          <a:blip r:embed="rId2"/>
-          <a:stretch>
-            <a:fillRect/>
-          </a:stretch>
-        </p:blipFill>
-        <p:spPr>
-          <a:xfrm>
-            <a:off x="538710" y="1379950"/>
-            <a:ext cx="7817499" cy="3960408"/>
-          </a:xfrm>
-          <a:prstGeom prst="rect">
-            <a:avLst/>
-          </a:prstGeom>
-        </p:spPr>
-      </p:pic>
-    </p:spTree>
-    <p:extLst>
-      <p:ext uri="{BB962C8B-B14F-4D97-AF65-F5344CB8AC3E}">
-        <p14:creationId xmlns:p14="http://schemas.microsoft.com/office/powerpoint/2010/main" val="2004114576"/>
-      </p:ext>
-    </p:extLst>
-  </p:cSld>
-  <p:clrMapOvr>
-    <a:masterClrMapping/>
-  </p:clrMapOvr>
-</p:sld>
-</file>
-
-<file path=ppt/slides/slide21.xml><?xml version="1.0" encoding="utf-8"?>
-<p:sld xmlns:a="http://schemas.openxmlformats.org/drawingml/2006/main" xmlns:r="http://schemas.openxmlformats.org/officeDocument/2006/relationships" xmlns:p="http://schemas.openxmlformats.org/presentationml/2006/main">
-  <p:cSld>
-    <p:spTree>
-      <p:nvGrpSpPr>
-        <p:cNvPr id="1" name=""/>
-        <p:cNvGrpSpPr/>
-        <p:nvPr/>
-      </p:nvGrpSpPr>
-      <p:grpSpPr>
-        <a:xfrm>
-          <a:off x="0" y="0"/>
-          <a:ext cx="0" cy="0"/>
-          <a:chOff x="0" y="0"/>
-          <a:chExt cx="0" cy="0"/>
-        </a:xfrm>
-      </p:grpSpPr>
-      <p:sp>
-        <p:nvSpPr>
-          <p:cNvPr id="5" name="Title 1">
-            <a:extLst>
-              <a:ext uri="{FF2B5EF4-FFF2-40B4-BE49-F238E27FC236}">
-                <a16:creationId xmlns:a16="http://schemas.microsoft.com/office/drawing/2014/main" id="{607C5C96-66AF-4BFD-80B4-BE0E46F3B28D}"/>
-              </a:ext>
-            </a:extLst>
-          </p:cNvPr>
-          <p:cNvSpPr txBox="1">
-            <a:spLocks/>
-          </p:cNvSpPr>
-          <p:nvPr/>
-        </p:nvSpPr>
-        <p:spPr>
-          <a:xfrm>
-            <a:off x="222847" y="0"/>
-            <a:ext cx="6477000" cy="990600"/>
-          </a:xfrm>
-          <a:prstGeom prst="rect">
-            <a:avLst/>
-          </a:prstGeom>
-        </p:spPr>
-        <p:txBody>
-          <a:bodyPr>
-            <a:normAutofit/>
-          </a:bodyPr>
-          <a:lstStyle>
-            <a:lvl1pPr algn="l" defTabSz="457200" rtl="0" eaLnBrk="1" fontAlgn="base" hangingPunct="1">
-              <a:spcBef>
-                <a:spcPct val="0"/>
-              </a:spcBef>
-              <a:spcAft>
-                <a:spcPct val="0"/>
-              </a:spcAft>
-              <a:defRPr sz="3600" b="0" i="0" kern="1200" baseline="0">
-                <a:solidFill>
-                  <a:srgbClr val="18453B"/>
-                </a:solidFill>
-                <a:latin typeface="Gotham-Bold"/>
-                <a:ea typeface="ＭＳ Ｐゴシック" charset="-128"/>
-                <a:cs typeface="Gotham-Bold"/>
-              </a:defRPr>
-            </a:lvl1pPr>
-            <a:lvl2pPr algn="ctr" defTabSz="457200" rtl="0" eaLnBrk="1" fontAlgn="base" hangingPunct="1">
-              <a:spcBef>
-                <a:spcPct val="0"/>
-              </a:spcBef>
-              <a:spcAft>
-                <a:spcPct val="0"/>
-              </a:spcAft>
-              <a:defRPr sz="4400">
-                <a:solidFill>
-                  <a:schemeClr val="tx1"/>
-                </a:solidFill>
-                <a:latin typeface="Gotham Book" charset="0"/>
-                <a:ea typeface="ＭＳ Ｐゴシック" charset="-128"/>
-                <a:cs typeface="ＭＳ Ｐゴシック" charset="-128"/>
-              </a:defRPr>
-            </a:lvl2pPr>
-            <a:lvl3pPr algn="ctr" defTabSz="457200" rtl="0" eaLnBrk="1" fontAlgn="base" hangingPunct="1">
-              <a:spcBef>
-                <a:spcPct val="0"/>
-              </a:spcBef>
-              <a:spcAft>
-                <a:spcPct val="0"/>
-              </a:spcAft>
-              <a:defRPr sz="4400">
-                <a:solidFill>
-                  <a:schemeClr val="tx1"/>
-                </a:solidFill>
-                <a:latin typeface="Gotham Book" charset="0"/>
-                <a:ea typeface="ＭＳ Ｐゴシック" charset="-128"/>
-                <a:cs typeface="ＭＳ Ｐゴシック" charset="-128"/>
-              </a:defRPr>
-            </a:lvl3pPr>
-            <a:lvl4pPr algn="ctr" defTabSz="457200" rtl="0" eaLnBrk="1" fontAlgn="base" hangingPunct="1">
-              <a:spcBef>
-                <a:spcPct val="0"/>
-              </a:spcBef>
-              <a:spcAft>
-                <a:spcPct val="0"/>
-              </a:spcAft>
-              <a:defRPr sz="4400">
-                <a:solidFill>
-                  <a:schemeClr val="tx1"/>
-                </a:solidFill>
-                <a:latin typeface="Gotham Book" charset="0"/>
-                <a:ea typeface="ＭＳ Ｐゴシック" charset="-128"/>
-                <a:cs typeface="ＭＳ Ｐゴシック" charset="-128"/>
-              </a:defRPr>
-            </a:lvl4pPr>
-            <a:lvl5pPr algn="ctr" defTabSz="457200" rtl="0" eaLnBrk="1" fontAlgn="base" hangingPunct="1">
-              <a:spcBef>
-                <a:spcPct val="0"/>
-              </a:spcBef>
-              <a:spcAft>
-                <a:spcPct val="0"/>
-              </a:spcAft>
-              <a:defRPr sz="4400">
-                <a:solidFill>
-                  <a:schemeClr val="tx1"/>
-                </a:solidFill>
-                <a:latin typeface="Gotham Book" charset="0"/>
-                <a:ea typeface="ＭＳ Ｐゴシック" charset="-128"/>
-                <a:cs typeface="ＭＳ Ｐゴシック" charset="-128"/>
-              </a:defRPr>
-            </a:lvl5pPr>
-            <a:lvl6pPr marL="457200" algn="ctr" defTabSz="457200" rtl="0" eaLnBrk="1" fontAlgn="base" hangingPunct="1">
-              <a:spcBef>
-                <a:spcPct val="0"/>
-              </a:spcBef>
-              <a:spcAft>
-                <a:spcPct val="0"/>
-              </a:spcAft>
-              <a:defRPr sz="4400">
-                <a:solidFill>
-                  <a:schemeClr val="tx1"/>
-                </a:solidFill>
-                <a:latin typeface="Gotham Book" charset="0"/>
-                <a:ea typeface="ＭＳ Ｐゴシック" charset="-128"/>
-                <a:cs typeface="ＭＳ Ｐゴシック" charset="-128"/>
-              </a:defRPr>
-            </a:lvl6pPr>
-            <a:lvl7pPr marL="914400" algn="ctr" defTabSz="457200" rtl="0" eaLnBrk="1" fontAlgn="base" hangingPunct="1">
-              <a:spcBef>
-                <a:spcPct val="0"/>
-              </a:spcBef>
-              <a:spcAft>
-                <a:spcPct val="0"/>
-              </a:spcAft>
-              <a:defRPr sz="4400">
-                <a:solidFill>
-                  <a:schemeClr val="tx1"/>
-                </a:solidFill>
-                <a:latin typeface="Gotham Book" charset="0"/>
-                <a:ea typeface="ＭＳ Ｐゴシック" charset="-128"/>
-                <a:cs typeface="ＭＳ Ｐゴシック" charset="-128"/>
-              </a:defRPr>
-            </a:lvl7pPr>
-            <a:lvl8pPr marL="1371600" algn="ctr" defTabSz="457200" rtl="0" eaLnBrk="1" fontAlgn="base" hangingPunct="1">
-              <a:spcBef>
-                <a:spcPct val="0"/>
-              </a:spcBef>
-              <a:spcAft>
-                <a:spcPct val="0"/>
-              </a:spcAft>
-              <a:defRPr sz="4400">
-                <a:solidFill>
-                  <a:schemeClr val="tx1"/>
-                </a:solidFill>
-                <a:latin typeface="Gotham Book" charset="0"/>
-                <a:ea typeface="ＭＳ Ｐゴシック" charset="-128"/>
-                <a:cs typeface="ＭＳ Ｐゴシック" charset="-128"/>
-              </a:defRPr>
-            </a:lvl8pPr>
-            <a:lvl9pPr marL="1828800" algn="ctr" defTabSz="457200" rtl="0" eaLnBrk="1" fontAlgn="base" hangingPunct="1">
-              <a:spcBef>
-                <a:spcPct val="0"/>
-              </a:spcBef>
-              <a:spcAft>
-                <a:spcPct val="0"/>
-              </a:spcAft>
-              <a:defRPr sz="4400">
-                <a:solidFill>
-                  <a:schemeClr val="tx1"/>
-                </a:solidFill>
-                <a:latin typeface="Gotham Book" charset="0"/>
-                <a:ea typeface="ＭＳ Ｐゴシック" charset="-128"/>
-                <a:cs typeface="ＭＳ Ｐゴシック" charset="-128"/>
-              </a:defRPr>
-            </a:lvl9pPr>
-          </a:lstStyle>
-          <a:p>
-            <a:r>
-              <a:rPr lang="en-US" sz="3500" dirty="0">
-                <a:solidFill>
-                  <a:schemeClr val="bg1"/>
-                </a:solidFill>
-              </a:rPr>
-              <a:t>Simulated Results</a:t>
-            </a:r>
-          </a:p>
-        </p:txBody>
-      </p:sp>
-      <p:sp>
-        <p:nvSpPr>
-          <p:cNvPr id="4" name="Subtitle 2">
-            <a:extLst>
-              <a:ext uri="{FF2B5EF4-FFF2-40B4-BE49-F238E27FC236}">
-                <a16:creationId xmlns:a16="http://schemas.microsoft.com/office/drawing/2014/main" id="{31D8714B-5B2D-48C2-B7DD-35C2BDB7F476}"/>
-              </a:ext>
-            </a:extLst>
-          </p:cNvPr>
-          <p:cNvSpPr txBox="1">
-            <a:spLocks/>
-          </p:cNvSpPr>
-          <p:nvPr/>
-        </p:nvSpPr>
-        <p:spPr>
-          <a:xfrm>
-            <a:off x="222847" y="753235"/>
-            <a:ext cx="8458200" cy="5486400"/>
-          </a:xfrm>
-          <a:prstGeom prst="rect">
-            <a:avLst/>
-          </a:prstGeom>
-        </p:spPr>
-        <p:txBody>
-          <a:bodyPr>
-            <a:normAutofit/>
-          </a:bodyPr>
-          <a:lstStyle>
-            <a:lvl1pPr marL="342900" indent="-342900" algn="l" defTabSz="457200" rtl="0" eaLnBrk="1" fontAlgn="base" hangingPunct="1">
-              <a:spcBef>
-                <a:spcPct val="20000"/>
-              </a:spcBef>
-              <a:spcAft>
-                <a:spcPct val="0"/>
-              </a:spcAft>
-              <a:buClr>
-                <a:srgbClr val="18453B"/>
-              </a:buClr>
-              <a:buFont typeface="Arial"/>
-              <a:buChar char="•"/>
-              <a:defRPr sz="2800" b="0" i="0" kern="1200">
-                <a:solidFill>
-                  <a:srgbClr val="595959"/>
-                </a:solidFill>
-                <a:latin typeface="Gotham Book"/>
-                <a:ea typeface="ＭＳ Ｐゴシック" charset="-128"/>
-                <a:cs typeface="Gotham Book"/>
-              </a:defRPr>
-            </a:lvl1pPr>
-            <a:lvl2pPr marL="742950" indent="-285750" algn="l" defTabSz="457200" rtl="0" eaLnBrk="1" fontAlgn="base" hangingPunct="1">
-              <a:spcBef>
-                <a:spcPct val="20000"/>
-              </a:spcBef>
-              <a:spcAft>
-                <a:spcPct val="0"/>
-              </a:spcAft>
-              <a:buClr>
-                <a:schemeClr val="tx1">
-                  <a:lumMod val="75000"/>
-                  <a:lumOff val="25000"/>
-                </a:schemeClr>
-              </a:buClr>
-              <a:buSzPct val="85000"/>
-              <a:buFont typeface="Arial"/>
-              <a:buChar char="•"/>
-              <a:defRPr sz="2400" b="0" i="0" kern="1200">
-                <a:solidFill>
-                  <a:srgbClr val="595959"/>
-                </a:solidFill>
-                <a:latin typeface="Gotham Book"/>
-                <a:ea typeface="ＭＳ Ｐゴシック" charset="-128"/>
-                <a:cs typeface="Gotham Book"/>
-              </a:defRPr>
-            </a:lvl2pPr>
-            <a:lvl3pPr marL="1143000" indent="-228600" algn="l" defTabSz="457200" rtl="0" eaLnBrk="1" fontAlgn="base" hangingPunct="1">
-              <a:spcBef>
-                <a:spcPct val="20000"/>
-              </a:spcBef>
-              <a:spcAft>
-                <a:spcPct val="0"/>
-              </a:spcAft>
-              <a:buClr>
-                <a:schemeClr val="tx1">
-                  <a:lumMod val="75000"/>
-                  <a:lumOff val="25000"/>
-                </a:schemeClr>
-              </a:buClr>
-              <a:buFont typeface="Arial" charset="0"/>
-              <a:buChar char="•"/>
-              <a:defRPr sz="2000" b="0" i="0" kern="1200">
-                <a:solidFill>
-                  <a:schemeClr val="tx1">
-                    <a:lumMod val="75000"/>
-                    <a:lumOff val="25000"/>
-                  </a:schemeClr>
-                </a:solidFill>
-                <a:latin typeface="Gotham Book"/>
-                <a:ea typeface="ＭＳ Ｐゴシック" charset="-128"/>
-                <a:cs typeface="Gotham Book"/>
-              </a:defRPr>
-            </a:lvl3pPr>
-            <a:lvl4pPr marL="1600200" indent="-228600" algn="l" defTabSz="457200" rtl="0" eaLnBrk="1" fontAlgn="base" hangingPunct="1">
-              <a:spcBef>
-                <a:spcPct val="20000"/>
-              </a:spcBef>
-              <a:spcAft>
-                <a:spcPct val="0"/>
-              </a:spcAft>
-              <a:buFont typeface="Arial" charset="0"/>
-              <a:buChar char="–"/>
-              <a:defRPr sz="2000" b="0" i="0" kern="1200">
-                <a:solidFill>
-                  <a:schemeClr val="tx1"/>
-                </a:solidFill>
-                <a:latin typeface="Gotham Book"/>
-                <a:ea typeface="ＭＳ Ｐゴシック" charset="-128"/>
-                <a:cs typeface="Gotham Book"/>
-              </a:defRPr>
-            </a:lvl4pPr>
-            <a:lvl5pPr marL="2057400" indent="-228600" algn="l" defTabSz="457200" rtl="0" eaLnBrk="1" fontAlgn="base" hangingPunct="1">
-              <a:spcBef>
-                <a:spcPct val="20000"/>
-              </a:spcBef>
-              <a:spcAft>
-                <a:spcPct val="0"/>
-              </a:spcAft>
-              <a:buFont typeface="Arial" charset="0"/>
-              <a:buChar char="»"/>
-              <a:defRPr sz="2000" b="0" i="0" kern="1200">
-                <a:solidFill>
-                  <a:schemeClr val="tx1"/>
-                </a:solidFill>
-                <a:latin typeface="Gotham Book"/>
-                <a:ea typeface="ＭＳ Ｐゴシック" charset="-128"/>
-                <a:cs typeface="Gotham Book"/>
-              </a:defRPr>
-            </a:lvl5pPr>
-            <a:lvl6pPr marL="2514600" indent="-228600" algn="l" defTabSz="457200" rtl="0" eaLnBrk="1" latinLnBrk="0" hangingPunct="1">
-              <a:spcBef>
-                <a:spcPct val="20000"/>
-              </a:spcBef>
-              <a:buFont typeface="Arial"/>
-              <a:buChar char="•"/>
-              <a:defRPr sz="2000" kern="1200">
-                <a:solidFill>
-                  <a:schemeClr val="tx1"/>
-                </a:solidFill>
-                <a:latin typeface="+mn-lt"/>
-                <a:ea typeface="+mn-ea"/>
-                <a:cs typeface="+mn-cs"/>
-              </a:defRPr>
-            </a:lvl6pPr>
-            <a:lvl7pPr marL="2971800" indent="-228600" algn="l" defTabSz="457200" rtl="0" eaLnBrk="1" latinLnBrk="0" hangingPunct="1">
-              <a:spcBef>
-                <a:spcPct val="20000"/>
-              </a:spcBef>
-              <a:buFont typeface="Arial"/>
-              <a:buChar char="•"/>
-              <a:defRPr sz="2000" kern="1200">
-                <a:solidFill>
-                  <a:schemeClr val="tx1"/>
-                </a:solidFill>
-                <a:latin typeface="+mn-lt"/>
-                <a:ea typeface="+mn-ea"/>
-                <a:cs typeface="+mn-cs"/>
-              </a:defRPr>
-            </a:lvl7pPr>
-            <a:lvl8pPr marL="3429000" indent="-228600" algn="l" defTabSz="457200" rtl="0" eaLnBrk="1" latinLnBrk="0" hangingPunct="1">
-              <a:spcBef>
-                <a:spcPct val="20000"/>
-              </a:spcBef>
-              <a:buFont typeface="Arial"/>
-              <a:buChar char="•"/>
-              <a:defRPr sz="2000" kern="1200">
-                <a:solidFill>
-                  <a:schemeClr val="tx1"/>
-                </a:solidFill>
-                <a:latin typeface="+mn-lt"/>
-                <a:ea typeface="+mn-ea"/>
-                <a:cs typeface="+mn-cs"/>
-              </a:defRPr>
-            </a:lvl8pPr>
-            <a:lvl9pPr marL="3886200" indent="-228600" algn="l" defTabSz="457200" rtl="0" eaLnBrk="1" latinLnBrk="0" hangingPunct="1">
-              <a:spcBef>
-                <a:spcPct val="20000"/>
-              </a:spcBef>
-              <a:buFont typeface="Arial"/>
-              <a:buChar char="•"/>
-              <a:defRPr sz="2000" kern="1200">
-                <a:solidFill>
-                  <a:schemeClr val="tx1"/>
-                </a:solidFill>
-                <a:latin typeface="+mn-lt"/>
-                <a:ea typeface="+mn-ea"/>
-                <a:cs typeface="+mn-cs"/>
-              </a:defRPr>
-            </a:lvl9pPr>
-          </a:lstStyle>
-          <a:p>
-            <a:pPr algn="just"/>
-            <a:endParaRPr lang="en-US" sz="2200" dirty="0">
-              <a:solidFill>
-                <a:srgbClr val="0070C0"/>
-              </a:solidFill>
-            </a:endParaRPr>
-          </a:p>
-        </p:txBody>
-      </p:sp>
-      <p:pic>
-        <p:nvPicPr>
-          <p:cNvPr id="6" name="Picture 5">
-            <a:extLst>
-              <a:ext uri="{FF2B5EF4-FFF2-40B4-BE49-F238E27FC236}">
-                <a16:creationId xmlns:a16="http://schemas.microsoft.com/office/drawing/2014/main" id="{A39FCA59-7576-4691-A6E7-E049A8D519E5}"/>
-              </a:ext>
-            </a:extLst>
-          </p:cNvPr>
-          <p:cNvPicPr>
-            <a:picLocks noChangeAspect="1"/>
-          </p:cNvPicPr>
-          <p:nvPr/>
-        </p:nvPicPr>
-        <p:blipFill>
-          <a:blip r:embed="rId2"/>
-          <a:stretch>
-            <a:fillRect/>
-          </a:stretch>
-        </p:blipFill>
-        <p:spPr>
-          <a:xfrm>
-            <a:off x="0" y="556471"/>
-            <a:ext cx="9144000" cy="5745057"/>
-          </a:xfrm>
-          <a:prstGeom prst="rect">
-            <a:avLst/>
-          </a:prstGeom>
-        </p:spPr>
-      </p:pic>
-    </p:spTree>
-    <p:extLst>
-      <p:ext uri="{BB962C8B-B14F-4D97-AF65-F5344CB8AC3E}">
-        <p14:creationId xmlns:p14="http://schemas.microsoft.com/office/powerpoint/2010/main" val="1163144737"/>
-      </p:ext>
-    </p:extLst>
-  </p:cSld>
-  <p:clrMapOvr>
-    <a:masterClrMapping/>
-  </p:clrMapOvr>
-  <p:timing>
-    <p:tnLst>
-      <p:par>
-        <p:cTn id="1" dur="indefinite" restart="never" nodeType="tmRoot">
-          <p:childTnLst>
-            <p:seq concurrent="1" nextAc="seek">
-              <p:cTn id="2" dur="indefinite" nodeType="mainSeq">
-                <p:childTnLst>
-                  <p:par>
-                    <p:cTn id="3" fill="hold">
-                      <p:stCondLst>
-                        <p:cond delay="indefinite"/>
-                      </p:stCondLst>
-                      <p:childTnLst>
-                        <p:par>
-                          <p:cTn id="4" fill="hold">
-                            <p:stCondLst>
-                              <p:cond delay="0"/>
-                            </p:stCondLst>
-                            <p:childTnLst>
-                              <p:par>
-                                <p:cTn id="5" presetID="10" presetClass="entr" presetSubtype="0" fill="hold" grpId="0" nodeType="clickEffect" nodePh="1">
-                                  <p:stCondLst>
-                                    <p:cond delay="0"/>
-                                  </p:stCondLst>
-                                  <p:endCondLst>
-                                    <p:cond evt="begin" delay="0">
-                                      <p:tn val="5"/>
-                                    </p:cond>
-                                  </p:endCondLst>
-                                  <p:childTnLst>
-                                    <p:set>
-                                      <p:cBhvr>
-                                        <p:cTn id="6" dur="1" fill="hold">
-                                          <p:stCondLst>
-                                            <p:cond delay="0"/>
-                                          </p:stCondLst>
-                                        </p:cTn>
-                                        <p:tgtEl>
-                                          <p:spTgt spid="4">
-                                            <p:txEl>
-                                              <p:pRg st="0" end="0"/>
-                                            </p:txEl>
-                                          </p:spTgt>
-                                        </p:tgtEl>
-                                        <p:attrNameLst>
-                                          <p:attrName>style.visibility</p:attrName>
-                                        </p:attrNameLst>
-                                      </p:cBhvr>
-                                      <p:to>
-                                        <p:strVal val="visible"/>
-                                      </p:to>
-                                    </p:set>
-                                    <p:animEffect transition="in" filter="fade">
-                                      <p:cBhvr>
-                                        <p:cTn id="7" dur="500"/>
-                                        <p:tgtEl>
-                                          <p:spTgt spid="4">
-                                            <p:txEl>
-                                              <p:pRg st="0" end="0"/>
-                                            </p:txEl>
-                                          </p:spTgt>
-                                        </p:tgtEl>
-                                      </p:cBhvr>
-                                    </p:animEffect>
-                                  </p:childTnLst>
-                                </p:cTn>
-                              </p:par>
-                            </p:childTnLst>
-                          </p:cTn>
-                        </p:par>
-                      </p:childTnLst>
-                    </p:cTn>
-                  </p:par>
-                </p:childTnLst>
-              </p:cTn>
-              <p:prevCondLst>
-                <p:cond evt="onPrev" delay="0">
-                  <p:tgtEl>
-                    <p:sldTgt/>
-                  </p:tgtEl>
-                </p:cond>
-              </p:prevCondLst>
-              <p:nextCondLst>
-                <p:cond evt="onNext" delay="0">
-                  <p:tgtEl>
-                    <p:sldTgt/>
-                  </p:tgtEl>
-                </p:cond>
-              </p:nextCondLst>
-            </p:seq>
-          </p:childTnLst>
-        </p:cTn>
-      </p:par>
-    </p:tnLst>
-    <p:bldLst>
-      <p:bldP spid="4" grpId="0" build="p"/>
-    </p:bldLst>
-  </p:timing>
-</p:sld>
-</file>
-
-<file path=ppt/slides/slide22.xml><?xml version="1.0" encoding="utf-8"?>
-<p:sld xmlns:a="http://schemas.openxmlformats.org/drawingml/2006/main" xmlns:r="http://schemas.openxmlformats.org/officeDocument/2006/relationships" xmlns:p="http://schemas.openxmlformats.org/presentationml/2006/main">
-  <p:cSld>
-    <p:spTree>
-      <p:nvGrpSpPr>
-        <p:cNvPr id="1" name=""/>
-        <p:cNvGrpSpPr/>
-        <p:nvPr/>
-      </p:nvGrpSpPr>
-      <p:grpSpPr>
-        <a:xfrm>
-          <a:off x="0" y="0"/>
-          <a:ext cx="0" cy="0"/>
-          <a:chOff x="0" y="0"/>
-          <a:chExt cx="0" cy="0"/>
-        </a:xfrm>
-      </p:grpSpPr>
-      <p:sp>
-        <p:nvSpPr>
-          <p:cNvPr id="5" name="Title 1">
-            <a:extLst>
-              <a:ext uri="{FF2B5EF4-FFF2-40B4-BE49-F238E27FC236}">
-                <a16:creationId xmlns:a16="http://schemas.microsoft.com/office/drawing/2014/main" id="{607C5C96-66AF-4BFD-80B4-BE0E46F3B28D}"/>
-              </a:ext>
-            </a:extLst>
-          </p:cNvPr>
-          <p:cNvSpPr txBox="1">
-            <a:spLocks/>
-          </p:cNvSpPr>
-          <p:nvPr/>
-        </p:nvSpPr>
-        <p:spPr>
-          <a:xfrm>
-            <a:off x="222847" y="0"/>
-            <a:ext cx="6477000" cy="990600"/>
-          </a:xfrm>
-          <a:prstGeom prst="rect">
-            <a:avLst/>
-          </a:prstGeom>
-        </p:spPr>
-        <p:txBody>
-          <a:bodyPr>
-            <a:normAutofit/>
-          </a:bodyPr>
-          <a:lstStyle>
-            <a:lvl1pPr algn="l" defTabSz="457200" rtl="0" eaLnBrk="1" fontAlgn="base" hangingPunct="1">
-              <a:spcBef>
-                <a:spcPct val="0"/>
-              </a:spcBef>
-              <a:spcAft>
-                <a:spcPct val="0"/>
-              </a:spcAft>
-              <a:defRPr sz="3600" b="0" i="0" kern="1200" baseline="0">
-                <a:solidFill>
-                  <a:srgbClr val="18453B"/>
-                </a:solidFill>
-                <a:latin typeface="Gotham-Bold"/>
-                <a:ea typeface="ＭＳ Ｐゴシック" charset="-128"/>
-                <a:cs typeface="Gotham-Bold"/>
-              </a:defRPr>
-            </a:lvl1pPr>
-            <a:lvl2pPr algn="ctr" defTabSz="457200" rtl="0" eaLnBrk="1" fontAlgn="base" hangingPunct="1">
-              <a:spcBef>
-                <a:spcPct val="0"/>
-              </a:spcBef>
-              <a:spcAft>
-                <a:spcPct val="0"/>
-              </a:spcAft>
-              <a:defRPr sz="4400">
-                <a:solidFill>
-                  <a:schemeClr val="tx1"/>
-                </a:solidFill>
-                <a:latin typeface="Gotham Book" charset="0"/>
-                <a:ea typeface="ＭＳ Ｐゴシック" charset="-128"/>
-                <a:cs typeface="ＭＳ Ｐゴシック" charset="-128"/>
-              </a:defRPr>
-            </a:lvl2pPr>
-            <a:lvl3pPr algn="ctr" defTabSz="457200" rtl="0" eaLnBrk="1" fontAlgn="base" hangingPunct="1">
-              <a:spcBef>
-                <a:spcPct val="0"/>
-              </a:spcBef>
-              <a:spcAft>
-                <a:spcPct val="0"/>
-              </a:spcAft>
-              <a:defRPr sz="4400">
-                <a:solidFill>
-                  <a:schemeClr val="tx1"/>
-                </a:solidFill>
-                <a:latin typeface="Gotham Book" charset="0"/>
-                <a:ea typeface="ＭＳ Ｐゴシック" charset="-128"/>
-                <a:cs typeface="ＭＳ Ｐゴシック" charset="-128"/>
-              </a:defRPr>
-            </a:lvl3pPr>
-            <a:lvl4pPr algn="ctr" defTabSz="457200" rtl="0" eaLnBrk="1" fontAlgn="base" hangingPunct="1">
-              <a:spcBef>
-                <a:spcPct val="0"/>
-              </a:spcBef>
-              <a:spcAft>
-                <a:spcPct val="0"/>
-              </a:spcAft>
-              <a:defRPr sz="4400">
-                <a:solidFill>
-                  <a:schemeClr val="tx1"/>
-                </a:solidFill>
-                <a:latin typeface="Gotham Book" charset="0"/>
-                <a:ea typeface="ＭＳ Ｐゴシック" charset="-128"/>
-                <a:cs typeface="ＭＳ Ｐゴシック" charset="-128"/>
-              </a:defRPr>
-            </a:lvl4pPr>
-            <a:lvl5pPr algn="ctr" defTabSz="457200" rtl="0" eaLnBrk="1" fontAlgn="base" hangingPunct="1">
-              <a:spcBef>
-                <a:spcPct val="0"/>
-              </a:spcBef>
-              <a:spcAft>
-                <a:spcPct val="0"/>
-              </a:spcAft>
-              <a:defRPr sz="4400">
-                <a:solidFill>
-                  <a:schemeClr val="tx1"/>
-                </a:solidFill>
-                <a:latin typeface="Gotham Book" charset="0"/>
-                <a:ea typeface="ＭＳ Ｐゴシック" charset="-128"/>
-                <a:cs typeface="ＭＳ Ｐゴシック" charset="-128"/>
-              </a:defRPr>
-            </a:lvl5pPr>
-            <a:lvl6pPr marL="457200" algn="ctr" defTabSz="457200" rtl="0" eaLnBrk="1" fontAlgn="base" hangingPunct="1">
-              <a:spcBef>
-                <a:spcPct val="0"/>
-              </a:spcBef>
-              <a:spcAft>
-                <a:spcPct val="0"/>
-              </a:spcAft>
-              <a:defRPr sz="4400">
-                <a:solidFill>
-                  <a:schemeClr val="tx1"/>
-                </a:solidFill>
-                <a:latin typeface="Gotham Book" charset="0"/>
-                <a:ea typeface="ＭＳ Ｐゴシック" charset="-128"/>
-                <a:cs typeface="ＭＳ Ｐゴシック" charset="-128"/>
-              </a:defRPr>
-            </a:lvl6pPr>
-            <a:lvl7pPr marL="914400" algn="ctr" defTabSz="457200" rtl="0" eaLnBrk="1" fontAlgn="base" hangingPunct="1">
-              <a:spcBef>
-                <a:spcPct val="0"/>
-              </a:spcBef>
-              <a:spcAft>
-                <a:spcPct val="0"/>
-              </a:spcAft>
-              <a:defRPr sz="4400">
-                <a:solidFill>
-                  <a:schemeClr val="tx1"/>
-                </a:solidFill>
-                <a:latin typeface="Gotham Book" charset="0"/>
-                <a:ea typeface="ＭＳ Ｐゴシック" charset="-128"/>
-                <a:cs typeface="ＭＳ Ｐゴシック" charset="-128"/>
-              </a:defRPr>
-            </a:lvl7pPr>
-            <a:lvl8pPr marL="1371600" algn="ctr" defTabSz="457200" rtl="0" eaLnBrk="1" fontAlgn="base" hangingPunct="1">
-              <a:spcBef>
-                <a:spcPct val="0"/>
-              </a:spcBef>
-              <a:spcAft>
-                <a:spcPct val="0"/>
-              </a:spcAft>
-              <a:defRPr sz="4400">
-                <a:solidFill>
-                  <a:schemeClr val="tx1"/>
-                </a:solidFill>
-                <a:latin typeface="Gotham Book" charset="0"/>
-                <a:ea typeface="ＭＳ Ｐゴシック" charset="-128"/>
-                <a:cs typeface="ＭＳ Ｐゴシック" charset="-128"/>
-              </a:defRPr>
-            </a:lvl8pPr>
-            <a:lvl9pPr marL="1828800" algn="ctr" defTabSz="457200" rtl="0" eaLnBrk="1" fontAlgn="base" hangingPunct="1">
-              <a:spcBef>
-                <a:spcPct val="0"/>
-              </a:spcBef>
-              <a:spcAft>
-                <a:spcPct val="0"/>
-              </a:spcAft>
-              <a:defRPr sz="4400">
-                <a:solidFill>
-                  <a:schemeClr val="tx1"/>
-                </a:solidFill>
-                <a:latin typeface="Gotham Book" charset="0"/>
-                <a:ea typeface="ＭＳ Ｐゴシック" charset="-128"/>
-                <a:cs typeface="ＭＳ Ｐゴシック" charset="-128"/>
-              </a:defRPr>
-            </a:lvl9pPr>
-          </a:lstStyle>
-          <a:p>
-            <a:r>
-              <a:rPr lang="en-US" sz="3500" dirty="0">
-                <a:solidFill>
-                  <a:schemeClr val="bg1"/>
-                </a:solidFill>
-              </a:rPr>
-              <a:t>Other Issues with Cross-validation</a:t>
-            </a:r>
-          </a:p>
-        </p:txBody>
-      </p:sp>
-      <p:sp>
-        <p:nvSpPr>
-          <p:cNvPr id="4" name="TextBox 3">
-            <a:extLst>
-              <a:ext uri="{FF2B5EF4-FFF2-40B4-BE49-F238E27FC236}">
-                <a16:creationId xmlns:a16="http://schemas.microsoft.com/office/drawing/2014/main" id="{0F27D38B-CA85-45EC-9FC5-48B46340658D}"/>
-              </a:ext>
-            </a:extLst>
-          </p:cNvPr>
-          <p:cNvSpPr txBox="1"/>
-          <p:nvPr/>
-        </p:nvSpPr>
-        <p:spPr>
-          <a:xfrm>
-            <a:off x="304799" y="946366"/>
-            <a:ext cx="8532575" cy="2308324"/>
-          </a:xfrm>
-          <a:prstGeom prst="rect">
-            <a:avLst/>
-          </a:prstGeom>
-          <a:noFill/>
-        </p:spPr>
-        <p:txBody>
-          <a:bodyPr wrap="square">
-            <a:spAutoFit/>
-          </a:bodyPr>
-          <a:lstStyle/>
-          <a:p>
-            <a:endParaRPr lang="en-US" dirty="0"/>
-          </a:p>
-          <a:p>
-            <a:pPr marL="285750" indent="-285750">
-              <a:buFont typeface="Arial" panose="020B0604020202020204" pitchFamily="34" charset="0"/>
-              <a:buChar char="•"/>
-            </a:pPr>
-            <a:r>
-              <a:rPr lang="en-US" dirty="0"/>
-              <a:t>Since each training set is only </a:t>
-            </a:r>
-            <a:r>
-              <a:rPr lang="en-US" i="1" dirty="0"/>
-              <a:t>(K − 1)/K</a:t>
-            </a:r>
-            <a:r>
-              <a:rPr lang="en-US" dirty="0"/>
-              <a:t> as big as the original training set, the estimates of prediction error will typically be </a:t>
-            </a:r>
-            <a:r>
-              <a:rPr lang="en-US" dirty="0">
-                <a:solidFill>
-                  <a:srgbClr val="0C533A"/>
-                </a:solidFill>
-              </a:rPr>
-              <a:t>biased upward</a:t>
-            </a:r>
-            <a:r>
-              <a:rPr lang="en-US" dirty="0"/>
-              <a:t>. Why?</a:t>
-            </a:r>
-          </a:p>
-          <a:p>
-            <a:pPr marL="285750" indent="-285750">
-              <a:buFont typeface="Arial" panose="020B0604020202020204" pitchFamily="34" charset="0"/>
-              <a:buChar char="•"/>
-            </a:pPr>
-            <a:endParaRPr lang="en-US" dirty="0"/>
-          </a:p>
-          <a:p>
-            <a:pPr marL="285750" indent="-285750">
-              <a:buFont typeface="Arial" panose="020B0604020202020204" pitchFamily="34" charset="0"/>
-              <a:buChar char="•"/>
-            </a:pPr>
-            <a:r>
-              <a:rPr lang="en-US" dirty="0"/>
-              <a:t>This bias is minimized when </a:t>
-            </a:r>
-            <a:r>
-              <a:rPr lang="en-US" i="1" dirty="0"/>
-              <a:t>K = n </a:t>
-            </a:r>
-            <a:r>
-              <a:rPr lang="en-US" dirty="0"/>
-              <a:t>(LOOCV), but this estimate has high variance. </a:t>
-            </a:r>
-          </a:p>
-          <a:p>
-            <a:pPr marL="285750" indent="-285750">
-              <a:buFont typeface="Arial" panose="020B0604020202020204" pitchFamily="34" charset="0"/>
-              <a:buChar char="•"/>
-            </a:pPr>
-            <a:endParaRPr lang="en-US" dirty="0"/>
-          </a:p>
-          <a:p>
-            <a:pPr marL="285750" indent="-285750">
-              <a:buFont typeface="Arial" panose="020B0604020202020204" pitchFamily="34" charset="0"/>
-              <a:buChar char="•"/>
-            </a:pPr>
-            <a:r>
-              <a:rPr lang="en-US" i="1" dirty="0"/>
-              <a:t>K </a:t>
-            </a:r>
-            <a:r>
-              <a:rPr lang="en-US" dirty="0"/>
-              <a:t>= 5 or 10 are common choices</a:t>
-            </a:r>
-          </a:p>
-        </p:txBody>
-      </p:sp>
-    </p:spTree>
-    <p:extLst>
-      <p:ext uri="{BB962C8B-B14F-4D97-AF65-F5344CB8AC3E}">
-        <p14:creationId xmlns:p14="http://schemas.microsoft.com/office/powerpoint/2010/main" val="3855006562"/>
-      </p:ext>
-    </p:extLst>
-  </p:cSld>
-  <p:clrMapOvr>
-    <a:masterClrMapping/>
-  </p:clrMapOvr>
-  <p:timing>
-    <p:tnLst>
-      <p:par>
-        <p:cTn id="1" dur="indefinite" restart="never" nodeType="tmRoot">
-          <p:childTnLst>
-            <p:seq concurrent="1" nextAc="seek">
-              <p:cTn id="2" dur="indefinite" nodeType="mainSeq">
-                <p:childTnLst>
-                  <p:par>
-                    <p:cTn id="3" fill="hold">
-                      <p:stCondLst>
-                        <p:cond delay="indefinite"/>
-                      </p:stCondLst>
-                      <p:childTnLst>
-                        <p:par>
-                          <p:cTn id="4" fill="hold">
-                            <p:stCondLst>
-                              <p:cond delay="0"/>
-                            </p:stCondLst>
-                            <p:childTnLst>
-                              <p:par>
-                                <p:cTn id="5" presetID="10" presetClass="entr" presetSubtype="0" fill="hold" grpId="0" nodeType="clickEffect">
-                                  <p:stCondLst>
-                                    <p:cond delay="0"/>
-                                  </p:stCondLst>
-                                  <p:childTnLst>
-                                    <p:set>
-                                      <p:cBhvr>
-                                        <p:cTn id="6" dur="1" fill="hold">
-                                          <p:stCondLst>
-                                            <p:cond delay="0"/>
-                                          </p:stCondLst>
-                                        </p:cTn>
-                                        <p:tgtEl>
-                                          <p:spTgt spid="4"/>
-                                        </p:tgtEl>
-                                        <p:attrNameLst>
-                                          <p:attrName>style.visibility</p:attrName>
-                                        </p:attrNameLst>
-                                      </p:cBhvr>
-                                      <p:to>
-                                        <p:strVal val="visible"/>
-                                      </p:to>
-                                    </p:set>
-                                    <p:animEffect transition="in" filter="fade">
-                                      <p:cBhvr>
-                                        <p:cTn id="7" dur="500"/>
-                                        <p:tgtEl>
-                                          <p:spTgt spid="4"/>
-                                        </p:tgtEl>
-                                      </p:cBhvr>
-                                    </p:animEffect>
-                                  </p:childTnLst>
-                                </p:cTn>
-                              </p:par>
-                            </p:childTnLst>
-                          </p:cTn>
-                        </p:par>
-                      </p:childTnLst>
-                    </p:cTn>
-                  </p:par>
-                </p:childTnLst>
-              </p:cTn>
-              <p:prevCondLst>
-                <p:cond evt="onPrev" delay="0">
-                  <p:tgtEl>
-                    <p:sldTgt/>
-                  </p:tgtEl>
-                </p:cond>
-              </p:prevCondLst>
-              <p:nextCondLst>
-                <p:cond evt="onNext" delay="0">
-                  <p:tgtEl>
-                    <p:sldTgt/>
-                  </p:tgtEl>
-                </p:cond>
-              </p:nextCondLst>
-            </p:seq>
-          </p:childTnLst>
-        </p:cTn>
-      </p:par>
-    </p:tnLst>
-    <p:bldLst>
-      <p:bldP spid="4" grpId="0"/>
-    </p:bldLst>
-  </p:timing>
-</p:sld>
-</file>
-
-<file path=ppt/slides/slide23.xml><?xml version="1.0" encoding="utf-8"?>
-<p:sld xmlns:a="http://schemas.openxmlformats.org/drawingml/2006/main" xmlns:r="http://schemas.openxmlformats.org/officeDocument/2006/relationships" xmlns:p="http://schemas.openxmlformats.org/presentationml/2006/main">
-  <p:cSld>
-    <p:spTree>
-      <p:nvGrpSpPr>
-        <p:cNvPr id="1" name=""/>
-        <p:cNvGrpSpPr/>
-        <p:nvPr/>
-      </p:nvGrpSpPr>
-      <p:grpSpPr>
-        <a:xfrm>
-          <a:off x="0" y="0"/>
-          <a:ext cx="0" cy="0"/>
-          <a:chOff x="0" y="0"/>
-          <a:chExt cx="0" cy="0"/>
-        </a:xfrm>
-      </p:grpSpPr>
-      <p:sp>
-        <p:nvSpPr>
-          <p:cNvPr id="5" name="Title 1">
-            <a:extLst>
-              <a:ext uri="{FF2B5EF4-FFF2-40B4-BE49-F238E27FC236}">
                 <a16:creationId xmlns:a16="http://schemas.microsoft.com/office/drawing/2014/main" id="{A72240C3-EDC2-4337-84BC-E59256B4147E}"/>
               </a:ext>
             </a:extLst>
@@ -10485,2160 +9384,23 @@
           <a:p>
             <a:pPr algn="l"/>
             <a:r>
-              <a:rPr lang="en-US" sz="3600" dirty="0"/>
-              <a:t>CV for Classification</a:t>
+              <a:rPr lang="en-US" sz="3600" b="1" dirty="0"/>
+              <a:t>Coding – Building k-fold CV</a:t>
             </a:r>
-            <a:endParaRPr lang="en-US" sz="3500" dirty="0"/>
+            <a:endParaRPr lang="en-US" sz="3500" b="1" dirty="0"/>
           </a:p>
         </p:txBody>
       </p:sp>
-      <p:sp>
-        <p:nvSpPr>
-          <p:cNvPr id="15" name="TextBox 14">
-            <a:extLst>
-              <a:ext uri="{FF2B5EF4-FFF2-40B4-BE49-F238E27FC236}">
-                <a16:creationId xmlns:a16="http://schemas.microsoft.com/office/drawing/2014/main" id="{76B55FB0-4230-4B47-AF47-24D9C40A8A5C}"/>
-              </a:ext>
-            </a:extLst>
-          </p:cNvPr>
-          <p:cNvSpPr txBox="1"/>
-          <p:nvPr/>
-        </p:nvSpPr>
-        <p:spPr>
-          <a:xfrm>
-            <a:off x="304800" y="946367"/>
-            <a:ext cx="8305800" cy="2862322"/>
-          </a:xfrm>
-          <a:prstGeom prst="rect">
-            <a:avLst/>
-          </a:prstGeom>
-          <a:noFill/>
-        </p:spPr>
-        <p:txBody>
-          <a:bodyPr wrap="square">
-            <a:spAutoFit/>
-          </a:bodyPr>
-          <a:lstStyle/>
-          <a:p>
-            <a:endParaRPr lang="en-US" dirty="0"/>
-          </a:p>
-          <a:p>
-            <a:pPr marL="285750" indent="-285750">
-              <a:buFont typeface="Arial" panose="020B0604020202020204" pitchFamily="34" charset="0"/>
-              <a:buChar char="•"/>
-            </a:pPr>
-            <a:r>
-              <a:rPr lang="en-US" dirty="0"/>
-              <a:t>We divide the data into </a:t>
-            </a:r>
-            <a:r>
-              <a:rPr lang="en-US" i="1" dirty="0"/>
-              <a:t>K</a:t>
-            </a:r>
-            <a:r>
-              <a:rPr lang="en-US" dirty="0"/>
-              <a:t> roughly equal-sized parts</a:t>
-            </a:r>
-          </a:p>
-          <a:p>
-            <a:pPr marL="285750" indent="-285750">
-              <a:buFont typeface="Arial" panose="020B0604020202020204" pitchFamily="34" charset="0"/>
-              <a:buChar char="•"/>
-            </a:pPr>
-            <a:endParaRPr lang="en-US" dirty="0"/>
-          </a:p>
-          <a:p>
-            <a:pPr marL="285750" indent="-285750">
-              <a:buFont typeface="Arial" panose="020B0604020202020204" pitchFamily="34" charset="0"/>
-              <a:buChar char="•"/>
-            </a:pPr>
-            <a:endParaRPr lang="en-US" dirty="0"/>
-          </a:p>
-          <a:p>
-            <a:pPr marL="285750" indent="-285750">
-              <a:buFont typeface="Arial" panose="020B0604020202020204" pitchFamily="34" charset="0"/>
-              <a:buChar char="•"/>
-            </a:pPr>
-            <a:endParaRPr lang="en-US" dirty="0"/>
-          </a:p>
-          <a:p>
-            <a:pPr marL="285750" indent="-285750">
-              <a:buFont typeface="Arial" panose="020B0604020202020204" pitchFamily="34" charset="0"/>
-              <a:buChar char="•"/>
-            </a:pPr>
-            <a:endParaRPr lang="en-US" dirty="0"/>
-          </a:p>
-          <a:p>
-            <a:pPr marL="285750" indent="-285750">
-              <a:buFont typeface="Arial" panose="020B0604020202020204" pitchFamily="34" charset="0"/>
-              <a:buChar char="•"/>
-            </a:pPr>
-            <a:endParaRPr lang="en-US" dirty="0"/>
-          </a:p>
-          <a:p>
-            <a:pPr marL="285750" indent="-285750">
-              <a:buFont typeface="Arial" panose="020B0604020202020204" pitchFamily="34" charset="0"/>
-              <a:buChar char="•"/>
-            </a:pPr>
-            <a:endParaRPr lang="en-US" dirty="0"/>
-          </a:p>
-          <a:p>
-            <a:pPr marL="285750" indent="-285750">
-              <a:buFont typeface="Arial" panose="020B0604020202020204" pitchFamily="34" charset="0"/>
-              <a:buChar char="•"/>
-            </a:pPr>
-            <a:endParaRPr lang="en-US" dirty="0"/>
-          </a:p>
-          <a:p>
-            <a:pPr marL="285750" indent="-285750">
-              <a:buFont typeface="Arial" panose="020B0604020202020204" pitchFamily="34" charset="0"/>
-              <a:buChar char="•"/>
-            </a:pPr>
-            <a:endParaRPr lang="en-US" i="1" dirty="0"/>
-          </a:p>
-        </p:txBody>
-      </p:sp>
-      <p:pic>
-        <p:nvPicPr>
-          <p:cNvPr id="4" name="Picture 3">
-            <a:extLst>
-              <a:ext uri="{FF2B5EF4-FFF2-40B4-BE49-F238E27FC236}">
-                <a16:creationId xmlns:a16="http://schemas.microsoft.com/office/drawing/2014/main" id="{1D7EAE28-472C-4064-803E-608BDFEE8852}"/>
-              </a:ext>
-            </a:extLst>
-          </p:cNvPr>
-          <p:cNvPicPr>
-            <a:picLocks noChangeAspect="1"/>
-          </p:cNvPicPr>
-          <p:nvPr/>
-        </p:nvPicPr>
-        <p:blipFill>
-          <a:blip r:embed="rId2"/>
-          <a:stretch>
-            <a:fillRect/>
-          </a:stretch>
-        </p:blipFill>
-        <p:spPr>
-          <a:xfrm>
-            <a:off x="946724" y="1853661"/>
-            <a:ext cx="5193823" cy="1835592"/>
-          </a:xfrm>
-          <a:prstGeom prst="rect">
-            <a:avLst/>
-          </a:prstGeom>
-        </p:spPr>
-      </p:pic>
     </p:spTree>
     <p:extLst>
       <p:ext uri="{BB962C8B-B14F-4D97-AF65-F5344CB8AC3E}">
-        <p14:creationId xmlns:p14="http://schemas.microsoft.com/office/powerpoint/2010/main" val="1567346295"/>
+        <p14:creationId xmlns:p14="http://schemas.microsoft.com/office/powerpoint/2010/main" val="4054033628"/>
       </p:ext>
     </p:extLst>
   </p:cSld>
   <p:clrMapOvr>
     <a:masterClrMapping/>
   </p:clrMapOvr>
-</p:sld>
-</file>
-
-<file path=ppt/slides/slide24.xml><?xml version="1.0" encoding="utf-8"?>
-<p:sld xmlns:a="http://schemas.openxmlformats.org/drawingml/2006/main" xmlns:r="http://schemas.openxmlformats.org/officeDocument/2006/relationships" xmlns:p="http://schemas.openxmlformats.org/presentationml/2006/main">
-  <p:cSld>
-    <p:spTree>
-      <p:nvGrpSpPr>
-        <p:cNvPr id="1" name=""/>
-        <p:cNvGrpSpPr/>
-        <p:nvPr/>
-      </p:nvGrpSpPr>
-      <p:grpSpPr>
-        <a:xfrm>
-          <a:off x="0" y="0"/>
-          <a:ext cx="0" cy="0"/>
-          <a:chOff x="0" y="0"/>
-          <a:chExt cx="0" cy="0"/>
-        </a:xfrm>
-      </p:grpSpPr>
-      <p:sp>
-        <p:nvSpPr>
-          <p:cNvPr id="5" name="Title 1">
-            <a:extLst>
-              <a:ext uri="{FF2B5EF4-FFF2-40B4-BE49-F238E27FC236}">
-                <a16:creationId xmlns:a16="http://schemas.microsoft.com/office/drawing/2014/main" id="{A72240C3-EDC2-4337-84BC-E59256B4147E}"/>
-              </a:ext>
-            </a:extLst>
-          </p:cNvPr>
-          <p:cNvSpPr txBox="1">
-            <a:spLocks/>
-          </p:cNvSpPr>
-          <p:nvPr/>
-        </p:nvSpPr>
-        <p:spPr>
-          <a:xfrm>
-            <a:off x="304800" y="56270"/>
-            <a:ext cx="8305800" cy="490531"/>
-          </a:xfrm>
-          <a:prstGeom prst="rect">
-            <a:avLst/>
-          </a:prstGeom>
-        </p:spPr>
-        <p:txBody>
-          <a:bodyPr vert="horz" lIns="91440" tIns="45720" rIns="91440" bIns="45720" rtlCol="0" anchor="b">
-            <a:normAutofit fontScale="82500" lnSpcReduction="20000"/>
-          </a:bodyPr>
-          <a:lstStyle>
-            <a:lvl1pPr algn="ctr" defTabSz="914400" rtl="0" eaLnBrk="1" latinLnBrk="0" hangingPunct="1">
-              <a:spcBef>
-                <a:spcPct val="0"/>
-              </a:spcBef>
-              <a:buNone/>
-              <a:defRPr sz="4400" kern="1200">
-                <a:solidFill>
-                  <a:srgbClr val="FFFFFF"/>
-                </a:solidFill>
-                <a:latin typeface="+mj-lt"/>
-                <a:ea typeface="+mj-ea"/>
-                <a:cs typeface="+mj-cs"/>
-              </a:defRPr>
-            </a:lvl1pPr>
-            <a:lvl2pPr eaLnBrk="1" hangingPunct="1">
-              <a:defRPr>
-                <a:solidFill>
-                  <a:schemeClr val="tx2"/>
-                </a:solidFill>
-              </a:defRPr>
-            </a:lvl2pPr>
-            <a:lvl3pPr eaLnBrk="1" hangingPunct="1">
-              <a:defRPr>
-                <a:solidFill>
-                  <a:schemeClr val="tx2"/>
-                </a:solidFill>
-              </a:defRPr>
-            </a:lvl3pPr>
-            <a:lvl4pPr eaLnBrk="1" hangingPunct="1">
-              <a:defRPr>
-                <a:solidFill>
-                  <a:schemeClr val="tx2"/>
-                </a:solidFill>
-              </a:defRPr>
-            </a:lvl4pPr>
-            <a:lvl5pPr eaLnBrk="1" hangingPunct="1">
-              <a:defRPr>
-                <a:solidFill>
-                  <a:schemeClr val="tx2"/>
-                </a:solidFill>
-              </a:defRPr>
-            </a:lvl5pPr>
-            <a:lvl6pPr eaLnBrk="1" hangingPunct="1">
-              <a:defRPr>
-                <a:solidFill>
-                  <a:schemeClr val="tx2"/>
-                </a:solidFill>
-              </a:defRPr>
-            </a:lvl6pPr>
-            <a:lvl7pPr eaLnBrk="1" hangingPunct="1">
-              <a:defRPr>
-                <a:solidFill>
-                  <a:schemeClr val="tx2"/>
-                </a:solidFill>
-              </a:defRPr>
-            </a:lvl7pPr>
-            <a:lvl8pPr eaLnBrk="1" hangingPunct="1">
-              <a:defRPr>
-                <a:solidFill>
-                  <a:schemeClr val="tx2"/>
-                </a:solidFill>
-              </a:defRPr>
-            </a:lvl8pPr>
-            <a:lvl9pPr eaLnBrk="1" hangingPunct="1">
-              <a:defRPr>
-                <a:solidFill>
-                  <a:schemeClr val="tx2"/>
-                </a:solidFill>
-              </a:defRPr>
-            </a:lvl9pPr>
-          </a:lstStyle>
-          <a:p>
-            <a:pPr algn="l"/>
-            <a:r>
-              <a:rPr lang="en-US" altLang="zh-CN" sz="3600" dirty="0"/>
-              <a:t>Example: GWAS</a:t>
-            </a:r>
-            <a:endParaRPr lang="en-US" sz="3500" dirty="0"/>
-          </a:p>
-        </p:txBody>
-      </p:sp>
-      <p:sp>
-        <p:nvSpPr>
-          <p:cNvPr id="6" name="TextBox 5">
-            <a:extLst>
-              <a:ext uri="{FF2B5EF4-FFF2-40B4-BE49-F238E27FC236}">
-                <a16:creationId xmlns:a16="http://schemas.microsoft.com/office/drawing/2014/main" id="{52C0DDCA-2D75-45CF-99E0-29652ABE6857}"/>
-              </a:ext>
-            </a:extLst>
-          </p:cNvPr>
-          <p:cNvSpPr txBox="1"/>
-          <p:nvPr/>
-        </p:nvSpPr>
-        <p:spPr>
-          <a:xfrm>
-            <a:off x="304800" y="1032912"/>
-            <a:ext cx="8305800" cy="646331"/>
-          </a:xfrm>
-          <a:prstGeom prst="rect">
-            <a:avLst/>
-          </a:prstGeom>
-          <a:noFill/>
-        </p:spPr>
-        <p:txBody>
-          <a:bodyPr wrap="square">
-            <a:spAutoFit/>
-          </a:bodyPr>
-          <a:lstStyle/>
-          <a:p>
-            <a:endParaRPr lang="en-US" dirty="0"/>
-          </a:p>
-          <a:p>
-            <a:endParaRPr lang="en-US" dirty="0"/>
-          </a:p>
-        </p:txBody>
-      </p:sp>
-      <p:sp>
-        <p:nvSpPr>
-          <p:cNvPr id="2" name="TextBox 1">
-            <a:extLst>
-              <a:ext uri="{FF2B5EF4-FFF2-40B4-BE49-F238E27FC236}">
-                <a16:creationId xmlns:a16="http://schemas.microsoft.com/office/drawing/2014/main" id="{BC9871B4-A940-42B0-A208-AA289C51B2C6}"/>
-              </a:ext>
-            </a:extLst>
-          </p:cNvPr>
-          <p:cNvSpPr txBox="1"/>
-          <p:nvPr/>
-        </p:nvSpPr>
-        <p:spPr>
-          <a:xfrm>
-            <a:off x="436097" y="1278374"/>
-            <a:ext cx="7548489" cy="3139321"/>
-          </a:xfrm>
-          <a:prstGeom prst="rect">
-            <a:avLst/>
-          </a:prstGeom>
-          <a:noFill/>
-        </p:spPr>
-        <p:txBody>
-          <a:bodyPr wrap="square" rtlCol="0">
-            <a:spAutoFit/>
-          </a:bodyPr>
-          <a:lstStyle/>
-          <a:p>
-            <a:pPr marL="285750" indent="-285750">
-              <a:buFont typeface="Arial" panose="020B0604020202020204" pitchFamily="34" charset="0"/>
-              <a:buChar char="•"/>
-            </a:pPr>
-            <a:r>
-              <a:rPr lang="en-US" altLang="zh-CN" dirty="0"/>
-              <a:t>Sample size </a:t>
-            </a:r>
-            <a:r>
-              <a:rPr lang="en-US" altLang="zh-CN" i="1" dirty="0"/>
-              <a:t>n</a:t>
-            </a:r>
-            <a:r>
-              <a:rPr lang="en-US" altLang="zh-CN" dirty="0"/>
-              <a:t> = 50, number of predictors (SNPs) </a:t>
-            </a:r>
-            <a:r>
-              <a:rPr lang="en-US" altLang="zh-CN" i="1" dirty="0"/>
-              <a:t>p</a:t>
-            </a:r>
-            <a:r>
-              <a:rPr lang="en-US" altLang="zh-CN" dirty="0"/>
-              <a:t> = 5000; Predictor heart attach after age of 60.</a:t>
-            </a:r>
-          </a:p>
-          <a:p>
-            <a:pPr marL="285750" indent="-285750">
-              <a:buFont typeface="Arial" panose="020B0604020202020204" pitchFamily="34" charset="0"/>
-              <a:buChar char="•"/>
-            </a:pPr>
-            <a:endParaRPr lang="en-US" altLang="zh-CN" dirty="0"/>
-          </a:p>
-          <a:p>
-            <a:pPr marL="742950" lvl="1" indent="-285750">
-              <a:buFont typeface="Arial" panose="020B0604020202020204" pitchFamily="34" charset="0"/>
-              <a:buChar char="•"/>
-            </a:pPr>
-            <a:r>
-              <a:rPr lang="en-US" altLang="zh-CN" dirty="0"/>
-              <a:t>Step 1: Select the top 100 predictors having the largest correlation with the class labels </a:t>
-            </a:r>
-          </a:p>
-          <a:p>
-            <a:pPr marL="285750" indent="-285750">
-              <a:buFont typeface="Arial" panose="020B0604020202020204" pitchFamily="34" charset="0"/>
-              <a:buChar char="•"/>
-            </a:pPr>
-            <a:endParaRPr lang="en-US" altLang="zh-CN" dirty="0"/>
-          </a:p>
-          <a:p>
-            <a:pPr marL="742950" lvl="1" indent="-285750">
-              <a:buFont typeface="Arial" panose="020B0604020202020204" pitchFamily="34" charset="0"/>
-              <a:buChar char="•"/>
-            </a:pPr>
-            <a:r>
-              <a:rPr lang="en-US" altLang="zh-CN" dirty="0"/>
-              <a:t>Step2: We then apply a classifier (logistic regression) using only these 100 predictors</a:t>
-            </a:r>
-          </a:p>
-          <a:p>
-            <a:pPr marL="285750" indent="-285750">
-              <a:buFont typeface="Arial" panose="020B0604020202020204" pitchFamily="34" charset="0"/>
-              <a:buChar char="•"/>
-            </a:pPr>
-            <a:endParaRPr lang="en-US" altLang="zh-CN" dirty="0"/>
-          </a:p>
-          <a:p>
-            <a:r>
-              <a:rPr lang="en-US" altLang="zh-CN" dirty="0"/>
-              <a:t>How  do we estimate the test set performance of this classifier?</a:t>
-            </a:r>
-          </a:p>
-          <a:p>
-            <a:r>
-              <a:rPr lang="en-US" altLang="zh-CN" dirty="0"/>
-              <a:t> </a:t>
-            </a:r>
-            <a:endParaRPr lang="en-US" dirty="0"/>
-          </a:p>
-        </p:txBody>
-      </p:sp>
-    </p:spTree>
-    <p:extLst>
-      <p:ext uri="{BB962C8B-B14F-4D97-AF65-F5344CB8AC3E}">
-        <p14:creationId xmlns:p14="http://schemas.microsoft.com/office/powerpoint/2010/main" val="3689888555"/>
-      </p:ext>
-    </p:extLst>
-  </p:cSld>
-  <p:clrMapOvr>
-    <a:masterClrMapping/>
-  </p:clrMapOvr>
-  <p:timing>
-    <p:tnLst>
-      <p:par>
-        <p:cTn id="1" dur="indefinite" restart="never" nodeType="tmRoot">
-          <p:childTnLst>
-            <p:seq concurrent="1" nextAc="seek">
-              <p:cTn id="2" dur="indefinite" nodeType="mainSeq">
-                <p:childTnLst>
-                  <p:par>
-                    <p:cTn id="3" fill="hold">
-                      <p:stCondLst>
-                        <p:cond delay="indefinite"/>
-                      </p:stCondLst>
-                      <p:childTnLst>
-                        <p:par>
-                          <p:cTn id="4" fill="hold">
-                            <p:stCondLst>
-                              <p:cond delay="0"/>
-                            </p:stCondLst>
-                            <p:childTnLst>
-                              <p:par>
-                                <p:cTn id="5" presetID="10" presetClass="entr" presetSubtype="0" fill="hold" nodeType="clickEffect">
-                                  <p:stCondLst>
-                                    <p:cond delay="0"/>
-                                  </p:stCondLst>
-                                  <p:childTnLst>
-                                    <p:set>
-                                      <p:cBhvr>
-                                        <p:cTn id="6" dur="1" fill="hold">
-                                          <p:stCondLst>
-                                            <p:cond delay="0"/>
-                                          </p:stCondLst>
-                                        </p:cTn>
-                                        <p:tgtEl>
-                                          <p:spTgt spid="2">
-                                            <p:txEl>
-                                              <p:pRg st="0" end="0"/>
-                                            </p:txEl>
-                                          </p:spTgt>
-                                        </p:tgtEl>
-                                        <p:attrNameLst>
-                                          <p:attrName>style.visibility</p:attrName>
-                                        </p:attrNameLst>
-                                      </p:cBhvr>
-                                      <p:to>
-                                        <p:strVal val="visible"/>
-                                      </p:to>
-                                    </p:set>
-                                    <p:animEffect transition="in" filter="fade">
-                                      <p:cBhvr>
-                                        <p:cTn id="7" dur="500"/>
-                                        <p:tgtEl>
-                                          <p:spTgt spid="2">
-                                            <p:txEl>
-                                              <p:pRg st="0" end="0"/>
-                                            </p:txEl>
-                                          </p:spTgt>
-                                        </p:tgtEl>
-                                      </p:cBhvr>
-                                    </p:animEffect>
-                                  </p:childTnLst>
-                                </p:cTn>
-                              </p:par>
-                            </p:childTnLst>
-                          </p:cTn>
-                        </p:par>
-                      </p:childTnLst>
-                    </p:cTn>
-                  </p:par>
-                  <p:par>
-                    <p:cTn id="8" fill="hold">
-                      <p:stCondLst>
-                        <p:cond delay="indefinite"/>
-                      </p:stCondLst>
-                      <p:childTnLst>
-                        <p:par>
-                          <p:cTn id="9" fill="hold">
-                            <p:stCondLst>
-                              <p:cond delay="0"/>
-                            </p:stCondLst>
-                            <p:childTnLst>
-                              <p:par>
-                                <p:cTn id="10" presetID="10" presetClass="entr" presetSubtype="0" fill="hold" nodeType="clickEffect">
-                                  <p:stCondLst>
-                                    <p:cond delay="0"/>
-                                  </p:stCondLst>
-                                  <p:childTnLst>
-                                    <p:set>
-                                      <p:cBhvr>
-                                        <p:cTn id="11" dur="1" fill="hold">
-                                          <p:stCondLst>
-                                            <p:cond delay="0"/>
-                                          </p:stCondLst>
-                                        </p:cTn>
-                                        <p:tgtEl>
-                                          <p:spTgt spid="2">
-                                            <p:txEl>
-                                              <p:pRg st="2" end="2"/>
-                                            </p:txEl>
-                                          </p:spTgt>
-                                        </p:tgtEl>
-                                        <p:attrNameLst>
-                                          <p:attrName>style.visibility</p:attrName>
-                                        </p:attrNameLst>
-                                      </p:cBhvr>
-                                      <p:to>
-                                        <p:strVal val="visible"/>
-                                      </p:to>
-                                    </p:set>
-                                    <p:animEffect transition="in" filter="fade">
-                                      <p:cBhvr>
-                                        <p:cTn id="12" dur="500"/>
-                                        <p:tgtEl>
-                                          <p:spTgt spid="2">
-                                            <p:txEl>
-                                              <p:pRg st="2" end="2"/>
-                                            </p:txEl>
-                                          </p:spTgt>
-                                        </p:tgtEl>
-                                      </p:cBhvr>
-                                    </p:animEffect>
-                                  </p:childTnLst>
-                                </p:cTn>
-                              </p:par>
-                            </p:childTnLst>
-                          </p:cTn>
-                        </p:par>
-                      </p:childTnLst>
-                    </p:cTn>
-                  </p:par>
-                  <p:par>
-                    <p:cTn id="13" fill="hold">
-                      <p:stCondLst>
-                        <p:cond delay="indefinite"/>
-                      </p:stCondLst>
-                      <p:childTnLst>
-                        <p:par>
-                          <p:cTn id="14" fill="hold">
-                            <p:stCondLst>
-                              <p:cond delay="0"/>
-                            </p:stCondLst>
-                            <p:childTnLst>
-                              <p:par>
-                                <p:cTn id="15" presetID="10" presetClass="entr" presetSubtype="0" fill="hold" nodeType="clickEffect">
-                                  <p:stCondLst>
-                                    <p:cond delay="0"/>
-                                  </p:stCondLst>
-                                  <p:childTnLst>
-                                    <p:set>
-                                      <p:cBhvr>
-                                        <p:cTn id="16" dur="1" fill="hold">
-                                          <p:stCondLst>
-                                            <p:cond delay="0"/>
-                                          </p:stCondLst>
-                                        </p:cTn>
-                                        <p:tgtEl>
-                                          <p:spTgt spid="2">
-                                            <p:txEl>
-                                              <p:pRg st="4" end="4"/>
-                                            </p:txEl>
-                                          </p:spTgt>
-                                        </p:tgtEl>
-                                        <p:attrNameLst>
-                                          <p:attrName>style.visibility</p:attrName>
-                                        </p:attrNameLst>
-                                      </p:cBhvr>
-                                      <p:to>
-                                        <p:strVal val="visible"/>
-                                      </p:to>
-                                    </p:set>
-                                    <p:animEffect transition="in" filter="fade">
-                                      <p:cBhvr>
-                                        <p:cTn id="17" dur="500"/>
-                                        <p:tgtEl>
-                                          <p:spTgt spid="2">
-                                            <p:txEl>
-                                              <p:pRg st="4" end="4"/>
-                                            </p:txEl>
-                                          </p:spTgt>
-                                        </p:tgtEl>
-                                      </p:cBhvr>
-                                    </p:animEffect>
-                                  </p:childTnLst>
-                                </p:cTn>
-                              </p:par>
-                            </p:childTnLst>
-                          </p:cTn>
-                        </p:par>
-                      </p:childTnLst>
-                    </p:cTn>
-                  </p:par>
-                  <p:par>
-                    <p:cTn id="18" fill="hold">
-                      <p:stCondLst>
-                        <p:cond delay="indefinite"/>
-                      </p:stCondLst>
-                      <p:childTnLst>
-                        <p:par>
-                          <p:cTn id="19" fill="hold">
-                            <p:stCondLst>
-                              <p:cond delay="0"/>
-                            </p:stCondLst>
-                            <p:childTnLst>
-                              <p:par>
-                                <p:cTn id="20" presetID="10" presetClass="entr" presetSubtype="0" fill="hold" nodeType="clickEffect">
-                                  <p:stCondLst>
-                                    <p:cond delay="0"/>
-                                  </p:stCondLst>
-                                  <p:childTnLst>
-                                    <p:set>
-                                      <p:cBhvr>
-                                        <p:cTn id="21" dur="1" fill="hold">
-                                          <p:stCondLst>
-                                            <p:cond delay="0"/>
-                                          </p:stCondLst>
-                                        </p:cTn>
-                                        <p:tgtEl>
-                                          <p:spTgt spid="2">
-                                            <p:txEl>
-                                              <p:pRg st="6" end="6"/>
-                                            </p:txEl>
-                                          </p:spTgt>
-                                        </p:tgtEl>
-                                        <p:attrNameLst>
-                                          <p:attrName>style.visibility</p:attrName>
-                                        </p:attrNameLst>
-                                      </p:cBhvr>
-                                      <p:to>
-                                        <p:strVal val="visible"/>
-                                      </p:to>
-                                    </p:set>
-                                    <p:animEffect transition="in" filter="fade">
-                                      <p:cBhvr>
-                                        <p:cTn id="22" dur="500"/>
-                                        <p:tgtEl>
-                                          <p:spTgt spid="2">
-                                            <p:txEl>
-                                              <p:pRg st="6" end="6"/>
-                                            </p:txEl>
-                                          </p:spTgt>
-                                        </p:tgtEl>
-                                      </p:cBhvr>
-                                    </p:animEffect>
-                                  </p:childTnLst>
-                                </p:cTn>
-                              </p:par>
-                            </p:childTnLst>
-                          </p:cTn>
-                        </p:par>
-                      </p:childTnLst>
-                    </p:cTn>
-                  </p:par>
-                </p:childTnLst>
-              </p:cTn>
-              <p:prevCondLst>
-                <p:cond evt="onPrev" delay="0">
-                  <p:tgtEl>
-                    <p:sldTgt/>
-                  </p:tgtEl>
-                </p:cond>
-              </p:prevCondLst>
-              <p:nextCondLst>
-                <p:cond evt="onNext" delay="0">
-                  <p:tgtEl>
-                    <p:sldTgt/>
-                  </p:tgtEl>
-                </p:cond>
-              </p:nextCondLst>
-            </p:seq>
-          </p:childTnLst>
-        </p:cTn>
-      </p:par>
-    </p:tnLst>
-  </p:timing>
-</p:sld>
-</file>
-
-<file path=ppt/slides/slide25.xml><?xml version="1.0" encoding="utf-8"?>
-<p:sld xmlns:a="http://schemas.openxmlformats.org/drawingml/2006/main" xmlns:r="http://schemas.openxmlformats.org/officeDocument/2006/relationships" xmlns:p="http://schemas.openxmlformats.org/presentationml/2006/main">
-  <p:cSld>
-    <p:spTree>
-      <p:nvGrpSpPr>
-        <p:cNvPr id="1" name=""/>
-        <p:cNvGrpSpPr/>
-        <p:nvPr/>
-      </p:nvGrpSpPr>
-      <p:grpSpPr>
-        <a:xfrm>
-          <a:off x="0" y="0"/>
-          <a:ext cx="0" cy="0"/>
-          <a:chOff x="0" y="0"/>
-          <a:chExt cx="0" cy="0"/>
-        </a:xfrm>
-      </p:grpSpPr>
-      <p:sp>
-        <p:nvSpPr>
-          <p:cNvPr id="4" name="Footer Placeholder 3">
-            <a:extLst>
-              <a:ext uri="{FF2B5EF4-FFF2-40B4-BE49-F238E27FC236}">
-                <a16:creationId xmlns:a16="http://schemas.microsoft.com/office/drawing/2014/main" id="{24B8EECD-A14E-464A-AFA8-73D00E256381}"/>
-              </a:ext>
-            </a:extLst>
-          </p:cNvPr>
-          <p:cNvSpPr>
-            <a:spLocks noGrp="1"/>
-          </p:cNvSpPr>
-          <p:nvPr>
-            <p:ph type="ftr" sz="quarter" idx="11"/>
-          </p:nvPr>
-        </p:nvSpPr>
-        <p:spPr/>
-        <p:txBody>
-          <a:bodyPr/>
-          <a:lstStyle/>
-          <a:p>
-            <a:pPr>
-              <a:defRPr/>
-            </a:pPr>
-            <a:r>
-              <a:rPr lang="es-ES"/>
-              <a:t>Yuying Xie (xyy@msu.edu)</a:t>
-            </a:r>
-            <a:endParaRPr lang="en-US" dirty="0"/>
-          </a:p>
-        </p:txBody>
-      </p:sp>
-      <p:sp>
-        <p:nvSpPr>
-          <p:cNvPr id="6" name="Title 1">
-            <a:extLst>
-              <a:ext uri="{FF2B5EF4-FFF2-40B4-BE49-F238E27FC236}">
-                <a16:creationId xmlns:a16="http://schemas.microsoft.com/office/drawing/2014/main" id="{87630623-CDFF-4C79-B963-967A4DF0FB63}"/>
-              </a:ext>
-            </a:extLst>
-          </p:cNvPr>
-          <p:cNvSpPr txBox="1">
-            <a:spLocks/>
-          </p:cNvSpPr>
-          <p:nvPr/>
-        </p:nvSpPr>
-        <p:spPr>
-          <a:xfrm>
-            <a:off x="304800" y="56270"/>
-            <a:ext cx="8305800" cy="490531"/>
-          </a:xfrm>
-          <a:prstGeom prst="rect">
-            <a:avLst/>
-          </a:prstGeom>
-        </p:spPr>
-        <p:txBody>
-          <a:bodyPr vert="horz" lIns="91440" tIns="45720" rIns="91440" bIns="45720" rtlCol="0" anchor="b">
-            <a:normAutofit fontScale="82500" lnSpcReduction="20000"/>
-          </a:bodyPr>
-          <a:lstStyle>
-            <a:lvl1pPr algn="ctr" defTabSz="914400" rtl="0" eaLnBrk="1" latinLnBrk="0" hangingPunct="1">
-              <a:spcBef>
-                <a:spcPct val="0"/>
-              </a:spcBef>
-              <a:buNone/>
-              <a:defRPr sz="4400" kern="1200">
-                <a:solidFill>
-                  <a:srgbClr val="FFFFFF"/>
-                </a:solidFill>
-                <a:latin typeface="+mj-lt"/>
-                <a:ea typeface="+mj-ea"/>
-                <a:cs typeface="+mj-cs"/>
-              </a:defRPr>
-            </a:lvl1pPr>
-            <a:lvl2pPr eaLnBrk="1" hangingPunct="1">
-              <a:defRPr>
-                <a:solidFill>
-                  <a:schemeClr val="tx2"/>
-                </a:solidFill>
-              </a:defRPr>
-            </a:lvl2pPr>
-            <a:lvl3pPr eaLnBrk="1" hangingPunct="1">
-              <a:defRPr>
-                <a:solidFill>
-                  <a:schemeClr val="tx2"/>
-                </a:solidFill>
-              </a:defRPr>
-            </a:lvl3pPr>
-            <a:lvl4pPr eaLnBrk="1" hangingPunct="1">
-              <a:defRPr>
-                <a:solidFill>
-                  <a:schemeClr val="tx2"/>
-                </a:solidFill>
-              </a:defRPr>
-            </a:lvl4pPr>
-            <a:lvl5pPr eaLnBrk="1" hangingPunct="1">
-              <a:defRPr>
-                <a:solidFill>
-                  <a:schemeClr val="tx2"/>
-                </a:solidFill>
-              </a:defRPr>
-            </a:lvl5pPr>
-            <a:lvl6pPr eaLnBrk="1" hangingPunct="1">
-              <a:defRPr>
-                <a:solidFill>
-                  <a:schemeClr val="tx2"/>
-                </a:solidFill>
-              </a:defRPr>
-            </a:lvl6pPr>
-            <a:lvl7pPr eaLnBrk="1" hangingPunct="1">
-              <a:defRPr>
-                <a:solidFill>
-                  <a:schemeClr val="tx2"/>
-                </a:solidFill>
-              </a:defRPr>
-            </a:lvl7pPr>
-            <a:lvl8pPr eaLnBrk="1" hangingPunct="1">
-              <a:defRPr>
-                <a:solidFill>
-                  <a:schemeClr val="tx2"/>
-                </a:solidFill>
-              </a:defRPr>
-            </a:lvl8pPr>
-            <a:lvl9pPr eaLnBrk="1" hangingPunct="1">
-              <a:defRPr>
-                <a:solidFill>
-                  <a:schemeClr val="tx2"/>
-                </a:solidFill>
-              </a:defRPr>
-            </a:lvl9pPr>
-          </a:lstStyle>
-          <a:p>
-            <a:pPr algn="l"/>
-            <a:r>
-              <a:rPr lang="en-US" altLang="zh-CN" sz="3600" dirty="0"/>
-              <a:t>Example: GWAS</a:t>
-            </a:r>
-            <a:endParaRPr lang="en-US" sz="3500" dirty="0"/>
-          </a:p>
-        </p:txBody>
-      </p:sp>
-      <p:pic>
-        <p:nvPicPr>
-          <p:cNvPr id="9" name="Picture 8">
-            <a:extLst>
-              <a:ext uri="{FF2B5EF4-FFF2-40B4-BE49-F238E27FC236}">
-                <a16:creationId xmlns:a16="http://schemas.microsoft.com/office/drawing/2014/main" id="{2183A0F8-0D61-4252-8551-D4EAAE46778E}"/>
-              </a:ext>
-            </a:extLst>
-          </p:cNvPr>
-          <p:cNvPicPr>
-            <a:picLocks noChangeAspect="1"/>
-          </p:cNvPicPr>
-          <p:nvPr/>
-        </p:nvPicPr>
-        <p:blipFill>
-          <a:blip r:embed="rId2"/>
-          <a:stretch>
-            <a:fillRect/>
-          </a:stretch>
-        </p:blipFill>
-        <p:spPr>
-          <a:xfrm>
-            <a:off x="944248" y="997353"/>
-            <a:ext cx="7116540" cy="3784773"/>
-          </a:xfrm>
-          <a:prstGeom prst="rect">
-            <a:avLst/>
-          </a:prstGeom>
-        </p:spPr>
-      </p:pic>
-      <p:sp>
-        <p:nvSpPr>
-          <p:cNvPr id="10" name="TextBox 9">
-            <a:extLst>
-              <a:ext uri="{FF2B5EF4-FFF2-40B4-BE49-F238E27FC236}">
-                <a16:creationId xmlns:a16="http://schemas.microsoft.com/office/drawing/2014/main" id="{F7DBF8E8-3F8A-46BC-B5E9-0AA584802D7D}"/>
-              </a:ext>
-            </a:extLst>
-          </p:cNvPr>
-          <p:cNvSpPr txBox="1"/>
-          <p:nvPr/>
-        </p:nvSpPr>
-        <p:spPr>
-          <a:xfrm>
-            <a:off x="3727938" y="5138225"/>
-            <a:ext cx="2046850" cy="369332"/>
-          </a:xfrm>
-          <a:prstGeom prst="rect">
-            <a:avLst/>
-          </a:prstGeom>
-          <a:noFill/>
-        </p:spPr>
-        <p:txBody>
-          <a:bodyPr wrap="square" rtlCol="0">
-            <a:spAutoFit/>
-          </a:bodyPr>
-          <a:lstStyle/>
-          <a:p>
-            <a:r>
-              <a:rPr lang="en-US" dirty="0"/>
-              <a:t>No </a:t>
-            </a:r>
-            <a:r>
-              <a:rPr lang="zh-CN" altLang="en-US" dirty="0"/>
-              <a:t>！！！</a:t>
-            </a:r>
-            <a:endParaRPr lang="en-US" dirty="0"/>
-          </a:p>
-        </p:txBody>
-      </p:sp>
-    </p:spTree>
-    <p:extLst>
-      <p:ext uri="{BB962C8B-B14F-4D97-AF65-F5344CB8AC3E}">
-        <p14:creationId xmlns:p14="http://schemas.microsoft.com/office/powerpoint/2010/main" val="626213071"/>
-      </p:ext>
-    </p:extLst>
-  </p:cSld>
-  <p:clrMapOvr>
-    <a:masterClrMapping/>
-  </p:clrMapOvr>
-  <p:timing>
-    <p:tnLst>
-      <p:par>
-        <p:cTn id="1" dur="indefinite" restart="never" nodeType="tmRoot">
-          <p:childTnLst>
-            <p:seq concurrent="1" nextAc="seek">
-              <p:cTn id="2" dur="indefinite" nodeType="mainSeq">
-                <p:childTnLst>
-                  <p:par>
-                    <p:cTn id="3" fill="hold">
-                      <p:stCondLst>
-                        <p:cond delay="indefinite"/>
-                      </p:stCondLst>
-                      <p:childTnLst>
-                        <p:par>
-                          <p:cTn id="4" fill="hold">
-                            <p:stCondLst>
-                              <p:cond delay="0"/>
-                            </p:stCondLst>
-                            <p:childTnLst>
-                              <p:par>
-                                <p:cTn id="5" presetID="10" presetClass="entr" presetSubtype="0" fill="hold" grpId="0" nodeType="clickEffect">
-                                  <p:stCondLst>
-                                    <p:cond delay="0"/>
-                                  </p:stCondLst>
-                                  <p:childTnLst>
-                                    <p:set>
-                                      <p:cBhvr>
-                                        <p:cTn id="6" dur="1" fill="hold">
-                                          <p:stCondLst>
-                                            <p:cond delay="0"/>
-                                          </p:stCondLst>
-                                        </p:cTn>
-                                        <p:tgtEl>
-                                          <p:spTgt spid="10"/>
-                                        </p:tgtEl>
-                                        <p:attrNameLst>
-                                          <p:attrName>style.visibility</p:attrName>
-                                        </p:attrNameLst>
-                                      </p:cBhvr>
-                                      <p:to>
-                                        <p:strVal val="visible"/>
-                                      </p:to>
-                                    </p:set>
-                                    <p:animEffect transition="in" filter="fade">
-                                      <p:cBhvr>
-                                        <p:cTn id="7" dur="500"/>
-                                        <p:tgtEl>
-                                          <p:spTgt spid="10"/>
-                                        </p:tgtEl>
-                                      </p:cBhvr>
-                                    </p:animEffect>
-                                  </p:childTnLst>
-                                </p:cTn>
-                              </p:par>
-                            </p:childTnLst>
-                          </p:cTn>
-                        </p:par>
-                      </p:childTnLst>
-                    </p:cTn>
-                  </p:par>
-                </p:childTnLst>
-              </p:cTn>
-              <p:prevCondLst>
-                <p:cond evt="onPrev" delay="0">
-                  <p:tgtEl>
-                    <p:sldTgt/>
-                  </p:tgtEl>
-                </p:cond>
-              </p:prevCondLst>
-              <p:nextCondLst>
-                <p:cond evt="onNext" delay="0">
-                  <p:tgtEl>
-                    <p:sldTgt/>
-                  </p:tgtEl>
-                </p:cond>
-              </p:nextCondLst>
-            </p:seq>
-          </p:childTnLst>
-        </p:cTn>
-      </p:par>
-    </p:tnLst>
-    <p:bldLst>
-      <p:bldP spid="10" grpId="0"/>
-    </p:bldLst>
-  </p:timing>
-</p:sld>
-</file>
-
-<file path=ppt/slides/slide26.xml><?xml version="1.0" encoding="utf-8"?>
-<p:sld xmlns:a="http://schemas.openxmlformats.org/drawingml/2006/main" xmlns:r="http://schemas.openxmlformats.org/officeDocument/2006/relationships" xmlns:p="http://schemas.openxmlformats.org/presentationml/2006/main">
-  <p:cSld>
-    <p:spTree>
-      <p:nvGrpSpPr>
-        <p:cNvPr id="1" name=""/>
-        <p:cNvGrpSpPr/>
-        <p:nvPr/>
-      </p:nvGrpSpPr>
-      <p:grpSpPr>
-        <a:xfrm>
-          <a:off x="0" y="0"/>
-          <a:ext cx="0" cy="0"/>
-          <a:chOff x="0" y="0"/>
-          <a:chExt cx="0" cy="0"/>
-        </a:xfrm>
-      </p:grpSpPr>
-      <p:pic>
-        <p:nvPicPr>
-          <p:cNvPr id="8" name="Picture 7">
-            <a:extLst>
-              <a:ext uri="{FF2B5EF4-FFF2-40B4-BE49-F238E27FC236}">
-                <a16:creationId xmlns:a16="http://schemas.microsoft.com/office/drawing/2014/main" id="{344EAF38-0A62-47A5-898A-A7A9C6BD1F55}"/>
-              </a:ext>
-            </a:extLst>
-          </p:cNvPr>
-          <p:cNvPicPr>
-            <a:picLocks noChangeAspect="1"/>
-          </p:cNvPicPr>
-          <p:nvPr/>
-        </p:nvPicPr>
-        <p:blipFill>
-          <a:blip r:embed="rId2"/>
-          <a:stretch>
-            <a:fillRect/>
-          </a:stretch>
-        </p:blipFill>
-        <p:spPr>
-          <a:xfrm>
-            <a:off x="0" y="828675"/>
-            <a:ext cx="9144000" cy="5200650"/>
-          </a:xfrm>
-          <a:prstGeom prst="rect">
-            <a:avLst/>
-          </a:prstGeom>
-        </p:spPr>
-      </p:pic>
-      <p:sp>
-        <p:nvSpPr>
-          <p:cNvPr id="9" name="Title 1">
-            <a:extLst>
-              <a:ext uri="{FF2B5EF4-FFF2-40B4-BE49-F238E27FC236}">
-                <a16:creationId xmlns:a16="http://schemas.microsoft.com/office/drawing/2014/main" id="{A75A2050-4EAE-4F91-A044-8022A02B25D6}"/>
-              </a:ext>
-            </a:extLst>
-          </p:cNvPr>
-          <p:cNvSpPr txBox="1">
-            <a:spLocks/>
-          </p:cNvSpPr>
-          <p:nvPr/>
-        </p:nvSpPr>
-        <p:spPr>
-          <a:xfrm>
-            <a:off x="304800" y="56270"/>
-            <a:ext cx="8305800" cy="490531"/>
-          </a:xfrm>
-          <a:prstGeom prst="rect">
-            <a:avLst/>
-          </a:prstGeom>
-        </p:spPr>
-        <p:txBody>
-          <a:bodyPr vert="horz" lIns="91440" tIns="45720" rIns="91440" bIns="45720" rtlCol="0" anchor="b">
-            <a:normAutofit fontScale="82500" lnSpcReduction="20000"/>
-          </a:bodyPr>
-          <a:lstStyle>
-            <a:lvl1pPr algn="ctr" defTabSz="914400" rtl="0" eaLnBrk="1" latinLnBrk="0" hangingPunct="1">
-              <a:spcBef>
-                <a:spcPct val="0"/>
-              </a:spcBef>
-              <a:buNone/>
-              <a:defRPr sz="4400" kern="1200">
-                <a:solidFill>
-                  <a:srgbClr val="FFFFFF"/>
-                </a:solidFill>
-                <a:latin typeface="+mj-lt"/>
-                <a:ea typeface="+mj-ea"/>
-                <a:cs typeface="+mj-cs"/>
-              </a:defRPr>
-            </a:lvl1pPr>
-            <a:lvl2pPr eaLnBrk="1" hangingPunct="1">
-              <a:defRPr>
-                <a:solidFill>
-                  <a:schemeClr val="tx2"/>
-                </a:solidFill>
-              </a:defRPr>
-            </a:lvl2pPr>
-            <a:lvl3pPr eaLnBrk="1" hangingPunct="1">
-              <a:defRPr>
-                <a:solidFill>
-                  <a:schemeClr val="tx2"/>
-                </a:solidFill>
-              </a:defRPr>
-            </a:lvl3pPr>
-            <a:lvl4pPr eaLnBrk="1" hangingPunct="1">
-              <a:defRPr>
-                <a:solidFill>
-                  <a:schemeClr val="tx2"/>
-                </a:solidFill>
-              </a:defRPr>
-            </a:lvl4pPr>
-            <a:lvl5pPr eaLnBrk="1" hangingPunct="1">
-              <a:defRPr>
-                <a:solidFill>
-                  <a:schemeClr val="tx2"/>
-                </a:solidFill>
-              </a:defRPr>
-            </a:lvl5pPr>
-            <a:lvl6pPr eaLnBrk="1" hangingPunct="1">
-              <a:defRPr>
-                <a:solidFill>
-                  <a:schemeClr val="tx2"/>
-                </a:solidFill>
-              </a:defRPr>
-            </a:lvl6pPr>
-            <a:lvl7pPr eaLnBrk="1" hangingPunct="1">
-              <a:defRPr>
-                <a:solidFill>
-                  <a:schemeClr val="tx2"/>
-                </a:solidFill>
-              </a:defRPr>
-            </a:lvl7pPr>
-            <a:lvl8pPr eaLnBrk="1" hangingPunct="1">
-              <a:defRPr>
-                <a:solidFill>
-                  <a:schemeClr val="tx2"/>
-                </a:solidFill>
-              </a:defRPr>
-            </a:lvl8pPr>
-            <a:lvl9pPr eaLnBrk="1" hangingPunct="1">
-              <a:defRPr>
-                <a:solidFill>
-                  <a:schemeClr val="tx2"/>
-                </a:solidFill>
-              </a:defRPr>
-            </a:lvl9pPr>
-          </a:lstStyle>
-          <a:p>
-            <a:pPr algn="l"/>
-            <a:r>
-              <a:rPr lang="en-US" altLang="zh-CN" sz="3600" dirty="0"/>
-              <a:t>Example: GWAS ------Right Way</a:t>
-            </a:r>
-            <a:endParaRPr lang="en-US" sz="3500" dirty="0"/>
-          </a:p>
-        </p:txBody>
-      </p:sp>
-    </p:spTree>
-    <p:extLst>
-      <p:ext uri="{BB962C8B-B14F-4D97-AF65-F5344CB8AC3E}">
-        <p14:creationId xmlns:p14="http://schemas.microsoft.com/office/powerpoint/2010/main" val="2922620104"/>
-      </p:ext>
-    </p:extLst>
-  </p:cSld>
-  <p:clrMapOvr>
-    <a:masterClrMapping/>
-  </p:clrMapOvr>
-</p:sld>
-</file>
-
-<file path=ppt/slides/slide27.xml><?xml version="1.0" encoding="utf-8"?>
-<p:sld xmlns:a="http://schemas.openxmlformats.org/drawingml/2006/main" xmlns:r="http://schemas.openxmlformats.org/officeDocument/2006/relationships" xmlns:p="http://schemas.openxmlformats.org/presentationml/2006/main">
-  <p:cSld>
-    <p:spTree>
-      <p:nvGrpSpPr>
-        <p:cNvPr id="1" name=""/>
-        <p:cNvGrpSpPr/>
-        <p:nvPr/>
-      </p:nvGrpSpPr>
-      <p:grpSpPr>
-        <a:xfrm>
-          <a:off x="0" y="0"/>
-          <a:ext cx="0" cy="0"/>
-          <a:chOff x="0" y="0"/>
-          <a:chExt cx="0" cy="0"/>
-        </a:xfrm>
-      </p:grpSpPr>
-      <p:sp>
-        <p:nvSpPr>
-          <p:cNvPr id="2" name="Title 1">
-            <a:extLst>
-              <a:ext uri="{FF2B5EF4-FFF2-40B4-BE49-F238E27FC236}">
-                <a16:creationId xmlns:a16="http://schemas.microsoft.com/office/drawing/2014/main" id="{43253EAE-C08F-4B4D-8EFC-FC97CBE13A63}"/>
-              </a:ext>
-            </a:extLst>
-          </p:cNvPr>
-          <p:cNvSpPr>
-            <a:spLocks noGrp="1"/>
-          </p:cNvSpPr>
-          <p:nvPr>
-            <p:ph type="title"/>
-          </p:nvPr>
-        </p:nvSpPr>
-        <p:spPr>
-          <a:xfrm>
-            <a:off x="457200" y="1248606"/>
-            <a:ext cx="8229600" cy="4223280"/>
-          </a:xfrm>
-        </p:spPr>
-        <p:txBody>
-          <a:bodyPr>
-            <a:normAutofit/>
-          </a:bodyPr>
-          <a:lstStyle/>
-          <a:p>
-            <a:pPr marL="342900" indent="-342900">
-              <a:buFont typeface="Arial" panose="020B0604020202020204" pitchFamily="34" charset="0"/>
-              <a:buChar char="•"/>
-            </a:pPr>
-            <a:r>
-              <a:rPr lang="en-US" sz="2500" dirty="0"/>
-              <a:t>Bootstrap is used to quantify the uncertainty associated with an estimator or machine learning method. </a:t>
-            </a:r>
-            <a:br>
-              <a:rPr lang="en-US" sz="2500" dirty="0"/>
-            </a:br>
-            <a:br>
-              <a:rPr lang="en-US" sz="2500" dirty="0"/>
-            </a:br>
-            <a:br>
-              <a:rPr lang="en-US" sz="2500" dirty="0"/>
-            </a:br>
-            <a:r>
-              <a:rPr lang="en-US" altLang="zh-CN" sz="2500" dirty="0"/>
-              <a:t>It can provide an estimate of the standard error of a coefficient. Then we can du hypothesis test and confidence interval.  </a:t>
-            </a:r>
-            <a:br>
-              <a:rPr lang="en-US" sz="2500" dirty="0"/>
-            </a:br>
-            <a:br>
-              <a:rPr lang="en-US" sz="2500" dirty="0"/>
-            </a:br>
-            <a:br>
-              <a:rPr lang="en-US" sz="2500" dirty="0"/>
-            </a:br>
-            <a:endParaRPr lang="en-US" sz="2500" dirty="0"/>
-          </a:p>
-        </p:txBody>
-      </p:sp>
-      <p:sp>
-        <p:nvSpPr>
-          <p:cNvPr id="4" name="Footer Placeholder 3">
-            <a:extLst>
-              <a:ext uri="{FF2B5EF4-FFF2-40B4-BE49-F238E27FC236}">
-                <a16:creationId xmlns:a16="http://schemas.microsoft.com/office/drawing/2014/main" id="{91D24554-7DE5-4B54-938C-66E972C86152}"/>
-              </a:ext>
-            </a:extLst>
-          </p:cNvPr>
-          <p:cNvSpPr>
-            <a:spLocks noGrp="1"/>
-          </p:cNvSpPr>
-          <p:nvPr>
-            <p:ph type="ftr" sz="quarter" idx="11"/>
-          </p:nvPr>
-        </p:nvSpPr>
-        <p:spPr/>
-        <p:txBody>
-          <a:bodyPr/>
-          <a:lstStyle/>
-          <a:p>
-            <a:pPr>
-              <a:defRPr/>
-            </a:pPr>
-            <a:r>
-              <a:rPr lang="es-ES"/>
-              <a:t>Yuying Xie (xyy@msu.edu)</a:t>
-            </a:r>
-            <a:endParaRPr lang="en-US" dirty="0"/>
-          </a:p>
-        </p:txBody>
-      </p:sp>
-      <p:sp>
-        <p:nvSpPr>
-          <p:cNvPr id="5" name="Title 1">
-            <a:extLst>
-              <a:ext uri="{FF2B5EF4-FFF2-40B4-BE49-F238E27FC236}">
-                <a16:creationId xmlns:a16="http://schemas.microsoft.com/office/drawing/2014/main" id="{25D93819-E1E3-480A-8301-F3479678C581}"/>
-              </a:ext>
-            </a:extLst>
-          </p:cNvPr>
-          <p:cNvSpPr txBox="1">
-            <a:spLocks/>
-          </p:cNvSpPr>
-          <p:nvPr/>
-        </p:nvSpPr>
-        <p:spPr>
-          <a:xfrm>
-            <a:off x="304800" y="56270"/>
-            <a:ext cx="8305800" cy="490531"/>
-          </a:xfrm>
-          <a:prstGeom prst="rect">
-            <a:avLst/>
-          </a:prstGeom>
-        </p:spPr>
-        <p:txBody>
-          <a:bodyPr vert="horz" lIns="91440" tIns="45720" rIns="91440" bIns="45720" rtlCol="0" anchor="b">
-            <a:normAutofit fontScale="82500" lnSpcReduction="20000"/>
-          </a:bodyPr>
-          <a:lstStyle>
-            <a:lvl1pPr algn="ctr" defTabSz="914400" rtl="0" eaLnBrk="1" latinLnBrk="0" hangingPunct="1">
-              <a:spcBef>
-                <a:spcPct val="0"/>
-              </a:spcBef>
-              <a:buNone/>
-              <a:defRPr sz="4400" kern="1200">
-                <a:solidFill>
-                  <a:srgbClr val="FFFFFF"/>
-                </a:solidFill>
-                <a:latin typeface="+mj-lt"/>
-                <a:ea typeface="+mj-ea"/>
-                <a:cs typeface="+mj-cs"/>
-              </a:defRPr>
-            </a:lvl1pPr>
-            <a:lvl2pPr eaLnBrk="1" hangingPunct="1">
-              <a:defRPr>
-                <a:solidFill>
-                  <a:schemeClr val="tx2"/>
-                </a:solidFill>
-              </a:defRPr>
-            </a:lvl2pPr>
-            <a:lvl3pPr eaLnBrk="1" hangingPunct="1">
-              <a:defRPr>
-                <a:solidFill>
-                  <a:schemeClr val="tx2"/>
-                </a:solidFill>
-              </a:defRPr>
-            </a:lvl3pPr>
-            <a:lvl4pPr eaLnBrk="1" hangingPunct="1">
-              <a:defRPr>
-                <a:solidFill>
-                  <a:schemeClr val="tx2"/>
-                </a:solidFill>
-              </a:defRPr>
-            </a:lvl4pPr>
-            <a:lvl5pPr eaLnBrk="1" hangingPunct="1">
-              <a:defRPr>
-                <a:solidFill>
-                  <a:schemeClr val="tx2"/>
-                </a:solidFill>
-              </a:defRPr>
-            </a:lvl5pPr>
-            <a:lvl6pPr eaLnBrk="1" hangingPunct="1">
-              <a:defRPr>
-                <a:solidFill>
-                  <a:schemeClr val="tx2"/>
-                </a:solidFill>
-              </a:defRPr>
-            </a:lvl6pPr>
-            <a:lvl7pPr eaLnBrk="1" hangingPunct="1">
-              <a:defRPr>
-                <a:solidFill>
-                  <a:schemeClr val="tx2"/>
-                </a:solidFill>
-              </a:defRPr>
-            </a:lvl7pPr>
-            <a:lvl8pPr eaLnBrk="1" hangingPunct="1">
-              <a:defRPr>
-                <a:solidFill>
-                  <a:schemeClr val="tx2"/>
-                </a:solidFill>
-              </a:defRPr>
-            </a:lvl8pPr>
-            <a:lvl9pPr eaLnBrk="1" hangingPunct="1">
-              <a:defRPr>
-                <a:solidFill>
-                  <a:schemeClr val="tx2"/>
-                </a:solidFill>
-              </a:defRPr>
-            </a:lvl9pPr>
-          </a:lstStyle>
-          <a:p>
-            <a:pPr algn="l"/>
-            <a:r>
-              <a:rPr lang="en-US" altLang="zh-CN" sz="3600" dirty="0"/>
-              <a:t>Bootstrap</a:t>
-            </a:r>
-            <a:endParaRPr lang="en-US" sz="3500" dirty="0"/>
-          </a:p>
-        </p:txBody>
-      </p:sp>
-    </p:spTree>
-    <p:extLst>
-      <p:ext uri="{BB962C8B-B14F-4D97-AF65-F5344CB8AC3E}">
-        <p14:creationId xmlns:p14="http://schemas.microsoft.com/office/powerpoint/2010/main" val="3184676920"/>
-      </p:ext>
-    </p:extLst>
-  </p:cSld>
-  <p:clrMapOvr>
-    <a:masterClrMapping/>
-  </p:clrMapOvr>
-</p:sld>
-</file>
-
-<file path=ppt/slides/slide28.xml><?xml version="1.0" encoding="utf-8"?>
-<p:sld xmlns:a="http://schemas.openxmlformats.org/drawingml/2006/main" xmlns:r="http://schemas.openxmlformats.org/officeDocument/2006/relationships" xmlns:p="http://schemas.openxmlformats.org/presentationml/2006/main">
-  <p:cSld>
-    <p:spTree>
-      <p:nvGrpSpPr>
-        <p:cNvPr id="1" name=""/>
-        <p:cNvGrpSpPr/>
-        <p:nvPr/>
-      </p:nvGrpSpPr>
-      <p:grpSpPr>
-        <a:xfrm>
-          <a:off x="0" y="0"/>
-          <a:ext cx="0" cy="0"/>
-          <a:chOff x="0" y="0"/>
-          <a:chExt cx="0" cy="0"/>
-        </a:xfrm>
-      </p:grpSpPr>
-      <p:sp>
-        <p:nvSpPr>
-          <p:cNvPr id="3" name="Content Placeholder 2">
-            <a:extLst>
-              <a:ext uri="{FF2B5EF4-FFF2-40B4-BE49-F238E27FC236}">
-                <a16:creationId xmlns:a16="http://schemas.microsoft.com/office/drawing/2014/main" id="{38760D5A-3CD4-423A-9D40-B46BB5AE94EA}"/>
-              </a:ext>
-            </a:extLst>
-          </p:cNvPr>
-          <p:cNvSpPr>
-            <a:spLocks noGrp="1"/>
-          </p:cNvSpPr>
-          <p:nvPr>
-            <p:ph idx="1"/>
-          </p:nvPr>
-        </p:nvSpPr>
-        <p:spPr/>
-        <p:txBody>
-          <a:bodyPr/>
-          <a:lstStyle/>
-          <a:p>
-            <a:r>
-              <a:rPr lang="en-US" dirty="0">
-                <a:solidFill>
-                  <a:srgbClr val="0C533A"/>
-                </a:solidFill>
-              </a:rPr>
-              <a:t>To invest two stocks that yield return </a:t>
-            </a:r>
-            <a:r>
-              <a:rPr lang="en-US" altLang="zh-CN" dirty="0">
-                <a:solidFill>
-                  <a:srgbClr val="0C533A"/>
-                </a:solidFill>
-              </a:rPr>
-              <a:t>of X and Y, where X and Y are random.</a:t>
-            </a:r>
-          </a:p>
-          <a:p>
-            <a:r>
-              <a:rPr lang="en-US" dirty="0">
-                <a:solidFill>
-                  <a:srgbClr val="0C533A"/>
-                </a:solidFill>
-              </a:rPr>
-              <a:t>We will invest a fraction    of our money in X and the rest in Y.</a:t>
-            </a:r>
-          </a:p>
-          <a:p>
-            <a:r>
-              <a:rPr lang="en-US" dirty="0">
-                <a:solidFill>
-                  <a:srgbClr val="0C533A"/>
-                </a:solidFill>
-              </a:rPr>
-              <a:t>Assume both stock have the same average return over the years. What criteria should we use for allocate the investment? </a:t>
-            </a:r>
-            <a:endParaRPr lang="en-US" dirty="0"/>
-          </a:p>
-        </p:txBody>
-      </p:sp>
-      <p:sp>
-        <p:nvSpPr>
-          <p:cNvPr id="4" name="Footer Placeholder 3">
-            <a:extLst>
-              <a:ext uri="{FF2B5EF4-FFF2-40B4-BE49-F238E27FC236}">
-                <a16:creationId xmlns:a16="http://schemas.microsoft.com/office/drawing/2014/main" id="{EA634410-7071-4199-B0DA-FB9A71926875}"/>
-              </a:ext>
-            </a:extLst>
-          </p:cNvPr>
-          <p:cNvSpPr>
-            <a:spLocks noGrp="1"/>
-          </p:cNvSpPr>
-          <p:nvPr>
-            <p:ph type="ftr" sz="quarter" idx="11"/>
-          </p:nvPr>
-        </p:nvSpPr>
-        <p:spPr/>
-        <p:txBody>
-          <a:bodyPr/>
-          <a:lstStyle/>
-          <a:p>
-            <a:pPr>
-              <a:defRPr/>
-            </a:pPr>
-            <a:r>
-              <a:rPr lang="es-ES"/>
-              <a:t>Yuying Xie (xyy@msu.edu)</a:t>
-            </a:r>
-            <a:endParaRPr lang="en-US" dirty="0"/>
-          </a:p>
-        </p:txBody>
-      </p:sp>
-      <p:sp>
-        <p:nvSpPr>
-          <p:cNvPr id="5" name="Title 1">
-            <a:extLst>
-              <a:ext uri="{FF2B5EF4-FFF2-40B4-BE49-F238E27FC236}">
-                <a16:creationId xmlns:a16="http://schemas.microsoft.com/office/drawing/2014/main" id="{4502E383-1822-4576-B7C6-49BCB2BBFB1D}"/>
-              </a:ext>
-            </a:extLst>
-          </p:cNvPr>
-          <p:cNvSpPr txBox="1">
-            <a:spLocks/>
-          </p:cNvSpPr>
-          <p:nvPr/>
-        </p:nvSpPr>
-        <p:spPr>
-          <a:xfrm>
-            <a:off x="304800" y="56270"/>
-            <a:ext cx="8305800" cy="490531"/>
-          </a:xfrm>
-          <a:prstGeom prst="rect">
-            <a:avLst/>
-          </a:prstGeom>
-        </p:spPr>
-        <p:txBody>
-          <a:bodyPr vert="horz" lIns="91440" tIns="45720" rIns="91440" bIns="45720" rtlCol="0" anchor="b">
-            <a:normAutofit fontScale="82500" lnSpcReduction="20000"/>
-          </a:bodyPr>
-          <a:lstStyle>
-            <a:lvl1pPr algn="ctr" defTabSz="914400" rtl="0" eaLnBrk="1" latinLnBrk="0" hangingPunct="1">
-              <a:spcBef>
-                <a:spcPct val="0"/>
-              </a:spcBef>
-              <a:buNone/>
-              <a:defRPr sz="4400" kern="1200">
-                <a:solidFill>
-                  <a:srgbClr val="FFFFFF"/>
-                </a:solidFill>
-                <a:latin typeface="+mj-lt"/>
-                <a:ea typeface="+mj-ea"/>
-                <a:cs typeface="+mj-cs"/>
-              </a:defRPr>
-            </a:lvl1pPr>
-            <a:lvl2pPr eaLnBrk="1" hangingPunct="1">
-              <a:defRPr>
-                <a:solidFill>
-                  <a:schemeClr val="tx2"/>
-                </a:solidFill>
-              </a:defRPr>
-            </a:lvl2pPr>
-            <a:lvl3pPr eaLnBrk="1" hangingPunct="1">
-              <a:defRPr>
-                <a:solidFill>
-                  <a:schemeClr val="tx2"/>
-                </a:solidFill>
-              </a:defRPr>
-            </a:lvl3pPr>
-            <a:lvl4pPr eaLnBrk="1" hangingPunct="1">
-              <a:defRPr>
-                <a:solidFill>
-                  <a:schemeClr val="tx2"/>
-                </a:solidFill>
-              </a:defRPr>
-            </a:lvl4pPr>
-            <a:lvl5pPr eaLnBrk="1" hangingPunct="1">
-              <a:defRPr>
-                <a:solidFill>
-                  <a:schemeClr val="tx2"/>
-                </a:solidFill>
-              </a:defRPr>
-            </a:lvl5pPr>
-            <a:lvl6pPr eaLnBrk="1" hangingPunct="1">
-              <a:defRPr>
-                <a:solidFill>
-                  <a:schemeClr val="tx2"/>
-                </a:solidFill>
-              </a:defRPr>
-            </a:lvl6pPr>
-            <a:lvl7pPr eaLnBrk="1" hangingPunct="1">
-              <a:defRPr>
-                <a:solidFill>
-                  <a:schemeClr val="tx2"/>
-                </a:solidFill>
-              </a:defRPr>
-            </a:lvl7pPr>
-            <a:lvl8pPr eaLnBrk="1" hangingPunct="1">
-              <a:defRPr>
-                <a:solidFill>
-                  <a:schemeClr val="tx2"/>
-                </a:solidFill>
-              </a:defRPr>
-            </a:lvl8pPr>
-            <a:lvl9pPr eaLnBrk="1" hangingPunct="1">
-              <a:defRPr>
-                <a:solidFill>
-                  <a:schemeClr val="tx2"/>
-                </a:solidFill>
-              </a:defRPr>
-            </a:lvl9pPr>
-          </a:lstStyle>
-          <a:p>
-            <a:pPr algn="l"/>
-            <a:r>
-              <a:rPr lang="en-US" altLang="zh-CN" sz="3600" dirty="0"/>
-              <a:t>Bootstrap</a:t>
-            </a:r>
-            <a:r>
-              <a:rPr lang="zh-CN" altLang="en-US" sz="3600" dirty="0"/>
-              <a:t>： </a:t>
-            </a:r>
-            <a:r>
-              <a:rPr lang="en-US" altLang="zh-CN" sz="3600" dirty="0"/>
-              <a:t>Finance Example</a:t>
-            </a:r>
-            <a:endParaRPr lang="en-US" sz="3500" dirty="0"/>
-          </a:p>
-        </p:txBody>
-      </p:sp>
-      <p:pic>
-        <p:nvPicPr>
-          <p:cNvPr id="7" name="Picture 6">
-            <a:extLst>
-              <a:ext uri="{FF2B5EF4-FFF2-40B4-BE49-F238E27FC236}">
-                <a16:creationId xmlns:a16="http://schemas.microsoft.com/office/drawing/2014/main" id="{F3D3E1ED-DCB7-4D3B-A332-5C309C81810A}"/>
-              </a:ext>
-            </a:extLst>
-          </p:cNvPr>
-          <p:cNvPicPr>
-            <a:picLocks noChangeAspect="1"/>
-          </p:cNvPicPr>
-          <p:nvPr/>
-        </p:nvPicPr>
-        <p:blipFill>
-          <a:blip r:embed="rId2"/>
-          <a:stretch>
-            <a:fillRect/>
-          </a:stretch>
-        </p:blipFill>
-        <p:spPr>
-          <a:xfrm>
-            <a:off x="4362421" y="3164396"/>
-            <a:ext cx="270757" cy="264604"/>
-          </a:xfrm>
-          <a:prstGeom prst="rect">
-            <a:avLst/>
-          </a:prstGeom>
-        </p:spPr>
-      </p:pic>
-    </p:spTree>
-    <p:extLst>
-      <p:ext uri="{BB962C8B-B14F-4D97-AF65-F5344CB8AC3E}">
-        <p14:creationId xmlns:p14="http://schemas.microsoft.com/office/powerpoint/2010/main" val="2047252328"/>
-      </p:ext>
-    </p:extLst>
-  </p:cSld>
-  <p:clrMapOvr>
-    <a:masterClrMapping/>
-  </p:clrMapOvr>
-</p:sld>
-</file>
-
-<file path=ppt/slides/slide29.xml><?xml version="1.0" encoding="utf-8"?>
-<p:sld xmlns:a="http://schemas.openxmlformats.org/drawingml/2006/main" xmlns:r="http://schemas.openxmlformats.org/officeDocument/2006/relationships" xmlns:p="http://schemas.openxmlformats.org/presentationml/2006/main">
-  <p:cSld>
-    <p:spTree>
-      <p:nvGrpSpPr>
-        <p:cNvPr id="1" name=""/>
-        <p:cNvGrpSpPr/>
-        <p:nvPr/>
-      </p:nvGrpSpPr>
-      <p:grpSpPr>
-        <a:xfrm>
-          <a:off x="0" y="0"/>
-          <a:ext cx="0" cy="0"/>
-          <a:chOff x="0" y="0"/>
-          <a:chExt cx="0" cy="0"/>
-        </a:xfrm>
-      </p:grpSpPr>
-      <p:sp>
-        <p:nvSpPr>
-          <p:cNvPr id="3" name="Content Placeholder 2">
-            <a:extLst>
-              <a:ext uri="{FF2B5EF4-FFF2-40B4-BE49-F238E27FC236}">
-                <a16:creationId xmlns:a16="http://schemas.microsoft.com/office/drawing/2014/main" id="{38760D5A-3CD4-423A-9D40-B46BB5AE94EA}"/>
-              </a:ext>
-            </a:extLst>
-          </p:cNvPr>
-          <p:cNvSpPr>
-            <a:spLocks noGrp="1"/>
-          </p:cNvSpPr>
-          <p:nvPr>
-            <p:ph idx="1"/>
-          </p:nvPr>
-        </p:nvSpPr>
-        <p:spPr>
-          <a:xfrm>
-            <a:off x="457200" y="1263450"/>
-            <a:ext cx="8229600" cy="4066495"/>
-          </a:xfrm>
-        </p:spPr>
-        <p:txBody>
-          <a:bodyPr/>
-          <a:lstStyle/>
-          <a:p>
-            <a:r>
-              <a:rPr lang="en-US" dirty="0">
-                <a:solidFill>
-                  <a:srgbClr val="0C533A"/>
-                </a:solidFill>
-              </a:rPr>
-              <a:t>We want to minimize the total risk or variance of our investment. </a:t>
-            </a:r>
-          </a:p>
-          <a:p>
-            <a:endParaRPr lang="en-US" dirty="0">
-              <a:solidFill>
-                <a:srgbClr val="0C533A"/>
-              </a:solidFill>
-            </a:endParaRPr>
-          </a:p>
-          <a:p>
-            <a:endParaRPr lang="en-US" dirty="0">
-              <a:solidFill>
-                <a:srgbClr val="0C533A"/>
-              </a:solidFill>
-            </a:endParaRPr>
-          </a:p>
-          <a:p>
-            <a:r>
-              <a:rPr lang="en-US" dirty="0">
-                <a:solidFill>
-                  <a:srgbClr val="0C533A"/>
-                </a:solidFill>
-              </a:rPr>
-              <a:t>The solution is </a:t>
-            </a:r>
-            <a:endParaRPr lang="en-US" dirty="0"/>
-          </a:p>
-        </p:txBody>
-      </p:sp>
-      <p:sp>
-        <p:nvSpPr>
-          <p:cNvPr id="4" name="Footer Placeholder 3">
-            <a:extLst>
-              <a:ext uri="{FF2B5EF4-FFF2-40B4-BE49-F238E27FC236}">
-                <a16:creationId xmlns:a16="http://schemas.microsoft.com/office/drawing/2014/main" id="{EA634410-7071-4199-B0DA-FB9A71926875}"/>
-              </a:ext>
-            </a:extLst>
-          </p:cNvPr>
-          <p:cNvSpPr>
-            <a:spLocks noGrp="1"/>
-          </p:cNvSpPr>
-          <p:nvPr>
-            <p:ph type="ftr" sz="quarter" idx="11"/>
-          </p:nvPr>
-        </p:nvSpPr>
-        <p:spPr/>
-        <p:txBody>
-          <a:bodyPr/>
-          <a:lstStyle/>
-          <a:p>
-            <a:pPr>
-              <a:defRPr/>
-            </a:pPr>
-            <a:r>
-              <a:rPr lang="es-ES"/>
-              <a:t>Yuying Xie (xyy@msu.edu)</a:t>
-            </a:r>
-            <a:endParaRPr lang="en-US" dirty="0"/>
-          </a:p>
-        </p:txBody>
-      </p:sp>
-      <p:sp>
-        <p:nvSpPr>
-          <p:cNvPr id="5" name="Title 1">
-            <a:extLst>
-              <a:ext uri="{FF2B5EF4-FFF2-40B4-BE49-F238E27FC236}">
-                <a16:creationId xmlns:a16="http://schemas.microsoft.com/office/drawing/2014/main" id="{4502E383-1822-4576-B7C6-49BCB2BBFB1D}"/>
-              </a:ext>
-            </a:extLst>
-          </p:cNvPr>
-          <p:cNvSpPr txBox="1">
-            <a:spLocks/>
-          </p:cNvSpPr>
-          <p:nvPr/>
-        </p:nvSpPr>
-        <p:spPr>
-          <a:xfrm>
-            <a:off x="304800" y="56270"/>
-            <a:ext cx="8305800" cy="490531"/>
-          </a:xfrm>
-          <a:prstGeom prst="rect">
-            <a:avLst/>
-          </a:prstGeom>
-        </p:spPr>
-        <p:txBody>
-          <a:bodyPr vert="horz" lIns="91440" tIns="45720" rIns="91440" bIns="45720" rtlCol="0" anchor="b">
-            <a:normAutofit fontScale="82500" lnSpcReduction="20000"/>
-          </a:bodyPr>
-          <a:lstStyle>
-            <a:lvl1pPr algn="ctr" defTabSz="914400" rtl="0" eaLnBrk="1" latinLnBrk="0" hangingPunct="1">
-              <a:spcBef>
-                <a:spcPct val="0"/>
-              </a:spcBef>
-              <a:buNone/>
-              <a:defRPr sz="4400" kern="1200">
-                <a:solidFill>
-                  <a:srgbClr val="FFFFFF"/>
-                </a:solidFill>
-                <a:latin typeface="+mj-lt"/>
-                <a:ea typeface="+mj-ea"/>
-                <a:cs typeface="+mj-cs"/>
-              </a:defRPr>
-            </a:lvl1pPr>
-            <a:lvl2pPr eaLnBrk="1" hangingPunct="1">
-              <a:defRPr>
-                <a:solidFill>
-                  <a:schemeClr val="tx2"/>
-                </a:solidFill>
-              </a:defRPr>
-            </a:lvl2pPr>
-            <a:lvl3pPr eaLnBrk="1" hangingPunct="1">
-              <a:defRPr>
-                <a:solidFill>
-                  <a:schemeClr val="tx2"/>
-                </a:solidFill>
-              </a:defRPr>
-            </a:lvl3pPr>
-            <a:lvl4pPr eaLnBrk="1" hangingPunct="1">
-              <a:defRPr>
-                <a:solidFill>
-                  <a:schemeClr val="tx2"/>
-                </a:solidFill>
-              </a:defRPr>
-            </a:lvl4pPr>
-            <a:lvl5pPr eaLnBrk="1" hangingPunct="1">
-              <a:defRPr>
-                <a:solidFill>
-                  <a:schemeClr val="tx2"/>
-                </a:solidFill>
-              </a:defRPr>
-            </a:lvl5pPr>
-            <a:lvl6pPr eaLnBrk="1" hangingPunct="1">
-              <a:defRPr>
-                <a:solidFill>
-                  <a:schemeClr val="tx2"/>
-                </a:solidFill>
-              </a:defRPr>
-            </a:lvl6pPr>
-            <a:lvl7pPr eaLnBrk="1" hangingPunct="1">
-              <a:defRPr>
-                <a:solidFill>
-                  <a:schemeClr val="tx2"/>
-                </a:solidFill>
-              </a:defRPr>
-            </a:lvl7pPr>
-            <a:lvl8pPr eaLnBrk="1" hangingPunct="1">
-              <a:defRPr>
-                <a:solidFill>
-                  <a:schemeClr val="tx2"/>
-                </a:solidFill>
-              </a:defRPr>
-            </a:lvl8pPr>
-            <a:lvl9pPr eaLnBrk="1" hangingPunct="1">
-              <a:defRPr>
-                <a:solidFill>
-                  <a:schemeClr val="tx2"/>
-                </a:solidFill>
-              </a:defRPr>
-            </a:lvl9pPr>
-          </a:lstStyle>
-          <a:p>
-            <a:pPr algn="l"/>
-            <a:r>
-              <a:rPr lang="en-US" altLang="zh-CN" sz="3600" dirty="0"/>
-              <a:t>Bootstrap</a:t>
-            </a:r>
-            <a:r>
-              <a:rPr lang="zh-CN" altLang="en-US" sz="3600" dirty="0"/>
-              <a:t>： </a:t>
-            </a:r>
-            <a:r>
-              <a:rPr lang="en-US" altLang="zh-CN" sz="3600" dirty="0"/>
-              <a:t>Finance Example</a:t>
-            </a:r>
-            <a:endParaRPr lang="en-US" sz="3500" dirty="0"/>
-          </a:p>
-        </p:txBody>
-      </p:sp>
-      <p:pic>
-        <p:nvPicPr>
-          <p:cNvPr id="6" name="Picture 5">
-            <a:extLst>
-              <a:ext uri="{FF2B5EF4-FFF2-40B4-BE49-F238E27FC236}">
-                <a16:creationId xmlns:a16="http://schemas.microsoft.com/office/drawing/2014/main" id="{A2DEDA54-715B-45BC-824F-A023FD4F5EE6}"/>
-              </a:ext>
-            </a:extLst>
-          </p:cNvPr>
-          <p:cNvPicPr>
-            <a:picLocks noChangeAspect="1"/>
-          </p:cNvPicPr>
-          <p:nvPr/>
-        </p:nvPicPr>
-        <p:blipFill>
-          <a:blip r:embed="rId2"/>
-          <a:stretch>
-            <a:fillRect/>
-          </a:stretch>
-        </p:blipFill>
-        <p:spPr>
-          <a:xfrm>
-            <a:off x="2893749" y="2115158"/>
-            <a:ext cx="4467849" cy="714475"/>
-          </a:xfrm>
-          <a:prstGeom prst="rect">
-            <a:avLst/>
-          </a:prstGeom>
-        </p:spPr>
-      </p:pic>
-      <p:pic>
-        <p:nvPicPr>
-          <p:cNvPr id="9" name="Picture 8">
-            <a:extLst>
-              <a:ext uri="{FF2B5EF4-FFF2-40B4-BE49-F238E27FC236}">
-                <a16:creationId xmlns:a16="http://schemas.microsoft.com/office/drawing/2014/main" id="{ACF571AD-5F0E-4A96-B52D-360B5F62B348}"/>
-              </a:ext>
-            </a:extLst>
-          </p:cNvPr>
-          <p:cNvPicPr>
-            <a:picLocks noChangeAspect="1"/>
-          </p:cNvPicPr>
-          <p:nvPr/>
-        </p:nvPicPr>
-        <p:blipFill>
-          <a:blip r:embed="rId3"/>
-          <a:stretch>
-            <a:fillRect/>
-          </a:stretch>
-        </p:blipFill>
-        <p:spPr>
-          <a:xfrm>
-            <a:off x="298352" y="3856038"/>
-            <a:ext cx="8547295" cy="1615080"/>
-          </a:xfrm>
-          <a:prstGeom prst="rect">
-            <a:avLst/>
-          </a:prstGeom>
-        </p:spPr>
-      </p:pic>
-    </p:spTree>
-    <p:extLst>
-      <p:ext uri="{BB962C8B-B14F-4D97-AF65-F5344CB8AC3E}">
-        <p14:creationId xmlns:p14="http://schemas.microsoft.com/office/powerpoint/2010/main" val="3605085486"/>
-      </p:ext>
-    </p:extLst>
-  </p:cSld>
-  <p:clrMapOvr>
-    <a:masterClrMapping/>
-  </p:clrMapOvr>
-  <p:timing>
-    <p:tnLst>
-      <p:par>
-        <p:cTn id="1" dur="indefinite" restart="never" nodeType="tmRoot">
-          <p:childTnLst>
-            <p:seq concurrent="1" nextAc="seek">
-              <p:cTn id="2" dur="indefinite" nodeType="mainSeq">
-                <p:childTnLst>
-                  <p:par>
-                    <p:cTn id="3" fill="hold">
-                      <p:stCondLst>
-                        <p:cond delay="indefinite"/>
-                      </p:stCondLst>
-                      <p:childTnLst>
-                        <p:par>
-                          <p:cTn id="4" fill="hold">
-                            <p:stCondLst>
-                              <p:cond delay="0"/>
-                            </p:stCondLst>
-                            <p:childTnLst>
-                              <p:par>
-                                <p:cTn id="5" presetID="10" presetClass="entr" presetSubtype="0" fill="hold" nodeType="clickEffect">
-                                  <p:stCondLst>
-                                    <p:cond delay="0"/>
-                                  </p:stCondLst>
-                                  <p:childTnLst>
-                                    <p:set>
-                                      <p:cBhvr>
-                                        <p:cTn id="6" dur="1" fill="hold">
-                                          <p:stCondLst>
-                                            <p:cond delay="0"/>
-                                          </p:stCondLst>
-                                        </p:cTn>
-                                        <p:tgtEl>
-                                          <p:spTgt spid="3">
-                                            <p:txEl>
-                                              <p:pRg st="3" end="3"/>
-                                            </p:txEl>
-                                          </p:spTgt>
-                                        </p:tgtEl>
-                                        <p:attrNameLst>
-                                          <p:attrName>style.visibility</p:attrName>
-                                        </p:attrNameLst>
-                                      </p:cBhvr>
-                                      <p:to>
-                                        <p:strVal val="visible"/>
-                                      </p:to>
-                                    </p:set>
-                                    <p:animEffect transition="in" filter="fade">
-                                      <p:cBhvr>
-                                        <p:cTn id="7" dur="500"/>
-                                        <p:tgtEl>
-                                          <p:spTgt spid="3">
-                                            <p:txEl>
-                                              <p:pRg st="3" end="3"/>
-                                            </p:txEl>
-                                          </p:spTgt>
-                                        </p:tgtEl>
-                                      </p:cBhvr>
-                                    </p:animEffect>
-                                  </p:childTnLst>
-                                </p:cTn>
-                              </p:par>
-                            </p:childTnLst>
-                          </p:cTn>
-                        </p:par>
-                      </p:childTnLst>
-                    </p:cTn>
-                  </p:par>
-                  <p:par>
-                    <p:cTn id="8" fill="hold">
-                      <p:stCondLst>
-                        <p:cond delay="indefinite"/>
-                      </p:stCondLst>
-                      <p:childTnLst>
-                        <p:par>
-                          <p:cTn id="9" fill="hold">
-                            <p:stCondLst>
-                              <p:cond delay="0"/>
-                            </p:stCondLst>
-                            <p:childTnLst>
-                              <p:par>
-                                <p:cTn id="10" presetID="10" presetClass="entr" presetSubtype="0" fill="hold" nodeType="clickEffect">
-                                  <p:stCondLst>
-                                    <p:cond delay="0"/>
-                                  </p:stCondLst>
-                                  <p:childTnLst>
-                                    <p:set>
-                                      <p:cBhvr>
-                                        <p:cTn id="11" dur="1" fill="hold">
-                                          <p:stCondLst>
-                                            <p:cond delay="0"/>
-                                          </p:stCondLst>
-                                        </p:cTn>
-                                        <p:tgtEl>
-                                          <p:spTgt spid="9"/>
-                                        </p:tgtEl>
-                                        <p:attrNameLst>
-                                          <p:attrName>style.visibility</p:attrName>
-                                        </p:attrNameLst>
-                                      </p:cBhvr>
-                                      <p:to>
-                                        <p:strVal val="visible"/>
-                                      </p:to>
-                                    </p:set>
-                                    <p:animEffect transition="in" filter="fade">
-                                      <p:cBhvr>
-                                        <p:cTn id="12" dur="500"/>
-                                        <p:tgtEl>
-                                          <p:spTgt spid="9"/>
-                                        </p:tgtEl>
-                                      </p:cBhvr>
-                                    </p:animEffect>
-                                  </p:childTnLst>
-                                </p:cTn>
-                              </p:par>
-                            </p:childTnLst>
-                          </p:cTn>
-                        </p:par>
-                      </p:childTnLst>
-                    </p:cTn>
-                  </p:par>
-                </p:childTnLst>
-              </p:cTn>
-              <p:prevCondLst>
-                <p:cond evt="onPrev" delay="0">
-                  <p:tgtEl>
-                    <p:sldTgt/>
-                  </p:tgtEl>
-                </p:cond>
-              </p:prevCondLst>
-              <p:nextCondLst>
-                <p:cond evt="onNext" delay="0">
-                  <p:tgtEl>
-                    <p:sldTgt/>
-                  </p:tgtEl>
-                </p:cond>
-              </p:nextCondLst>
-            </p:seq>
-          </p:childTnLst>
-        </p:cTn>
-      </p:par>
-    </p:tnLst>
-  </p:timing>
 </p:sld>
 </file>
 
@@ -12892,2389 +9654,7 @@
 </p:sld>
 </file>
 
-<file path=ppt/slides/slide30.xml><?xml version="1.0" encoding="utf-8"?>
-<p:sld xmlns:a="http://schemas.openxmlformats.org/drawingml/2006/main" xmlns:r="http://schemas.openxmlformats.org/officeDocument/2006/relationships" xmlns:p="http://schemas.openxmlformats.org/presentationml/2006/main">
-  <p:cSld>
-    <p:spTree>
-      <p:nvGrpSpPr>
-        <p:cNvPr id="1" name=""/>
-        <p:cNvGrpSpPr/>
-        <p:nvPr/>
-      </p:nvGrpSpPr>
-      <p:grpSpPr>
-        <a:xfrm>
-          <a:off x="0" y="0"/>
-          <a:ext cx="0" cy="0"/>
-          <a:chOff x="0" y="0"/>
-          <a:chExt cx="0" cy="0"/>
-        </a:xfrm>
-      </p:grpSpPr>
-      <p:sp>
-        <p:nvSpPr>
-          <p:cNvPr id="4" name="Footer Placeholder 3">
-            <a:extLst>
-              <a:ext uri="{FF2B5EF4-FFF2-40B4-BE49-F238E27FC236}">
-                <a16:creationId xmlns:a16="http://schemas.microsoft.com/office/drawing/2014/main" id="{EA634410-7071-4199-B0DA-FB9A71926875}"/>
-              </a:ext>
-            </a:extLst>
-          </p:cNvPr>
-          <p:cNvSpPr>
-            <a:spLocks noGrp="1"/>
-          </p:cNvSpPr>
-          <p:nvPr>
-            <p:ph type="ftr" sz="quarter" idx="11"/>
-          </p:nvPr>
-        </p:nvSpPr>
-        <p:spPr/>
-        <p:txBody>
-          <a:bodyPr/>
-          <a:lstStyle/>
-          <a:p>
-            <a:pPr>
-              <a:defRPr/>
-            </a:pPr>
-            <a:r>
-              <a:rPr lang="es-ES"/>
-              <a:t>Yuying Xie (xyy@msu.edu)</a:t>
-            </a:r>
-            <a:endParaRPr lang="en-US" dirty="0"/>
-          </a:p>
-        </p:txBody>
-      </p:sp>
-      <p:sp>
-        <p:nvSpPr>
-          <p:cNvPr id="5" name="Title 1">
-            <a:extLst>
-              <a:ext uri="{FF2B5EF4-FFF2-40B4-BE49-F238E27FC236}">
-                <a16:creationId xmlns:a16="http://schemas.microsoft.com/office/drawing/2014/main" id="{4502E383-1822-4576-B7C6-49BCB2BBFB1D}"/>
-              </a:ext>
-            </a:extLst>
-          </p:cNvPr>
-          <p:cNvSpPr txBox="1">
-            <a:spLocks/>
-          </p:cNvSpPr>
-          <p:nvPr/>
-        </p:nvSpPr>
-        <p:spPr>
-          <a:xfrm>
-            <a:off x="304800" y="56270"/>
-            <a:ext cx="8305800" cy="490531"/>
-          </a:xfrm>
-          <a:prstGeom prst="rect">
-            <a:avLst/>
-          </a:prstGeom>
-        </p:spPr>
-        <p:txBody>
-          <a:bodyPr vert="horz" lIns="91440" tIns="45720" rIns="91440" bIns="45720" rtlCol="0" anchor="b">
-            <a:normAutofit fontScale="82500" lnSpcReduction="20000"/>
-          </a:bodyPr>
-          <a:lstStyle>
-            <a:lvl1pPr algn="ctr" defTabSz="914400" rtl="0" eaLnBrk="1" latinLnBrk="0" hangingPunct="1">
-              <a:spcBef>
-                <a:spcPct val="0"/>
-              </a:spcBef>
-              <a:buNone/>
-              <a:defRPr sz="4400" kern="1200">
-                <a:solidFill>
-                  <a:srgbClr val="FFFFFF"/>
-                </a:solidFill>
-                <a:latin typeface="+mj-lt"/>
-                <a:ea typeface="+mj-ea"/>
-                <a:cs typeface="+mj-cs"/>
-              </a:defRPr>
-            </a:lvl1pPr>
-            <a:lvl2pPr eaLnBrk="1" hangingPunct="1">
-              <a:defRPr>
-                <a:solidFill>
-                  <a:schemeClr val="tx2"/>
-                </a:solidFill>
-              </a:defRPr>
-            </a:lvl2pPr>
-            <a:lvl3pPr eaLnBrk="1" hangingPunct="1">
-              <a:defRPr>
-                <a:solidFill>
-                  <a:schemeClr val="tx2"/>
-                </a:solidFill>
-              </a:defRPr>
-            </a:lvl3pPr>
-            <a:lvl4pPr eaLnBrk="1" hangingPunct="1">
-              <a:defRPr>
-                <a:solidFill>
-                  <a:schemeClr val="tx2"/>
-                </a:solidFill>
-              </a:defRPr>
-            </a:lvl4pPr>
-            <a:lvl5pPr eaLnBrk="1" hangingPunct="1">
-              <a:defRPr>
-                <a:solidFill>
-                  <a:schemeClr val="tx2"/>
-                </a:solidFill>
-              </a:defRPr>
-            </a:lvl5pPr>
-            <a:lvl6pPr eaLnBrk="1" hangingPunct="1">
-              <a:defRPr>
-                <a:solidFill>
-                  <a:schemeClr val="tx2"/>
-                </a:solidFill>
-              </a:defRPr>
-            </a:lvl6pPr>
-            <a:lvl7pPr eaLnBrk="1" hangingPunct="1">
-              <a:defRPr>
-                <a:solidFill>
-                  <a:schemeClr val="tx2"/>
-                </a:solidFill>
-              </a:defRPr>
-            </a:lvl7pPr>
-            <a:lvl8pPr eaLnBrk="1" hangingPunct="1">
-              <a:defRPr>
-                <a:solidFill>
-                  <a:schemeClr val="tx2"/>
-                </a:solidFill>
-              </a:defRPr>
-            </a:lvl8pPr>
-            <a:lvl9pPr eaLnBrk="1" hangingPunct="1">
-              <a:defRPr>
-                <a:solidFill>
-                  <a:schemeClr val="tx2"/>
-                </a:solidFill>
-              </a:defRPr>
-            </a:lvl9pPr>
-          </a:lstStyle>
-          <a:p>
-            <a:pPr algn="l"/>
-            <a:r>
-              <a:rPr lang="en-US" altLang="zh-CN" sz="3600" dirty="0"/>
-              <a:t>Finance Example: Simulations</a:t>
-            </a:r>
-            <a:endParaRPr lang="en-US" sz="3500" dirty="0"/>
-          </a:p>
-        </p:txBody>
-      </p:sp>
-      <p:pic>
-        <p:nvPicPr>
-          <p:cNvPr id="10" name="Picture 9">
-            <a:extLst>
-              <a:ext uri="{FF2B5EF4-FFF2-40B4-BE49-F238E27FC236}">
-                <a16:creationId xmlns:a16="http://schemas.microsoft.com/office/drawing/2014/main" id="{D71F9B6E-A65E-4200-A403-356063F21337}"/>
-              </a:ext>
-            </a:extLst>
-          </p:cNvPr>
-          <p:cNvPicPr>
-            <a:picLocks noChangeAspect="1"/>
-          </p:cNvPicPr>
-          <p:nvPr/>
-        </p:nvPicPr>
-        <p:blipFill>
-          <a:blip r:embed="rId2"/>
-          <a:stretch>
-            <a:fillRect/>
-          </a:stretch>
-        </p:blipFill>
-        <p:spPr>
-          <a:xfrm>
-            <a:off x="0" y="1393985"/>
-            <a:ext cx="9144000" cy="4070030"/>
-          </a:xfrm>
-          <a:prstGeom prst="rect">
-            <a:avLst/>
-          </a:prstGeom>
-        </p:spPr>
-      </p:pic>
-    </p:spTree>
-    <p:extLst>
-      <p:ext uri="{BB962C8B-B14F-4D97-AF65-F5344CB8AC3E}">
-        <p14:creationId xmlns:p14="http://schemas.microsoft.com/office/powerpoint/2010/main" val="1514535208"/>
-      </p:ext>
-    </p:extLst>
-  </p:cSld>
-  <p:clrMapOvr>
-    <a:masterClrMapping/>
-  </p:clrMapOvr>
-</p:sld>
-</file>
-
-<file path=ppt/slides/slide31.xml><?xml version="1.0" encoding="utf-8"?>
-<p:sld xmlns:a="http://schemas.openxmlformats.org/drawingml/2006/main" xmlns:r="http://schemas.openxmlformats.org/officeDocument/2006/relationships" xmlns:p="http://schemas.openxmlformats.org/presentationml/2006/main">
-  <p:cSld>
-    <p:spTree>
-      <p:nvGrpSpPr>
-        <p:cNvPr id="1" name=""/>
-        <p:cNvGrpSpPr/>
-        <p:nvPr/>
-      </p:nvGrpSpPr>
-      <p:grpSpPr>
-        <a:xfrm>
-          <a:off x="0" y="0"/>
-          <a:ext cx="0" cy="0"/>
-          <a:chOff x="0" y="0"/>
-          <a:chExt cx="0" cy="0"/>
-        </a:xfrm>
-      </p:grpSpPr>
-      <p:sp>
-        <p:nvSpPr>
-          <p:cNvPr id="4" name="Footer Placeholder 3">
-            <a:extLst>
-              <a:ext uri="{FF2B5EF4-FFF2-40B4-BE49-F238E27FC236}">
-                <a16:creationId xmlns:a16="http://schemas.microsoft.com/office/drawing/2014/main" id="{EA634410-7071-4199-B0DA-FB9A71926875}"/>
-              </a:ext>
-            </a:extLst>
-          </p:cNvPr>
-          <p:cNvSpPr>
-            <a:spLocks noGrp="1"/>
-          </p:cNvSpPr>
-          <p:nvPr>
-            <p:ph type="ftr" sz="quarter" idx="11"/>
-          </p:nvPr>
-        </p:nvSpPr>
-        <p:spPr/>
-        <p:txBody>
-          <a:bodyPr/>
-          <a:lstStyle/>
-          <a:p>
-            <a:pPr>
-              <a:defRPr/>
-            </a:pPr>
-            <a:r>
-              <a:rPr lang="es-ES"/>
-              <a:t>Yuying Xie (xyy@msu.edu)</a:t>
-            </a:r>
-            <a:endParaRPr lang="en-US" dirty="0"/>
-          </a:p>
-        </p:txBody>
-      </p:sp>
-      <p:sp>
-        <p:nvSpPr>
-          <p:cNvPr id="5" name="Title 1">
-            <a:extLst>
-              <a:ext uri="{FF2B5EF4-FFF2-40B4-BE49-F238E27FC236}">
-                <a16:creationId xmlns:a16="http://schemas.microsoft.com/office/drawing/2014/main" id="{4502E383-1822-4576-B7C6-49BCB2BBFB1D}"/>
-              </a:ext>
-            </a:extLst>
-          </p:cNvPr>
-          <p:cNvSpPr txBox="1">
-            <a:spLocks/>
-          </p:cNvSpPr>
-          <p:nvPr/>
-        </p:nvSpPr>
-        <p:spPr>
-          <a:xfrm>
-            <a:off x="304800" y="56270"/>
-            <a:ext cx="8305800" cy="490531"/>
-          </a:xfrm>
-          <a:prstGeom prst="rect">
-            <a:avLst/>
-          </a:prstGeom>
-        </p:spPr>
-        <p:txBody>
-          <a:bodyPr vert="horz" lIns="91440" tIns="45720" rIns="91440" bIns="45720" rtlCol="0" anchor="b">
-            <a:normAutofit fontScale="82500" lnSpcReduction="20000"/>
-          </a:bodyPr>
-          <a:lstStyle>
-            <a:lvl1pPr algn="ctr" defTabSz="914400" rtl="0" eaLnBrk="1" latinLnBrk="0" hangingPunct="1">
-              <a:spcBef>
-                <a:spcPct val="0"/>
-              </a:spcBef>
-              <a:buNone/>
-              <a:defRPr sz="4400" kern="1200">
-                <a:solidFill>
-                  <a:srgbClr val="FFFFFF"/>
-                </a:solidFill>
-                <a:latin typeface="+mj-lt"/>
-                <a:ea typeface="+mj-ea"/>
-                <a:cs typeface="+mj-cs"/>
-              </a:defRPr>
-            </a:lvl1pPr>
-            <a:lvl2pPr eaLnBrk="1" hangingPunct="1">
-              <a:defRPr>
-                <a:solidFill>
-                  <a:schemeClr val="tx2"/>
-                </a:solidFill>
-              </a:defRPr>
-            </a:lvl2pPr>
-            <a:lvl3pPr eaLnBrk="1" hangingPunct="1">
-              <a:defRPr>
-                <a:solidFill>
-                  <a:schemeClr val="tx2"/>
-                </a:solidFill>
-              </a:defRPr>
-            </a:lvl3pPr>
-            <a:lvl4pPr eaLnBrk="1" hangingPunct="1">
-              <a:defRPr>
-                <a:solidFill>
-                  <a:schemeClr val="tx2"/>
-                </a:solidFill>
-              </a:defRPr>
-            </a:lvl4pPr>
-            <a:lvl5pPr eaLnBrk="1" hangingPunct="1">
-              <a:defRPr>
-                <a:solidFill>
-                  <a:schemeClr val="tx2"/>
-                </a:solidFill>
-              </a:defRPr>
-            </a:lvl5pPr>
-            <a:lvl6pPr eaLnBrk="1" hangingPunct="1">
-              <a:defRPr>
-                <a:solidFill>
-                  <a:schemeClr val="tx2"/>
-                </a:solidFill>
-              </a:defRPr>
-            </a:lvl6pPr>
-            <a:lvl7pPr eaLnBrk="1" hangingPunct="1">
-              <a:defRPr>
-                <a:solidFill>
-                  <a:schemeClr val="tx2"/>
-                </a:solidFill>
-              </a:defRPr>
-            </a:lvl7pPr>
-            <a:lvl8pPr eaLnBrk="1" hangingPunct="1">
-              <a:defRPr>
-                <a:solidFill>
-                  <a:schemeClr val="tx2"/>
-                </a:solidFill>
-              </a:defRPr>
-            </a:lvl8pPr>
-            <a:lvl9pPr eaLnBrk="1" hangingPunct="1">
-              <a:defRPr>
-                <a:solidFill>
-                  <a:schemeClr val="tx2"/>
-                </a:solidFill>
-              </a:defRPr>
-            </a:lvl9pPr>
-          </a:lstStyle>
-          <a:p>
-            <a:pPr algn="l"/>
-            <a:r>
-              <a:rPr lang="en-US" altLang="zh-CN" sz="3600" dirty="0"/>
-              <a:t>Finance Example: Simulations</a:t>
-            </a:r>
-            <a:endParaRPr lang="en-US" sz="3500" dirty="0"/>
-          </a:p>
-        </p:txBody>
-      </p:sp>
-      <p:pic>
-        <p:nvPicPr>
-          <p:cNvPr id="3" name="Picture 2">
-            <a:extLst>
-              <a:ext uri="{FF2B5EF4-FFF2-40B4-BE49-F238E27FC236}">
-                <a16:creationId xmlns:a16="http://schemas.microsoft.com/office/drawing/2014/main" id="{6D8A6583-9A3E-4169-9259-0DBF7B5387FD}"/>
-              </a:ext>
-            </a:extLst>
-          </p:cNvPr>
-          <p:cNvPicPr>
-            <a:picLocks noChangeAspect="1"/>
-          </p:cNvPicPr>
-          <p:nvPr/>
-        </p:nvPicPr>
-        <p:blipFill>
-          <a:blip r:embed="rId2"/>
-          <a:stretch>
-            <a:fillRect/>
-          </a:stretch>
-        </p:blipFill>
-        <p:spPr>
-          <a:xfrm>
-            <a:off x="1228258" y="947391"/>
-            <a:ext cx="6687483" cy="4963218"/>
-          </a:xfrm>
-          <a:prstGeom prst="rect">
-            <a:avLst/>
-          </a:prstGeom>
-        </p:spPr>
-      </p:pic>
-    </p:spTree>
-    <p:extLst>
-      <p:ext uri="{BB962C8B-B14F-4D97-AF65-F5344CB8AC3E}">
-        <p14:creationId xmlns:p14="http://schemas.microsoft.com/office/powerpoint/2010/main" val="108709836"/>
-      </p:ext>
-    </p:extLst>
-  </p:cSld>
-  <p:clrMapOvr>
-    <a:masterClrMapping/>
-  </p:clrMapOvr>
-</p:sld>
-</file>
-
-<file path=ppt/slides/slide32.xml><?xml version="1.0" encoding="utf-8"?>
-<p:sld xmlns:a="http://schemas.openxmlformats.org/drawingml/2006/main" xmlns:r="http://schemas.openxmlformats.org/officeDocument/2006/relationships" xmlns:p="http://schemas.openxmlformats.org/presentationml/2006/main">
-  <p:cSld>
-    <p:spTree>
-      <p:nvGrpSpPr>
-        <p:cNvPr id="1" name=""/>
-        <p:cNvGrpSpPr/>
-        <p:nvPr/>
-      </p:nvGrpSpPr>
-      <p:grpSpPr>
-        <a:xfrm>
-          <a:off x="0" y="0"/>
-          <a:ext cx="0" cy="0"/>
-          <a:chOff x="0" y="0"/>
-          <a:chExt cx="0" cy="0"/>
-        </a:xfrm>
-      </p:grpSpPr>
-      <p:sp>
-        <p:nvSpPr>
-          <p:cNvPr id="4" name="Footer Placeholder 3">
-            <a:extLst>
-              <a:ext uri="{FF2B5EF4-FFF2-40B4-BE49-F238E27FC236}">
-                <a16:creationId xmlns:a16="http://schemas.microsoft.com/office/drawing/2014/main" id="{EA634410-7071-4199-B0DA-FB9A71926875}"/>
-              </a:ext>
-            </a:extLst>
-          </p:cNvPr>
-          <p:cNvSpPr>
-            <a:spLocks noGrp="1"/>
-          </p:cNvSpPr>
-          <p:nvPr>
-            <p:ph type="ftr" sz="quarter" idx="11"/>
-          </p:nvPr>
-        </p:nvSpPr>
-        <p:spPr/>
-        <p:txBody>
-          <a:bodyPr/>
-          <a:lstStyle/>
-          <a:p>
-            <a:pPr>
-              <a:defRPr/>
-            </a:pPr>
-            <a:r>
-              <a:rPr lang="es-ES"/>
-              <a:t>Yuying Xie (xyy@msu.edu)</a:t>
-            </a:r>
-            <a:endParaRPr lang="en-US" dirty="0"/>
-          </a:p>
-        </p:txBody>
-      </p:sp>
-      <p:sp>
-        <p:nvSpPr>
-          <p:cNvPr id="5" name="Title 1">
-            <a:extLst>
-              <a:ext uri="{FF2B5EF4-FFF2-40B4-BE49-F238E27FC236}">
-                <a16:creationId xmlns:a16="http://schemas.microsoft.com/office/drawing/2014/main" id="{4502E383-1822-4576-B7C6-49BCB2BBFB1D}"/>
-              </a:ext>
-            </a:extLst>
-          </p:cNvPr>
-          <p:cNvSpPr txBox="1">
-            <a:spLocks/>
-          </p:cNvSpPr>
-          <p:nvPr/>
-        </p:nvSpPr>
-        <p:spPr>
-          <a:xfrm>
-            <a:off x="304800" y="56270"/>
-            <a:ext cx="8305800" cy="490531"/>
-          </a:xfrm>
-          <a:prstGeom prst="rect">
-            <a:avLst/>
-          </a:prstGeom>
-        </p:spPr>
-        <p:txBody>
-          <a:bodyPr vert="horz" lIns="91440" tIns="45720" rIns="91440" bIns="45720" rtlCol="0" anchor="b">
-            <a:normAutofit fontScale="82500" lnSpcReduction="20000"/>
-          </a:bodyPr>
-          <a:lstStyle>
-            <a:lvl1pPr algn="ctr" defTabSz="914400" rtl="0" eaLnBrk="1" latinLnBrk="0" hangingPunct="1">
-              <a:spcBef>
-                <a:spcPct val="0"/>
-              </a:spcBef>
-              <a:buNone/>
-              <a:defRPr sz="4400" kern="1200">
-                <a:solidFill>
-                  <a:srgbClr val="FFFFFF"/>
-                </a:solidFill>
-                <a:latin typeface="+mj-lt"/>
-                <a:ea typeface="+mj-ea"/>
-                <a:cs typeface="+mj-cs"/>
-              </a:defRPr>
-            </a:lvl1pPr>
-            <a:lvl2pPr eaLnBrk="1" hangingPunct="1">
-              <a:defRPr>
-                <a:solidFill>
-                  <a:schemeClr val="tx2"/>
-                </a:solidFill>
-              </a:defRPr>
-            </a:lvl2pPr>
-            <a:lvl3pPr eaLnBrk="1" hangingPunct="1">
-              <a:defRPr>
-                <a:solidFill>
-                  <a:schemeClr val="tx2"/>
-                </a:solidFill>
-              </a:defRPr>
-            </a:lvl3pPr>
-            <a:lvl4pPr eaLnBrk="1" hangingPunct="1">
-              <a:defRPr>
-                <a:solidFill>
-                  <a:schemeClr val="tx2"/>
-                </a:solidFill>
-              </a:defRPr>
-            </a:lvl4pPr>
-            <a:lvl5pPr eaLnBrk="1" hangingPunct="1">
-              <a:defRPr>
-                <a:solidFill>
-                  <a:schemeClr val="tx2"/>
-                </a:solidFill>
-              </a:defRPr>
-            </a:lvl5pPr>
-            <a:lvl6pPr eaLnBrk="1" hangingPunct="1">
-              <a:defRPr>
-                <a:solidFill>
-                  <a:schemeClr val="tx2"/>
-                </a:solidFill>
-              </a:defRPr>
-            </a:lvl6pPr>
-            <a:lvl7pPr eaLnBrk="1" hangingPunct="1">
-              <a:defRPr>
-                <a:solidFill>
-                  <a:schemeClr val="tx2"/>
-                </a:solidFill>
-              </a:defRPr>
-            </a:lvl7pPr>
-            <a:lvl8pPr eaLnBrk="1" hangingPunct="1">
-              <a:defRPr>
-                <a:solidFill>
-                  <a:schemeClr val="tx2"/>
-                </a:solidFill>
-              </a:defRPr>
-            </a:lvl8pPr>
-            <a:lvl9pPr eaLnBrk="1" hangingPunct="1">
-              <a:defRPr>
-                <a:solidFill>
-                  <a:schemeClr val="tx2"/>
-                </a:solidFill>
-              </a:defRPr>
-            </a:lvl9pPr>
-          </a:lstStyle>
-          <a:p>
-            <a:pPr algn="l"/>
-            <a:r>
-              <a:rPr lang="en-US" altLang="zh-CN" sz="3600" dirty="0"/>
-              <a:t>Finance Example: Simulations</a:t>
-            </a:r>
-            <a:endParaRPr lang="en-US" sz="3500" dirty="0"/>
-          </a:p>
-        </p:txBody>
-      </p:sp>
-      <p:pic>
-        <p:nvPicPr>
-          <p:cNvPr id="6" name="Picture 5">
-            <a:extLst>
-              <a:ext uri="{FF2B5EF4-FFF2-40B4-BE49-F238E27FC236}">
-                <a16:creationId xmlns:a16="http://schemas.microsoft.com/office/drawing/2014/main" id="{DF370FD9-1080-47E0-9341-746BB6830647}"/>
-              </a:ext>
-            </a:extLst>
-          </p:cNvPr>
-          <p:cNvPicPr>
-            <a:picLocks noChangeAspect="1"/>
-          </p:cNvPicPr>
-          <p:nvPr/>
-        </p:nvPicPr>
-        <p:blipFill rotWithShape="1">
-          <a:blip r:embed="rId2"/>
-          <a:srcRect b="51102"/>
-          <a:stretch/>
-        </p:blipFill>
-        <p:spPr>
-          <a:xfrm>
-            <a:off x="0" y="1682235"/>
-            <a:ext cx="9144000" cy="2341125"/>
-          </a:xfrm>
-          <a:prstGeom prst="rect">
-            <a:avLst/>
-          </a:prstGeom>
-        </p:spPr>
-      </p:pic>
-      <p:pic>
-        <p:nvPicPr>
-          <p:cNvPr id="7" name="Picture 6">
-            <a:extLst>
-              <a:ext uri="{FF2B5EF4-FFF2-40B4-BE49-F238E27FC236}">
-                <a16:creationId xmlns:a16="http://schemas.microsoft.com/office/drawing/2014/main" id="{27AD80BA-36F5-47EF-AFA4-EC4FBF1A7227}"/>
-              </a:ext>
-            </a:extLst>
-          </p:cNvPr>
-          <p:cNvPicPr>
-            <a:picLocks noChangeAspect="1"/>
-          </p:cNvPicPr>
-          <p:nvPr/>
-        </p:nvPicPr>
-        <p:blipFill rotWithShape="1">
-          <a:blip r:embed="rId2"/>
-          <a:srcRect t="69662"/>
-          <a:stretch/>
-        </p:blipFill>
-        <p:spPr>
-          <a:xfrm>
-            <a:off x="152400" y="4522763"/>
-            <a:ext cx="9144000" cy="1452515"/>
-          </a:xfrm>
-          <a:prstGeom prst="rect">
-            <a:avLst/>
-          </a:prstGeom>
-        </p:spPr>
-      </p:pic>
-    </p:spTree>
-    <p:extLst>
-      <p:ext uri="{BB962C8B-B14F-4D97-AF65-F5344CB8AC3E}">
-        <p14:creationId xmlns:p14="http://schemas.microsoft.com/office/powerpoint/2010/main" val="337272084"/>
-      </p:ext>
-    </p:extLst>
-  </p:cSld>
-  <p:clrMapOvr>
-    <a:masterClrMapping/>
-  </p:clrMapOvr>
-</p:sld>
-</file>
-
-<file path=ppt/slides/slide33.xml><?xml version="1.0" encoding="utf-8"?>
-<p:sld xmlns:a="http://schemas.openxmlformats.org/drawingml/2006/main" xmlns:r="http://schemas.openxmlformats.org/officeDocument/2006/relationships" xmlns:p="http://schemas.openxmlformats.org/presentationml/2006/main">
-  <p:cSld>
-    <p:spTree>
-      <p:nvGrpSpPr>
-        <p:cNvPr id="1" name=""/>
-        <p:cNvGrpSpPr/>
-        <p:nvPr/>
-      </p:nvGrpSpPr>
-      <p:grpSpPr>
-        <a:xfrm>
-          <a:off x="0" y="0"/>
-          <a:ext cx="0" cy="0"/>
-          <a:chOff x="0" y="0"/>
-          <a:chExt cx="0" cy="0"/>
-        </a:xfrm>
-      </p:grpSpPr>
-      <p:pic>
-        <p:nvPicPr>
-          <p:cNvPr id="6" name="Picture 5">
-            <a:extLst>
-              <a:ext uri="{FF2B5EF4-FFF2-40B4-BE49-F238E27FC236}">
-                <a16:creationId xmlns:a16="http://schemas.microsoft.com/office/drawing/2014/main" id="{0B199516-DF27-46B5-A4C5-80FE9D43D372}"/>
-              </a:ext>
-            </a:extLst>
-          </p:cNvPr>
-          <p:cNvPicPr>
-            <a:picLocks noChangeAspect="1"/>
-          </p:cNvPicPr>
-          <p:nvPr/>
-        </p:nvPicPr>
-        <p:blipFill>
-          <a:blip r:embed="rId2"/>
-          <a:stretch>
-            <a:fillRect/>
-          </a:stretch>
-        </p:blipFill>
-        <p:spPr>
-          <a:xfrm>
-            <a:off x="0" y="628650"/>
-            <a:ext cx="6485206" cy="3972189"/>
-          </a:xfrm>
-          <a:prstGeom prst="rect">
-            <a:avLst/>
-          </a:prstGeom>
-        </p:spPr>
-      </p:pic>
-      <p:pic>
-        <p:nvPicPr>
-          <p:cNvPr id="8" name="Picture 7">
-            <a:extLst>
-              <a:ext uri="{FF2B5EF4-FFF2-40B4-BE49-F238E27FC236}">
-                <a16:creationId xmlns:a16="http://schemas.microsoft.com/office/drawing/2014/main" id="{FAC649E5-A9BA-4BE8-B56D-CA1A377D23B7}"/>
-              </a:ext>
-            </a:extLst>
-          </p:cNvPr>
-          <p:cNvPicPr>
-            <a:picLocks noChangeAspect="1"/>
-          </p:cNvPicPr>
-          <p:nvPr/>
-        </p:nvPicPr>
-        <p:blipFill>
-          <a:blip r:embed="rId3"/>
-          <a:stretch>
-            <a:fillRect/>
-          </a:stretch>
-        </p:blipFill>
-        <p:spPr>
-          <a:xfrm>
-            <a:off x="6642590" y="1525350"/>
-            <a:ext cx="2076740" cy="2695951"/>
-          </a:xfrm>
-          <a:prstGeom prst="rect">
-            <a:avLst/>
-          </a:prstGeom>
-        </p:spPr>
-      </p:pic>
-    </p:spTree>
-    <p:extLst>
-      <p:ext uri="{BB962C8B-B14F-4D97-AF65-F5344CB8AC3E}">
-        <p14:creationId xmlns:p14="http://schemas.microsoft.com/office/powerpoint/2010/main" val="1108768760"/>
-      </p:ext>
-    </p:extLst>
-  </p:cSld>
-  <p:clrMapOvr>
-    <a:masterClrMapping/>
-  </p:clrMapOvr>
-</p:sld>
-</file>
-
-<file path=ppt/slides/slide34.xml><?xml version="1.0" encoding="utf-8"?>
-<p:sld xmlns:a="http://schemas.openxmlformats.org/drawingml/2006/main" xmlns:r="http://schemas.openxmlformats.org/officeDocument/2006/relationships" xmlns:p="http://schemas.openxmlformats.org/presentationml/2006/main">
-  <p:cSld>
-    <p:spTree>
-      <p:nvGrpSpPr>
-        <p:cNvPr id="1" name=""/>
-        <p:cNvGrpSpPr/>
-        <p:nvPr/>
-      </p:nvGrpSpPr>
-      <p:grpSpPr>
-        <a:xfrm>
-          <a:off x="0" y="0"/>
-          <a:ext cx="0" cy="0"/>
-          <a:chOff x="0" y="0"/>
-          <a:chExt cx="0" cy="0"/>
-        </a:xfrm>
-      </p:grpSpPr>
-      <p:sp>
-        <p:nvSpPr>
-          <p:cNvPr id="4" name="Title 1">
-            <a:extLst>
-              <a:ext uri="{FF2B5EF4-FFF2-40B4-BE49-F238E27FC236}">
-                <a16:creationId xmlns:a16="http://schemas.microsoft.com/office/drawing/2014/main" id="{45FCB50C-8D3A-4F1A-A0AC-FF6D95BCACD0}"/>
-              </a:ext>
-            </a:extLst>
-          </p:cNvPr>
-          <p:cNvSpPr txBox="1">
-            <a:spLocks/>
-          </p:cNvSpPr>
-          <p:nvPr/>
-        </p:nvSpPr>
-        <p:spPr>
-          <a:xfrm>
-            <a:off x="304800" y="56270"/>
-            <a:ext cx="8305800" cy="490531"/>
-          </a:xfrm>
-          <a:prstGeom prst="rect">
-            <a:avLst/>
-          </a:prstGeom>
-        </p:spPr>
-        <p:txBody>
-          <a:bodyPr vert="horz" lIns="91440" tIns="45720" rIns="91440" bIns="45720" rtlCol="0" anchor="b">
-            <a:normAutofit fontScale="82500" lnSpcReduction="20000"/>
-          </a:bodyPr>
-          <a:lstStyle>
-            <a:lvl1pPr algn="ctr" defTabSz="914400" rtl="0" eaLnBrk="1" latinLnBrk="0" hangingPunct="1">
-              <a:spcBef>
-                <a:spcPct val="0"/>
-              </a:spcBef>
-              <a:buNone/>
-              <a:defRPr sz="4400" kern="1200">
-                <a:solidFill>
-                  <a:srgbClr val="FFFFFF"/>
-                </a:solidFill>
-                <a:latin typeface="+mj-lt"/>
-                <a:ea typeface="+mj-ea"/>
-                <a:cs typeface="+mj-cs"/>
-              </a:defRPr>
-            </a:lvl1pPr>
-            <a:lvl2pPr eaLnBrk="1" hangingPunct="1">
-              <a:defRPr>
-                <a:solidFill>
-                  <a:schemeClr val="tx2"/>
-                </a:solidFill>
-              </a:defRPr>
-            </a:lvl2pPr>
-            <a:lvl3pPr eaLnBrk="1" hangingPunct="1">
-              <a:defRPr>
-                <a:solidFill>
-                  <a:schemeClr val="tx2"/>
-                </a:solidFill>
-              </a:defRPr>
-            </a:lvl3pPr>
-            <a:lvl4pPr eaLnBrk="1" hangingPunct="1">
-              <a:defRPr>
-                <a:solidFill>
-                  <a:schemeClr val="tx2"/>
-                </a:solidFill>
-              </a:defRPr>
-            </a:lvl4pPr>
-            <a:lvl5pPr eaLnBrk="1" hangingPunct="1">
-              <a:defRPr>
-                <a:solidFill>
-                  <a:schemeClr val="tx2"/>
-                </a:solidFill>
-              </a:defRPr>
-            </a:lvl5pPr>
-            <a:lvl6pPr eaLnBrk="1" hangingPunct="1">
-              <a:defRPr>
-                <a:solidFill>
-                  <a:schemeClr val="tx2"/>
-                </a:solidFill>
-              </a:defRPr>
-            </a:lvl6pPr>
-            <a:lvl7pPr eaLnBrk="1" hangingPunct="1">
-              <a:defRPr>
-                <a:solidFill>
-                  <a:schemeClr val="tx2"/>
-                </a:solidFill>
-              </a:defRPr>
-            </a:lvl7pPr>
-            <a:lvl8pPr eaLnBrk="1" hangingPunct="1">
-              <a:defRPr>
-                <a:solidFill>
-                  <a:schemeClr val="tx2"/>
-                </a:solidFill>
-              </a:defRPr>
-            </a:lvl8pPr>
-            <a:lvl9pPr eaLnBrk="1" hangingPunct="1">
-              <a:defRPr>
-                <a:solidFill>
-                  <a:schemeClr val="tx2"/>
-                </a:solidFill>
-              </a:defRPr>
-            </a:lvl9pPr>
-          </a:lstStyle>
-          <a:p>
-            <a:pPr algn="l"/>
-            <a:r>
-              <a:rPr lang="en-US" altLang="zh-CN" sz="3600" dirty="0"/>
-              <a:t>Finance Example: Reality</a:t>
-            </a:r>
-            <a:endParaRPr lang="en-US" sz="3500" dirty="0"/>
-          </a:p>
-        </p:txBody>
-      </p:sp>
-      <p:sp>
-        <p:nvSpPr>
-          <p:cNvPr id="5" name="Content Placeholder 2">
-            <a:extLst>
-              <a:ext uri="{FF2B5EF4-FFF2-40B4-BE49-F238E27FC236}">
-                <a16:creationId xmlns:a16="http://schemas.microsoft.com/office/drawing/2014/main" id="{1B3C3135-6E70-494C-8C8F-E876DBA40F65}"/>
-              </a:ext>
-            </a:extLst>
-          </p:cNvPr>
-          <p:cNvSpPr>
-            <a:spLocks noGrp="1"/>
-          </p:cNvSpPr>
-          <p:nvPr>
-            <p:ph idx="1"/>
-          </p:nvPr>
-        </p:nvSpPr>
-        <p:spPr>
-          <a:xfrm>
-            <a:off x="304800" y="751372"/>
-            <a:ext cx="8229600" cy="4066495"/>
-          </a:xfrm>
-        </p:spPr>
-        <p:txBody>
-          <a:bodyPr/>
-          <a:lstStyle/>
-          <a:p>
-            <a:r>
-              <a:rPr lang="en-US" sz="2000" dirty="0">
-                <a:solidFill>
-                  <a:srgbClr val="0C533A"/>
-                </a:solidFill>
-              </a:rPr>
-              <a:t>The procedure outlined above cannot be applied, because for real data we cannot generate new samples from the original population.</a:t>
-            </a:r>
-          </a:p>
-          <a:p>
-            <a:r>
-              <a:rPr lang="en-US" sz="2000" dirty="0">
-                <a:solidFill>
-                  <a:srgbClr val="0C533A"/>
-                </a:solidFill>
-              </a:rPr>
-              <a:t>The </a:t>
-            </a:r>
-            <a:r>
-              <a:rPr lang="en-US" sz="2000" dirty="0">
-                <a:solidFill>
-                  <a:srgbClr val="FF0000"/>
-                </a:solidFill>
-              </a:rPr>
-              <a:t>bootstrap</a:t>
-            </a:r>
-            <a:r>
-              <a:rPr lang="en-US" sz="2000" dirty="0">
-                <a:solidFill>
-                  <a:srgbClr val="0C533A"/>
-                </a:solidFill>
-              </a:rPr>
-              <a:t> approach allows us to use a computer to mimic the process of obtaining new data sets.</a:t>
-            </a:r>
-          </a:p>
-          <a:p>
-            <a:r>
-              <a:rPr lang="en-US" sz="2000" dirty="0">
-                <a:solidFill>
-                  <a:srgbClr val="0C533A"/>
-                </a:solidFill>
-              </a:rPr>
-              <a:t>Rather than repeatedly </a:t>
-            </a:r>
-            <a:r>
-              <a:rPr lang="en-US" altLang="zh-CN" sz="2000" dirty="0">
-                <a:solidFill>
-                  <a:srgbClr val="0C533A"/>
-                </a:solidFill>
-              </a:rPr>
-              <a:t>sampling</a:t>
-            </a:r>
-            <a:r>
-              <a:rPr lang="en-US" sz="2000" dirty="0">
-                <a:solidFill>
-                  <a:srgbClr val="0C533A"/>
-                </a:solidFill>
-              </a:rPr>
-              <a:t> from the population, we instead obtain distinct data sets by repeatedly sampling observations from the original data set </a:t>
-            </a:r>
-            <a:r>
-              <a:rPr lang="en-US" sz="2000" dirty="0">
-                <a:solidFill>
-                  <a:srgbClr val="FF0000"/>
-                </a:solidFill>
-              </a:rPr>
-              <a:t>with replacement</a:t>
-            </a:r>
-            <a:r>
-              <a:rPr lang="en-US" sz="2000" dirty="0">
-                <a:solidFill>
-                  <a:srgbClr val="0C533A"/>
-                </a:solidFill>
-              </a:rPr>
-              <a:t>.</a:t>
-            </a:r>
-          </a:p>
-          <a:p>
-            <a:r>
-              <a:rPr lang="en-US" sz="2000" dirty="0">
-                <a:solidFill>
-                  <a:srgbClr val="0C533A"/>
-                </a:solidFill>
-              </a:rPr>
-              <a:t>Each of these “bootstrap data sets” is created by sampling </a:t>
-            </a:r>
-            <a:r>
-              <a:rPr lang="en-US" sz="2000" dirty="0">
-                <a:solidFill>
-                  <a:srgbClr val="FF0000"/>
-                </a:solidFill>
-              </a:rPr>
-              <a:t>with replacement</a:t>
-            </a:r>
-            <a:r>
-              <a:rPr lang="en-US" sz="2000" dirty="0">
-                <a:solidFill>
-                  <a:srgbClr val="0C533A"/>
-                </a:solidFill>
-              </a:rPr>
-              <a:t>, and is the </a:t>
-            </a:r>
-            <a:r>
-              <a:rPr lang="en-US" sz="2000" dirty="0">
-                <a:solidFill>
-                  <a:srgbClr val="FF0000"/>
-                </a:solidFill>
-              </a:rPr>
-              <a:t>same size </a:t>
-            </a:r>
-            <a:r>
-              <a:rPr lang="en-US" sz="2000" dirty="0">
-                <a:solidFill>
-                  <a:srgbClr val="0C533A"/>
-                </a:solidFill>
-              </a:rPr>
-              <a:t>as our original dataset. Some observations may appear more than once in a given bootstrap data set and some not at all.</a:t>
-            </a:r>
-            <a:endParaRPr lang="en-US" sz="2000" dirty="0"/>
-          </a:p>
-        </p:txBody>
-      </p:sp>
-    </p:spTree>
-    <p:extLst>
-      <p:ext uri="{BB962C8B-B14F-4D97-AF65-F5344CB8AC3E}">
-        <p14:creationId xmlns:p14="http://schemas.microsoft.com/office/powerpoint/2010/main" val="3209563179"/>
-      </p:ext>
-    </p:extLst>
-  </p:cSld>
-  <p:clrMapOvr>
-    <a:masterClrMapping/>
-  </p:clrMapOvr>
-</p:sld>
-</file>
-
-<file path=ppt/slides/slide35.xml><?xml version="1.0" encoding="utf-8"?>
-<p:sld xmlns:a="http://schemas.openxmlformats.org/drawingml/2006/main" xmlns:r="http://schemas.openxmlformats.org/officeDocument/2006/relationships" xmlns:p="http://schemas.openxmlformats.org/presentationml/2006/main">
-  <p:cSld>
-    <p:spTree>
-      <p:nvGrpSpPr>
-        <p:cNvPr id="1" name=""/>
-        <p:cNvGrpSpPr/>
-        <p:nvPr/>
-      </p:nvGrpSpPr>
-      <p:grpSpPr>
-        <a:xfrm>
-          <a:off x="0" y="0"/>
-          <a:ext cx="0" cy="0"/>
-          <a:chOff x="0" y="0"/>
-          <a:chExt cx="0" cy="0"/>
-        </a:xfrm>
-      </p:grpSpPr>
-      <p:sp>
-        <p:nvSpPr>
-          <p:cNvPr id="4" name="Title 1">
-            <a:extLst>
-              <a:ext uri="{FF2B5EF4-FFF2-40B4-BE49-F238E27FC236}">
-                <a16:creationId xmlns:a16="http://schemas.microsoft.com/office/drawing/2014/main" id="{45FCB50C-8D3A-4F1A-A0AC-FF6D95BCACD0}"/>
-              </a:ext>
-            </a:extLst>
-          </p:cNvPr>
-          <p:cNvSpPr txBox="1">
-            <a:spLocks/>
-          </p:cNvSpPr>
-          <p:nvPr/>
-        </p:nvSpPr>
-        <p:spPr>
-          <a:xfrm>
-            <a:off x="304800" y="56270"/>
-            <a:ext cx="8305800" cy="490531"/>
-          </a:xfrm>
-          <a:prstGeom prst="rect">
-            <a:avLst/>
-          </a:prstGeom>
-        </p:spPr>
-        <p:txBody>
-          <a:bodyPr vert="horz" lIns="91440" tIns="45720" rIns="91440" bIns="45720" rtlCol="0" anchor="b">
-            <a:normAutofit fontScale="82500" lnSpcReduction="20000"/>
-          </a:bodyPr>
-          <a:lstStyle>
-            <a:lvl1pPr algn="ctr" defTabSz="914400" rtl="0" eaLnBrk="1" latinLnBrk="0" hangingPunct="1">
-              <a:spcBef>
-                <a:spcPct val="0"/>
-              </a:spcBef>
-              <a:buNone/>
-              <a:defRPr sz="4400" kern="1200">
-                <a:solidFill>
-                  <a:srgbClr val="FFFFFF"/>
-                </a:solidFill>
-                <a:latin typeface="+mj-lt"/>
-                <a:ea typeface="+mj-ea"/>
-                <a:cs typeface="+mj-cs"/>
-              </a:defRPr>
-            </a:lvl1pPr>
-            <a:lvl2pPr eaLnBrk="1" hangingPunct="1">
-              <a:defRPr>
-                <a:solidFill>
-                  <a:schemeClr val="tx2"/>
-                </a:solidFill>
-              </a:defRPr>
-            </a:lvl2pPr>
-            <a:lvl3pPr eaLnBrk="1" hangingPunct="1">
-              <a:defRPr>
-                <a:solidFill>
-                  <a:schemeClr val="tx2"/>
-                </a:solidFill>
-              </a:defRPr>
-            </a:lvl3pPr>
-            <a:lvl4pPr eaLnBrk="1" hangingPunct="1">
-              <a:defRPr>
-                <a:solidFill>
-                  <a:schemeClr val="tx2"/>
-                </a:solidFill>
-              </a:defRPr>
-            </a:lvl4pPr>
-            <a:lvl5pPr eaLnBrk="1" hangingPunct="1">
-              <a:defRPr>
-                <a:solidFill>
-                  <a:schemeClr val="tx2"/>
-                </a:solidFill>
-              </a:defRPr>
-            </a:lvl5pPr>
-            <a:lvl6pPr eaLnBrk="1" hangingPunct="1">
-              <a:defRPr>
-                <a:solidFill>
-                  <a:schemeClr val="tx2"/>
-                </a:solidFill>
-              </a:defRPr>
-            </a:lvl6pPr>
-            <a:lvl7pPr eaLnBrk="1" hangingPunct="1">
-              <a:defRPr>
-                <a:solidFill>
-                  <a:schemeClr val="tx2"/>
-                </a:solidFill>
-              </a:defRPr>
-            </a:lvl7pPr>
-            <a:lvl8pPr eaLnBrk="1" hangingPunct="1">
-              <a:defRPr>
-                <a:solidFill>
-                  <a:schemeClr val="tx2"/>
-                </a:solidFill>
-              </a:defRPr>
-            </a:lvl8pPr>
-            <a:lvl9pPr eaLnBrk="1" hangingPunct="1">
-              <a:defRPr>
-                <a:solidFill>
-                  <a:schemeClr val="tx2"/>
-                </a:solidFill>
-              </a:defRPr>
-            </a:lvl9pPr>
-          </a:lstStyle>
-          <a:p>
-            <a:pPr algn="l"/>
-            <a:r>
-              <a:rPr lang="en-US" altLang="zh-CN" sz="3600" dirty="0" err="1"/>
-              <a:t>Boostrap</a:t>
-            </a:r>
-            <a:r>
-              <a:rPr lang="en-US" altLang="zh-CN" sz="3600" dirty="0"/>
-              <a:t> Illustration</a:t>
-            </a:r>
-            <a:endParaRPr lang="en-US" sz="3500" dirty="0"/>
-          </a:p>
-        </p:txBody>
-      </p:sp>
-      <p:pic>
-        <p:nvPicPr>
-          <p:cNvPr id="7" name="Picture 6">
-            <a:extLst>
-              <a:ext uri="{FF2B5EF4-FFF2-40B4-BE49-F238E27FC236}">
-                <a16:creationId xmlns:a16="http://schemas.microsoft.com/office/drawing/2014/main" id="{4E608184-2597-4F50-A188-7C9A2FB1B9B4}"/>
-              </a:ext>
-            </a:extLst>
-          </p:cNvPr>
-          <p:cNvPicPr>
-            <a:picLocks noChangeAspect="1"/>
-          </p:cNvPicPr>
-          <p:nvPr/>
-        </p:nvPicPr>
-        <p:blipFill>
-          <a:blip r:embed="rId2"/>
-          <a:stretch>
-            <a:fillRect/>
-          </a:stretch>
-        </p:blipFill>
-        <p:spPr>
-          <a:xfrm>
-            <a:off x="935720" y="756195"/>
-            <a:ext cx="5964483" cy="5496894"/>
-          </a:xfrm>
-          <a:prstGeom prst="rect">
-            <a:avLst/>
-          </a:prstGeom>
-        </p:spPr>
-      </p:pic>
-    </p:spTree>
-    <p:extLst>
-      <p:ext uri="{BB962C8B-B14F-4D97-AF65-F5344CB8AC3E}">
-        <p14:creationId xmlns:p14="http://schemas.microsoft.com/office/powerpoint/2010/main" val="1958250160"/>
-      </p:ext>
-    </p:extLst>
-  </p:cSld>
-  <p:clrMapOvr>
-    <a:masterClrMapping/>
-  </p:clrMapOvr>
-</p:sld>
-</file>
-
-<file path=ppt/slides/slide36.xml><?xml version="1.0" encoding="utf-8"?>
-<p:sld xmlns:a="http://schemas.openxmlformats.org/drawingml/2006/main" xmlns:r="http://schemas.openxmlformats.org/officeDocument/2006/relationships" xmlns:p="http://schemas.openxmlformats.org/presentationml/2006/main">
-  <p:cSld>
-    <p:spTree>
-      <p:nvGrpSpPr>
-        <p:cNvPr id="1" name=""/>
-        <p:cNvGrpSpPr/>
-        <p:nvPr/>
-      </p:nvGrpSpPr>
-      <p:grpSpPr>
-        <a:xfrm>
-          <a:off x="0" y="0"/>
-          <a:ext cx="0" cy="0"/>
-          <a:chOff x="0" y="0"/>
-          <a:chExt cx="0" cy="0"/>
-        </a:xfrm>
-      </p:grpSpPr>
-      <p:sp>
-        <p:nvSpPr>
-          <p:cNvPr id="4" name="Title 1">
-            <a:extLst>
-              <a:ext uri="{FF2B5EF4-FFF2-40B4-BE49-F238E27FC236}">
-                <a16:creationId xmlns:a16="http://schemas.microsoft.com/office/drawing/2014/main" id="{45FCB50C-8D3A-4F1A-A0AC-FF6D95BCACD0}"/>
-              </a:ext>
-            </a:extLst>
-          </p:cNvPr>
-          <p:cNvSpPr txBox="1">
-            <a:spLocks/>
-          </p:cNvSpPr>
-          <p:nvPr/>
-        </p:nvSpPr>
-        <p:spPr>
-          <a:xfrm>
-            <a:off x="304800" y="56270"/>
-            <a:ext cx="8305800" cy="490531"/>
-          </a:xfrm>
-          <a:prstGeom prst="rect">
-            <a:avLst/>
-          </a:prstGeom>
-        </p:spPr>
-        <p:txBody>
-          <a:bodyPr vert="horz" lIns="91440" tIns="45720" rIns="91440" bIns="45720" rtlCol="0" anchor="b">
-            <a:normAutofit fontScale="82500" lnSpcReduction="20000"/>
-          </a:bodyPr>
-          <a:lstStyle>
-            <a:lvl1pPr algn="ctr" defTabSz="914400" rtl="0" eaLnBrk="1" latinLnBrk="0" hangingPunct="1">
-              <a:spcBef>
-                <a:spcPct val="0"/>
-              </a:spcBef>
-              <a:buNone/>
-              <a:defRPr sz="4400" kern="1200">
-                <a:solidFill>
-                  <a:srgbClr val="FFFFFF"/>
-                </a:solidFill>
-                <a:latin typeface="+mj-lt"/>
-                <a:ea typeface="+mj-ea"/>
-                <a:cs typeface="+mj-cs"/>
-              </a:defRPr>
-            </a:lvl1pPr>
-            <a:lvl2pPr eaLnBrk="1" hangingPunct="1">
-              <a:defRPr>
-                <a:solidFill>
-                  <a:schemeClr val="tx2"/>
-                </a:solidFill>
-              </a:defRPr>
-            </a:lvl2pPr>
-            <a:lvl3pPr eaLnBrk="1" hangingPunct="1">
-              <a:defRPr>
-                <a:solidFill>
-                  <a:schemeClr val="tx2"/>
-                </a:solidFill>
-              </a:defRPr>
-            </a:lvl3pPr>
-            <a:lvl4pPr eaLnBrk="1" hangingPunct="1">
-              <a:defRPr>
-                <a:solidFill>
-                  <a:schemeClr val="tx2"/>
-                </a:solidFill>
-              </a:defRPr>
-            </a:lvl4pPr>
-            <a:lvl5pPr eaLnBrk="1" hangingPunct="1">
-              <a:defRPr>
-                <a:solidFill>
-                  <a:schemeClr val="tx2"/>
-                </a:solidFill>
-              </a:defRPr>
-            </a:lvl5pPr>
-            <a:lvl6pPr eaLnBrk="1" hangingPunct="1">
-              <a:defRPr>
-                <a:solidFill>
-                  <a:schemeClr val="tx2"/>
-                </a:solidFill>
-              </a:defRPr>
-            </a:lvl6pPr>
-            <a:lvl7pPr eaLnBrk="1" hangingPunct="1">
-              <a:defRPr>
-                <a:solidFill>
-                  <a:schemeClr val="tx2"/>
-                </a:solidFill>
-              </a:defRPr>
-            </a:lvl7pPr>
-            <a:lvl8pPr eaLnBrk="1" hangingPunct="1">
-              <a:defRPr>
-                <a:solidFill>
-                  <a:schemeClr val="tx2"/>
-                </a:solidFill>
-              </a:defRPr>
-            </a:lvl8pPr>
-            <a:lvl9pPr eaLnBrk="1" hangingPunct="1">
-              <a:defRPr>
-                <a:solidFill>
-                  <a:schemeClr val="tx2"/>
-                </a:solidFill>
-              </a:defRPr>
-            </a:lvl9pPr>
-          </a:lstStyle>
-          <a:p>
-            <a:pPr algn="l"/>
-            <a:r>
-              <a:rPr lang="en-US" altLang="zh-CN" sz="3600" dirty="0" err="1"/>
-              <a:t>Boostrap</a:t>
-            </a:r>
-            <a:r>
-              <a:rPr lang="en-US" altLang="zh-CN" sz="3600" dirty="0"/>
-              <a:t> Results</a:t>
-            </a:r>
-            <a:endParaRPr lang="en-US" sz="3500" dirty="0"/>
-          </a:p>
-        </p:txBody>
-      </p:sp>
-      <p:pic>
-        <p:nvPicPr>
-          <p:cNvPr id="3" name="Picture 2">
-            <a:extLst>
-              <a:ext uri="{FF2B5EF4-FFF2-40B4-BE49-F238E27FC236}">
-                <a16:creationId xmlns:a16="http://schemas.microsoft.com/office/drawing/2014/main" id="{1BB5E419-3A70-4EBE-A7CD-50885FEF2990}"/>
-              </a:ext>
-            </a:extLst>
-          </p:cNvPr>
-          <p:cNvPicPr>
-            <a:picLocks noChangeAspect="1"/>
-          </p:cNvPicPr>
-          <p:nvPr/>
-        </p:nvPicPr>
-        <p:blipFill>
-          <a:blip r:embed="rId2"/>
-          <a:stretch>
-            <a:fillRect/>
-          </a:stretch>
-        </p:blipFill>
-        <p:spPr>
-          <a:xfrm>
-            <a:off x="0" y="1234035"/>
-            <a:ext cx="9144000" cy="4389929"/>
-          </a:xfrm>
-          <a:prstGeom prst="rect">
-            <a:avLst/>
-          </a:prstGeom>
-        </p:spPr>
-      </p:pic>
-    </p:spTree>
-    <p:extLst>
-      <p:ext uri="{BB962C8B-B14F-4D97-AF65-F5344CB8AC3E}">
-        <p14:creationId xmlns:p14="http://schemas.microsoft.com/office/powerpoint/2010/main" val="2584941921"/>
-      </p:ext>
-    </p:extLst>
-  </p:cSld>
-  <p:clrMapOvr>
-    <a:masterClrMapping/>
-  </p:clrMapOvr>
-</p:sld>
-</file>
-
-<file path=ppt/slides/slide37.xml><?xml version="1.0" encoding="utf-8"?>
-<p:sld xmlns:a="http://schemas.openxmlformats.org/drawingml/2006/main" xmlns:r="http://schemas.openxmlformats.org/officeDocument/2006/relationships" xmlns:p="http://schemas.openxmlformats.org/presentationml/2006/main">
-  <p:cSld>
-    <p:spTree>
-      <p:nvGrpSpPr>
-        <p:cNvPr id="1" name=""/>
-        <p:cNvGrpSpPr/>
-        <p:nvPr/>
-      </p:nvGrpSpPr>
-      <p:grpSpPr>
-        <a:xfrm>
-          <a:off x="0" y="0"/>
-          <a:ext cx="0" cy="0"/>
-          <a:chOff x="0" y="0"/>
-          <a:chExt cx="0" cy="0"/>
-        </a:xfrm>
-      </p:grpSpPr>
-      <p:sp>
-        <p:nvSpPr>
-          <p:cNvPr id="4" name="Title 1">
-            <a:extLst>
-              <a:ext uri="{FF2B5EF4-FFF2-40B4-BE49-F238E27FC236}">
-                <a16:creationId xmlns:a16="http://schemas.microsoft.com/office/drawing/2014/main" id="{45FCB50C-8D3A-4F1A-A0AC-FF6D95BCACD0}"/>
-              </a:ext>
-            </a:extLst>
-          </p:cNvPr>
-          <p:cNvSpPr txBox="1">
-            <a:spLocks/>
-          </p:cNvSpPr>
-          <p:nvPr/>
-        </p:nvSpPr>
-        <p:spPr>
-          <a:xfrm>
-            <a:off x="304800" y="56270"/>
-            <a:ext cx="8305800" cy="490531"/>
-          </a:xfrm>
-          <a:prstGeom prst="rect">
-            <a:avLst/>
-          </a:prstGeom>
-        </p:spPr>
-        <p:txBody>
-          <a:bodyPr vert="horz" lIns="91440" tIns="45720" rIns="91440" bIns="45720" rtlCol="0" anchor="b">
-            <a:normAutofit fontScale="82500" lnSpcReduction="20000"/>
-          </a:bodyPr>
-          <a:lstStyle>
-            <a:lvl1pPr algn="ctr" defTabSz="914400" rtl="0" eaLnBrk="1" latinLnBrk="0" hangingPunct="1">
-              <a:spcBef>
-                <a:spcPct val="0"/>
-              </a:spcBef>
-              <a:buNone/>
-              <a:defRPr sz="4400" kern="1200">
-                <a:solidFill>
-                  <a:srgbClr val="FFFFFF"/>
-                </a:solidFill>
-                <a:latin typeface="+mj-lt"/>
-                <a:ea typeface="+mj-ea"/>
-                <a:cs typeface="+mj-cs"/>
-              </a:defRPr>
-            </a:lvl1pPr>
-            <a:lvl2pPr eaLnBrk="1" hangingPunct="1">
-              <a:defRPr>
-                <a:solidFill>
-                  <a:schemeClr val="tx2"/>
-                </a:solidFill>
-              </a:defRPr>
-            </a:lvl2pPr>
-            <a:lvl3pPr eaLnBrk="1" hangingPunct="1">
-              <a:defRPr>
-                <a:solidFill>
-                  <a:schemeClr val="tx2"/>
-                </a:solidFill>
-              </a:defRPr>
-            </a:lvl3pPr>
-            <a:lvl4pPr eaLnBrk="1" hangingPunct="1">
-              <a:defRPr>
-                <a:solidFill>
-                  <a:schemeClr val="tx2"/>
-                </a:solidFill>
-              </a:defRPr>
-            </a:lvl4pPr>
-            <a:lvl5pPr eaLnBrk="1" hangingPunct="1">
-              <a:defRPr>
-                <a:solidFill>
-                  <a:schemeClr val="tx2"/>
-                </a:solidFill>
-              </a:defRPr>
-            </a:lvl5pPr>
-            <a:lvl6pPr eaLnBrk="1" hangingPunct="1">
-              <a:defRPr>
-                <a:solidFill>
-                  <a:schemeClr val="tx2"/>
-                </a:solidFill>
-              </a:defRPr>
-            </a:lvl6pPr>
-            <a:lvl7pPr eaLnBrk="1" hangingPunct="1">
-              <a:defRPr>
-                <a:solidFill>
-                  <a:schemeClr val="tx2"/>
-                </a:solidFill>
-              </a:defRPr>
-            </a:lvl7pPr>
-            <a:lvl8pPr eaLnBrk="1" hangingPunct="1">
-              <a:defRPr>
-                <a:solidFill>
-                  <a:schemeClr val="tx2"/>
-                </a:solidFill>
-              </a:defRPr>
-            </a:lvl8pPr>
-            <a:lvl9pPr eaLnBrk="1" hangingPunct="1">
-              <a:defRPr>
-                <a:solidFill>
-                  <a:schemeClr val="tx2"/>
-                </a:solidFill>
-              </a:defRPr>
-            </a:lvl9pPr>
-          </a:lstStyle>
-          <a:p>
-            <a:pPr algn="l"/>
-            <a:r>
-              <a:rPr lang="en-US" altLang="zh-CN" sz="3600" dirty="0"/>
-              <a:t>A General Picture for the Bootstrap</a:t>
-            </a:r>
-            <a:endParaRPr lang="en-US" sz="3500" dirty="0"/>
-          </a:p>
-        </p:txBody>
-      </p:sp>
-      <p:pic>
-        <p:nvPicPr>
-          <p:cNvPr id="5" name="Picture 4">
-            <a:extLst>
-              <a:ext uri="{FF2B5EF4-FFF2-40B4-BE49-F238E27FC236}">
-                <a16:creationId xmlns:a16="http://schemas.microsoft.com/office/drawing/2014/main" id="{6B1E33A8-AD1E-45A9-9A4A-E531EE2AC45E}"/>
-              </a:ext>
-            </a:extLst>
-          </p:cNvPr>
-          <p:cNvPicPr>
-            <a:picLocks noChangeAspect="1"/>
-          </p:cNvPicPr>
-          <p:nvPr/>
-        </p:nvPicPr>
-        <p:blipFill>
-          <a:blip r:embed="rId2"/>
-          <a:stretch>
-            <a:fillRect/>
-          </a:stretch>
-        </p:blipFill>
-        <p:spPr>
-          <a:xfrm>
-            <a:off x="0" y="1190590"/>
-            <a:ext cx="9144000" cy="4476819"/>
-          </a:xfrm>
-          <a:prstGeom prst="rect">
-            <a:avLst/>
-          </a:prstGeom>
-        </p:spPr>
-      </p:pic>
-    </p:spTree>
-    <p:extLst>
-      <p:ext uri="{BB962C8B-B14F-4D97-AF65-F5344CB8AC3E}">
-        <p14:creationId xmlns:p14="http://schemas.microsoft.com/office/powerpoint/2010/main" val="3390159780"/>
-      </p:ext>
-    </p:extLst>
-  </p:cSld>
-  <p:clrMapOvr>
-    <a:masterClrMapping/>
-  </p:clrMapOvr>
-</p:sld>
-</file>
-
-<file path=ppt/slides/slide38.xml><?xml version="1.0" encoding="utf-8"?>
-<p:sld xmlns:a="http://schemas.openxmlformats.org/drawingml/2006/main" xmlns:r="http://schemas.openxmlformats.org/officeDocument/2006/relationships" xmlns:p="http://schemas.openxmlformats.org/presentationml/2006/main">
-  <p:cSld>
-    <p:spTree>
-      <p:nvGrpSpPr>
-        <p:cNvPr id="1" name=""/>
-        <p:cNvGrpSpPr/>
-        <p:nvPr/>
-      </p:nvGrpSpPr>
-      <p:grpSpPr>
-        <a:xfrm>
-          <a:off x="0" y="0"/>
-          <a:ext cx="0" cy="0"/>
-          <a:chOff x="0" y="0"/>
-          <a:chExt cx="0" cy="0"/>
-        </a:xfrm>
-      </p:grpSpPr>
-      <p:sp>
-        <p:nvSpPr>
-          <p:cNvPr id="4" name="Title 1">
-            <a:extLst>
-              <a:ext uri="{FF2B5EF4-FFF2-40B4-BE49-F238E27FC236}">
-                <a16:creationId xmlns:a16="http://schemas.microsoft.com/office/drawing/2014/main" id="{45FCB50C-8D3A-4F1A-A0AC-FF6D95BCACD0}"/>
-              </a:ext>
-            </a:extLst>
-          </p:cNvPr>
-          <p:cNvSpPr txBox="1">
-            <a:spLocks/>
-          </p:cNvSpPr>
-          <p:nvPr/>
-        </p:nvSpPr>
-        <p:spPr>
-          <a:xfrm>
-            <a:off x="304800" y="56270"/>
-            <a:ext cx="8305800" cy="490531"/>
-          </a:xfrm>
-          <a:prstGeom prst="rect">
-            <a:avLst/>
-          </a:prstGeom>
-        </p:spPr>
-        <p:txBody>
-          <a:bodyPr vert="horz" lIns="91440" tIns="45720" rIns="91440" bIns="45720" rtlCol="0" anchor="b">
-            <a:normAutofit fontScale="82500" lnSpcReduction="20000"/>
-          </a:bodyPr>
-          <a:lstStyle>
-            <a:lvl1pPr algn="ctr" defTabSz="914400" rtl="0" eaLnBrk="1" latinLnBrk="0" hangingPunct="1">
-              <a:spcBef>
-                <a:spcPct val="0"/>
-              </a:spcBef>
-              <a:buNone/>
-              <a:defRPr sz="4400" kern="1200">
-                <a:solidFill>
-                  <a:srgbClr val="FFFFFF"/>
-                </a:solidFill>
-                <a:latin typeface="+mj-lt"/>
-                <a:ea typeface="+mj-ea"/>
-                <a:cs typeface="+mj-cs"/>
-              </a:defRPr>
-            </a:lvl1pPr>
-            <a:lvl2pPr eaLnBrk="1" hangingPunct="1">
-              <a:defRPr>
-                <a:solidFill>
-                  <a:schemeClr val="tx2"/>
-                </a:solidFill>
-              </a:defRPr>
-            </a:lvl2pPr>
-            <a:lvl3pPr eaLnBrk="1" hangingPunct="1">
-              <a:defRPr>
-                <a:solidFill>
-                  <a:schemeClr val="tx2"/>
-                </a:solidFill>
-              </a:defRPr>
-            </a:lvl3pPr>
-            <a:lvl4pPr eaLnBrk="1" hangingPunct="1">
-              <a:defRPr>
-                <a:solidFill>
-                  <a:schemeClr val="tx2"/>
-                </a:solidFill>
-              </a:defRPr>
-            </a:lvl4pPr>
-            <a:lvl5pPr eaLnBrk="1" hangingPunct="1">
-              <a:defRPr>
-                <a:solidFill>
-                  <a:schemeClr val="tx2"/>
-                </a:solidFill>
-              </a:defRPr>
-            </a:lvl5pPr>
-            <a:lvl6pPr eaLnBrk="1" hangingPunct="1">
-              <a:defRPr>
-                <a:solidFill>
-                  <a:schemeClr val="tx2"/>
-                </a:solidFill>
-              </a:defRPr>
-            </a:lvl6pPr>
-            <a:lvl7pPr eaLnBrk="1" hangingPunct="1">
-              <a:defRPr>
-                <a:solidFill>
-                  <a:schemeClr val="tx2"/>
-                </a:solidFill>
-              </a:defRPr>
-            </a:lvl7pPr>
-            <a:lvl8pPr eaLnBrk="1" hangingPunct="1">
-              <a:defRPr>
-                <a:solidFill>
-                  <a:schemeClr val="tx2"/>
-                </a:solidFill>
-              </a:defRPr>
-            </a:lvl8pPr>
-            <a:lvl9pPr eaLnBrk="1" hangingPunct="1">
-              <a:defRPr>
-                <a:solidFill>
-                  <a:schemeClr val="tx2"/>
-                </a:solidFill>
-              </a:defRPr>
-            </a:lvl9pPr>
-          </a:lstStyle>
-          <a:p>
-            <a:pPr algn="l"/>
-            <a:r>
-              <a:rPr lang="en-US" altLang="zh-CN" sz="3600" dirty="0" err="1"/>
-              <a:t>Boostrap</a:t>
-            </a:r>
-            <a:r>
-              <a:rPr lang="en-US" altLang="zh-CN" sz="3600" dirty="0"/>
-              <a:t> for Prediction Error?</a:t>
-            </a:r>
-            <a:endParaRPr lang="en-US" sz="3500" dirty="0"/>
-          </a:p>
-        </p:txBody>
-      </p:sp>
-      <p:sp>
-        <p:nvSpPr>
-          <p:cNvPr id="6" name="Content Placeholder 2">
-            <a:extLst>
-              <a:ext uri="{FF2B5EF4-FFF2-40B4-BE49-F238E27FC236}">
-                <a16:creationId xmlns:a16="http://schemas.microsoft.com/office/drawing/2014/main" id="{C7ACDC44-0628-44F1-AD88-A8A27884A80C}"/>
-              </a:ext>
-            </a:extLst>
-          </p:cNvPr>
-          <p:cNvSpPr>
-            <a:spLocks noGrp="1"/>
-          </p:cNvSpPr>
-          <p:nvPr>
-            <p:ph idx="1"/>
-          </p:nvPr>
-        </p:nvSpPr>
-        <p:spPr>
-          <a:xfrm>
-            <a:off x="381000" y="1229674"/>
-            <a:ext cx="8229600" cy="4066495"/>
-          </a:xfrm>
-        </p:spPr>
-        <p:txBody>
-          <a:bodyPr/>
-          <a:lstStyle/>
-          <a:p>
-            <a:r>
-              <a:rPr lang="en-US" dirty="0">
-                <a:solidFill>
-                  <a:srgbClr val="0C533A"/>
-                </a:solidFill>
-              </a:rPr>
-              <a:t>Can we use one </a:t>
-            </a:r>
-            <a:r>
-              <a:rPr lang="en-US" dirty="0" err="1">
-                <a:solidFill>
-                  <a:srgbClr val="0C533A"/>
-                </a:solidFill>
-              </a:rPr>
-              <a:t>boostrap</a:t>
-            </a:r>
-            <a:r>
-              <a:rPr lang="en-US" dirty="0">
-                <a:solidFill>
-                  <a:srgbClr val="0C533A"/>
-                </a:solidFill>
-              </a:rPr>
-              <a:t> dataset as training and the original data set as test set?</a:t>
-            </a:r>
-            <a:endParaRPr lang="en-US" altLang="zh-CN" dirty="0">
-              <a:solidFill>
-                <a:srgbClr val="0C533A"/>
-              </a:solidFill>
-            </a:endParaRPr>
-          </a:p>
-        </p:txBody>
-      </p:sp>
-    </p:spTree>
-    <p:extLst>
-      <p:ext uri="{BB962C8B-B14F-4D97-AF65-F5344CB8AC3E}">
-        <p14:creationId xmlns:p14="http://schemas.microsoft.com/office/powerpoint/2010/main" val="3064138799"/>
-      </p:ext>
-    </p:extLst>
-  </p:cSld>
-  <p:clrMapOvr>
-    <a:masterClrMapping/>
-  </p:clrMapOvr>
-</p:sld>
-</file>
-
-<file path=ppt/slides/slide39.xml><?xml version="1.0" encoding="utf-8"?>
-<p:sld xmlns:a="http://schemas.openxmlformats.org/drawingml/2006/main" xmlns:r="http://schemas.openxmlformats.org/officeDocument/2006/relationships" xmlns:p="http://schemas.openxmlformats.org/presentationml/2006/main">
-  <p:cSld>
-    <p:spTree>
-      <p:nvGrpSpPr>
-        <p:cNvPr id="1" name=""/>
-        <p:cNvGrpSpPr/>
-        <p:nvPr/>
-      </p:nvGrpSpPr>
-      <p:grpSpPr>
-        <a:xfrm>
-          <a:off x="0" y="0"/>
-          <a:ext cx="0" cy="0"/>
-          <a:chOff x="0" y="0"/>
-          <a:chExt cx="0" cy="0"/>
-        </a:xfrm>
-      </p:grpSpPr>
-      <p:sp>
-        <p:nvSpPr>
-          <p:cNvPr id="9" name="Title 1">
-            <a:extLst>
-              <a:ext uri="{FF2B5EF4-FFF2-40B4-BE49-F238E27FC236}">
-                <a16:creationId xmlns:a16="http://schemas.microsoft.com/office/drawing/2014/main" id="{A75A2050-4EAE-4F91-A044-8022A02B25D6}"/>
-              </a:ext>
-            </a:extLst>
-          </p:cNvPr>
-          <p:cNvSpPr txBox="1">
-            <a:spLocks/>
-          </p:cNvSpPr>
-          <p:nvPr/>
-        </p:nvSpPr>
-        <p:spPr>
-          <a:xfrm>
-            <a:off x="304800" y="56270"/>
-            <a:ext cx="8305800" cy="490531"/>
-          </a:xfrm>
-          <a:prstGeom prst="rect">
-            <a:avLst/>
-          </a:prstGeom>
-        </p:spPr>
-        <p:txBody>
-          <a:bodyPr vert="horz" lIns="91440" tIns="45720" rIns="91440" bIns="45720" rtlCol="0" anchor="b">
-            <a:normAutofit fontScale="82500" lnSpcReduction="20000"/>
-          </a:bodyPr>
-          <a:lstStyle>
-            <a:lvl1pPr algn="ctr" defTabSz="914400" rtl="0" eaLnBrk="1" latinLnBrk="0" hangingPunct="1">
-              <a:spcBef>
-                <a:spcPct val="0"/>
-              </a:spcBef>
-              <a:buNone/>
-              <a:defRPr sz="4400" kern="1200">
-                <a:solidFill>
-                  <a:srgbClr val="FFFFFF"/>
-                </a:solidFill>
-                <a:latin typeface="+mj-lt"/>
-                <a:ea typeface="+mj-ea"/>
-                <a:cs typeface="+mj-cs"/>
-              </a:defRPr>
-            </a:lvl1pPr>
-            <a:lvl2pPr eaLnBrk="1" hangingPunct="1">
-              <a:defRPr>
-                <a:solidFill>
-                  <a:schemeClr val="tx2"/>
-                </a:solidFill>
-              </a:defRPr>
-            </a:lvl2pPr>
-            <a:lvl3pPr eaLnBrk="1" hangingPunct="1">
-              <a:defRPr>
-                <a:solidFill>
-                  <a:schemeClr val="tx2"/>
-                </a:solidFill>
-              </a:defRPr>
-            </a:lvl3pPr>
-            <a:lvl4pPr eaLnBrk="1" hangingPunct="1">
-              <a:defRPr>
-                <a:solidFill>
-                  <a:schemeClr val="tx2"/>
-                </a:solidFill>
-              </a:defRPr>
-            </a:lvl4pPr>
-            <a:lvl5pPr eaLnBrk="1" hangingPunct="1">
-              <a:defRPr>
-                <a:solidFill>
-                  <a:schemeClr val="tx2"/>
-                </a:solidFill>
-              </a:defRPr>
-            </a:lvl5pPr>
-            <a:lvl6pPr eaLnBrk="1" hangingPunct="1">
-              <a:defRPr>
-                <a:solidFill>
-                  <a:schemeClr val="tx2"/>
-                </a:solidFill>
-              </a:defRPr>
-            </a:lvl6pPr>
-            <a:lvl7pPr eaLnBrk="1" hangingPunct="1">
-              <a:defRPr>
-                <a:solidFill>
-                  <a:schemeClr val="tx2"/>
-                </a:solidFill>
-              </a:defRPr>
-            </a:lvl7pPr>
-            <a:lvl8pPr eaLnBrk="1" hangingPunct="1">
-              <a:defRPr>
-                <a:solidFill>
-                  <a:schemeClr val="tx2"/>
-                </a:solidFill>
-              </a:defRPr>
-            </a:lvl8pPr>
-            <a:lvl9pPr eaLnBrk="1" hangingPunct="1">
-              <a:defRPr>
-                <a:solidFill>
-                  <a:schemeClr val="tx2"/>
-                </a:solidFill>
-              </a:defRPr>
-            </a:lvl9pPr>
-          </a:lstStyle>
-          <a:p>
-            <a:pPr algn="l"/>
-            <a:r>
-              <a:rPr lang="en-US" altLang="zh-CN" sz="3600" dirty="0"/>
-              <a:t>Bonus Quiz 13</a:t>
-            </a:r>
-            <a:endParaRPr lang="en-US" sz="3500" dirty="0"/>
-          </a:p>
-        </p:txBody>
-      </p:sp>
-      <p:pic>
-        <p:nvPicPr>
-          <p:cNvPr id="3" name="Picture 2">
-            <a:extLst>
-              <a:ext uri="{FF2B5EF4-FFF2-40B4-BE49-F238E27FC236}">
-                <a16:creationId xmlns:a16="http://schemas.microsoft.com/office/drawing/2014/main" id="{D7A181BA-A205-43A9-B9EB-23D79C723E0E}"/>
-              </a:ext>
-            </a:extLst>
-          </p:cNvPr>
-          <p:cNvPicPr>
-            <a:picLocks noChangeAspect="1"/>
-          </p:cNvPicPr>
-          <p:nvPr/>
-        </p:nvPicPr>
-        <p:blipFill>
-          <a:blip r:embed="rId2"/>
-          <a:stretch>
-            <a:fillRect/>
-          </a:stretch>
-        </p:blipFill>
-        <p:spPr>
-          <a:xfrm>
-            <a:off x="139624" y="1505750"/>
-            <a:ext cx="8864752" cy="1681245"/>
-          </a:xfrm>
-          <a:prstGeom prst="rect">
-            <a:avLst/>
-          </a:prstGeom>
-        </p:spPr>
-      </p:pic>
-    </p:spTree>
-    <p:extLst>
-      <p:ext uri="{BB962C8B-B14F-4D97-AF65-F5344CB8AC3E}">
-        <p14:creationId xmlns:p14="http://schemas.microsoft.com/office/powerpoint/2010/main" val="3481804798"/>
-      </p:ext>
-    </p:extLst>
-  </p:cSld>
-  <p:clrMapOvr>
-    <a:masterClrMapping/>
-  </p:clrMapOvr>
-</p:sld>
-</file>
-
 <file path=ppt/slides/slide4.xml><?xml version="1.0" encoding="utf-8"?>
-<p:sld xmlns:a="http://schemas.openxmlformats.org/drawingml/2006/main" xmlns:r="http://schemas.openxmlformats.org/officeDocument/2006/relationships" xmlns:p="http://schemas.openxmlformats.org/presentationml/2006/main">
-  <p:cSld>
-    <p:spTree>
-      <p:nvGrpSpPr>
-        <p:cNvPr id="1" name=""/>
-        <p:cNvGrpSpPr/>
-        <p:nvPr/>
-      </p:nvGrpSpPr>
-      <p:grpSpPr>
-        <a:xfrm>
-          <a:off x="0" y="0"/>
-          <a:ext cx="0" cy="0"/>
-          <a:chOff x="0" y="0"/>
-          <a:chExt cx="0" cy="0"/>
-        </a:xfrm>
-      </p:grpSpPr>
-      <p:sp>
-        <p:nvSpPr>
-          <p:cNvPr id="5" name="Title 1">
-            <a:extLst>
-              <a:ext uri="{FF2B5EF4-FFF2-40B4-BE49-F238E27FC236}">
-                <a16:creationId xmlns:a16="http://schemas.microsoft.com/office/drawing/2014/main" id="{607C5C96-66AF-4BFD-80B4-BE0E46F3B28D}"/>
-              </a:ext>
-            </a:extLst>
-          </p:cNvPr>
-          <p:cNvSpPr txBox="1">
-            <a:spLocks/>
-          </p:cNvSpPr>
-          <p:nvPr/>
-        </p:nvSpPr>
-        <p:spPr>
-          <a:xfrm>
-            <a:off x="199290" y="-84407"/>
-            <a:ext cx="6477000" cy="990600"/>
-          </a:xfrm>
-          <a:prstGeom prst="rect">
-            <a:avLst/>
-          </a:prstGeom>
-        </p:spPr>
-        <p:txBody>
-          <a:bodyPr>
-            <a:normAutofit fontScale="92500"/>
-          </a:bodyPr>
-          <a:lstStyle>
-            <a:lvl1pPr algn="l" defTabSz="457200" rtl="0" eaLnBrk="1" fontAlgn="base" hangingPunct="1">
-              <a:spcBef>
-                <a:spcPct val="0"/>
-              </a:spcBef>
-              <a:spcAft>
-                <a:spcPct val="0"/>
-              </a:spcAft>
-              <a:defRPr sz="3600" b="0" i="0" kern="1200" baseline="0">
-                <a:solidFill>
-                  <a:srgbClr val="18453B"/>
-                </a:solidFill>
-                <a:latin typeface="Gotham-Bold"/>
-                <a:ea typeface="ＭＳ Ｐゴシック" charset="-128"/>
-                <a:cs typeface="Gotham-Bold"/>
-              </a:defRPr>
-            </a:lvl1pPr>
-            <a:lvl2pPr algn="ctr" defTabSz="457200" rtl="0" eaLnBrk="1" fontAlgn="base" hangingPunct="1">
-              <a:spcBef>
-                <a:spcPct val="0"/>
-              </a:spcBef>
-              <a:spcAft>
-                <a:spcPct val="0"/>
-              </a:spcAft>
-              <a:defRPr sz="4400">
-                <a:solidFill>
-                  <a:schemeClr val="tx1"/>
-                </a:solidFill>
-                <a:latin typeface="Gotham Book" charset="0"/>
-                <a:ea typeface="ＭＳ Ｐゴシック" charset="-128"/>
-                <a:cs typeface="ＭＳ Ｐゴシック" charset="-128"/>
-              </a:defRPr>
-            </a:lvl2pPr>
-            <a:lvl3pPr algn="ctr" defTabSz="457200" rtl="0" eaLnBrk="1" fontAlgn="base" hangingPunct="1">
-              <a:spcBef>
-                <a:spcPct val="0"/>
-              </a:spcBef>
-              <a:spcAft>
-                <a:spcPct val="0"/>
-              </a:spcAft>
-              <a:defRPr sz="4400">
-                <a:solidFill>
-                  <a:schemeClr val="tx1"/>
-                </a:solidFill>
-                <a:latin typeface="Gotham Book" charset="0"/>
-                <a:ea typeface="ＭＳ Ｐゴシック" charset="-128"/>
-                <a:cs typeface="ＭＳ Ｐゴシック" charset="-128"/>
-              </a:defRPr>
-            </a:lvl3pPr>
-            <a:lvl4pPr algn="ctr" defTabSz="457200" rtl="0" eaLnBrk="1" fontAlgn="base" hangingPunct="1">
-              <a:spcBef>
-                <a:spcPct val="0"/>
-              </a:spcBef>
-              <a:spcAft>
-                <a:spcPct val="0"/>
-              </a:spcAft>
-              <a:defRPr sz="4400">
-                <a:solidFill>
-                  <a:schemeClr val="tx1"/>
-                </a:solidFill>
-                <a:latin typeface="Gotham Book" charset="0"/>
-                <a:ea typeface="ＭＳ Ｐゴシック" charset="-128"/>
-                <a:cs typeface="ＭＳ Ｐゴシック" charset="-128"/>
-              </a:defRPr>
-            </a:lvl4pPr>
-            <a:lvl5pPr algn="ctr" defTabSz="457200" rtl="0" eaLnBrk="1" fontAlgn="base" hangingPunct="1">
-              <a:spcBef>
-                <a:spcPct val="0"/>
-              </a:spcBef>
-              <a:spcAft>
-                <a:spcPct val="0"/>
-              </a:spcAft>
-              <a:defRPr sz="4400">
-                <a:solidFill>
-                  <a:schemeClr val="tx1"/>
-                </a:solidFill>
-                <a:latin typeface="Gotham Book" charset="0"/>
-                <a:ea typeface="ＭＳ Ｐゴシック" charset="-128"/>
-                <a:cs typeface="ＭＳ Ｐゴシック" charset="-128"/>
-              </a:defRPr>
-            </a:lvl5pPr>
-            <a:lvl6pPr marL="457200" algn="ctr" defTabSz="457200" rtl="0" eaLnBrk="1" fontAlgn="base" hangingPunct="1">
-              <a:spcBef>
-                <a:spcPct val="0"/>
-              </a:spcBef>
-              <a:spcAft>
-                <a:spcPct val="0"/>
-              </a:spcAft>
-              <a:defRPr sz="4400">
-                <a:solidFill>
-                  <a:schemeClr val="tx1"/>
-                </a:solidFill>
-                <a:latin typeface="Gotham Book" charset="0"/>
-                <a:ea typeface="ＭＳ Ｐゴシック" charset="-128"/>
-                <a:cs typeface="ＭＳ Ｐゴシック" charset="-128"/>
-              </a:defRPr>
-            </a:lvl6pPr>
-            <a:lvl7pPr marL="914400" algn="ctr" defTabSz="457200" rtl="0" eaLnBrk="1" fontAlgn="base" hangingPunct="1">
-              <a:spcBef>
-                <a:spcPct val="0"/>
-              </a:spcBef>
-              <a:spcAft>
-                <a:spcPct val="0"/>
-              </a:spcAft>
-              <a:defRPr sz="4400">
-                <a:solidFill>
-                  <a:schemeClr val="tx1"/>
-                </a:solidFill>
-                <a:latin typeface="Gotham Book" charset="0"/>
-                <a:ea typeface="ＭＳ Ｐゴシック" charset="-128"/>
-                <a:cs typeface="ＭＳ Ｐゴシック" charset="-128"/>
-              </a:defRPr>
-            </a:lvl7pPr>
-            <a:lvl8pPr marL="1371600" algn="ctr" defTabSz="457200" rtl="0" eaLnBrk="1" fontAlgn="base" hangingPunct="1">
-              <a:spcBef>
-                <a:spcPct val="0"/>
-              </a:spcBef>
-              <a:spcAft>
-                <a:spcPct val="0"/>
-              </a:spcAft>
-              <a:defRPr sz="4400">
-                <a:solidFill>
-                  <a:schemeClr val="tx1"/>
-                </a:solidFill>
-                <a:latin typeface="Gotham Book" charset="0"/>
-                <a:ea typeface="ＭＳ Ｐゴシック" charset="-128"/>
-                <a:cs typeface="ＭＳ Ｐゴシック" charset="-128"/>
-              </a:defRPr>
-            </a:lvl8pPr>
-            <a:lvl9pPr marL="1828800" algn="ctr" defTabSz="457200" rtl="0" eaLnBrk="1" fontAlgn="base" hangingPunct="1">
-              <a:spcBef>
-                <a:spcPct val="0"/>
-              </a:spcBef>
-              <a:spcAft>
-                <a:spcPct val="0"/>
-              </a:spcAft>
-              <a:defRPr sz="4400">
-                <a:solidFill>
-                  <a:schemeClr val="tx1"/>
-                </a:solidFill>
-                <a:latin typeface="Gotham Book" charset="0"/>
-                <a:ea typeface="ＭＳ Ｐゴシック" charset="-128"/>
-                <a:cs typeface="ＭＳ Ｐゴシック" charset="-128"/>
-              </a:defRPr>
-            </a:lvl9pPr>
-          </a:lstStyle>
-          <a:p>
-            <a:r>
-              <a:rPr lang="en-US" sz="3500" dirty="0">
-                <a:solidFill>
-                  <a:schemeClr val="bg1"/>
-                </a:solidFill>
-              </a:rPr>
-              <a:t>Coding example in </a:t>
-            </a:r>
-            <a:r>
-              <a:rPr lang="en-US" sz="3500" dirty="0" err="1">
-                <a:solidFill>
-                  <a:schemeClr val="bg1"/>
-                </a:solidFill>
-              </a:rPr>
-              <a:t>Jupyter</a:t>
-            </a:r>
-            <a:r>
-              <a:rPr lang="en-US" sz="3500" dirty="0">
-                <a:solidFill>
-                  <a:schemeClr val="bg1"/>
-                </a:solidFill>
-              </a:rPr>
-              <a:t> Notebook</a:t>
-            </a:r>
-            <a:endParaRPr lang="en-US" sz="3500" i="1" dirty="0">
-              <a:solidFill>
-                <a:schemeClr val="bg1"/>
-              </a:solidFill>
-            </a:endParaRPr>
-          </a:p>
-        </p:txBody>
-      </p:sp>
-    </p:spTree>
-    <p:extLst>
-      <p:ext uri="{BB962C8B-B14F-4D97-AF65-F5344CB8AC3E}">
-        <p14:creationId xmlns:p14="http://schemas.microsoft.com/office/powerpoint/2010/main" val="4110726921"/>
-      </p:ext>
-    </p:extLst>
-  </p:cSld>
-  <p:clrMapOvr>
-    <a:masterClrMapping/>
-  </p:clrMapOvr>
-</p:sld>
-</file>
-
-<file path=ppt/slides/slide40.xml><?xml version="1.0" encoding="utf-8"?>
-<p:sld xmlns:a="http://schemas.openxmlformats.org/drawingml/2006/main" xmlns:r="http://schemas.openxmlformats.org/officeDocument/2006/relationships" xmlns:p="http://schemas.openxmlformats.org/presentationml/2006/main">
-  <p:cSld>
-    <p:spTree>
-      <p:nvGrpSpPr>
-        <p:cNvPr id="1" name=""/>
-        <p:cNvGrpSpPr/>
-        <p:nvPr/>
-      </p:nvGrpSpPr>
-      <p:grpSpPr>
-        <a:xfrm>
-          <a:off x="0" y="0"/>
-          <a:ext cx="0" cy="0"/>
-          <a:chOff x="0" y="0"/>
-          <a:chExt cx="0" cy="0"/>
-        </a:xfrm>
-      </p:grpSpPr>
-      <p:sp>
-        <p:nvSpPr>
-          <p:cNvPr id="9" name="Title 1">
-            <a:extLst>
-              <a:ext uri="{FF2B5EF4-FFF2-40B4-BE49-F238E27FC236}">
-                <a16:creationId xmlns:a16="http://schemas.microsoft.com/office/drawing/2014/main" id="{A75A2050-4EAE-4F91-A044-8022A02B25D6}"/>
-              </a:ext>
-            </a:extLst>
-          </p:cNvPr>
-          <p:cNvSpPr txBox="1">
-            <a:spLocks/>
-          </p:cNvSpPr>
-          <p:nvPr/>
-        </p:nvSpPr>
-        <p:spPr>
-          <a:xfrm>
-            <a:off x="304800" y="56270"/>
-            <a:ext cx="8305800" cy="490531"/>
-          </a:xfrm>
-          <a:prstGeom prst="rect">
-            <a:avLst/>
-          </a:prstGeom>
-        </p:spPr>
-        <p:txBody>
-          <a:bodyPr vert="horz" lIns="91440" tIns="45720" rIns="91440" bIns="45720" rtlCol="0" anchor="b">
-            <a:normAutofit fontScale="82500" lnSpcReduction="20000"/>
-          </a:bodyPr>
-          <a:lstStyle>
-            <a:lvl1pPr algn="ctr" defTabSz="914400" rtl="0" eaLnBrk="1" latinLnBrk="0" hangingPunct="1">
-              <a:spcBef>
-                <a:spcPct val="0"/>
-              </a:spcBef>
-              <a:buNone/>
-              <a:defRPr sz="4400" kern="1200">
-                <a:solidFill>
-                  <a:srgbClr val="FFFFFF"/>
-                </a:solidFill>
-                <a:latin typeface="+mj-lt"/>
-                <a:ea typeface="+mj-ea"/>
-                <a:cs typeface="+mj-cs"/>
-              </a:defRPr>
-            </a:lvl1pPr>
-            <a:lvl2pPr eaLnBrk="1" hangingPunct="1">
-              <a:defRPr>
-                <a:solidFill>
-                  <a:schemeClr val="tx2"/>
-                </a:solidFill>
-              </a:defRPr>
-            </a:lvl2pPr>
-            <a:lvl3pPr eaLnBrk="1" hangingPunct="1">
-              <a:defRPr>
-                <a:solidFill>
-                  <a:schemeClr val="tx2"/>
-                </a:solidFill>
-              </a:defRPr>
-            </a:lvl3pPr>
-            <a:lvl4pPr eaLnBrk="1" hangingPunct="1">
-              <a:defRPr>
-                <a:solidFill>
-                  <a:schemeClr val="tx2"/>
-                </a:solidFill>
-              </a:defRPr>
-            </a:lvl4pPr>
-            <a:lvl5pPr eaLnBrk="1" hangingPunct="1">
-              <a:defRPr>
-                <a:solidFill>
-                  <a:schemeClr val="tx2"/>
-                </a:solidFill>
-              </a:defRPr>
-            </a:lvl5pPr>
-            <a:lvl6pPr eaLnBrk="1" hangingPunct="1">
-              <a:defRPr>
-                <a:solidFill>
-                  <a:schemeClr val="tx2"/>
-                </a:solidFill>
-              </a:defRPr>
-            </a:lvl6pPr>
-            <a:lvl7pPr eaLnBrk="1" hangingPunct="1">
-              <a:defRPr>
-                <a:solidFill>
-                  <a:schemeClr val="tx2"/>
-                </a:solidFill>
-              </a:defRPr>
-            </a:lvl7pPr>
-            <a:lvl8pPr eaLnBrk="1" hangingPunct="1">
-              <a:defRPr>
-                <a:solidFill>
-                  <a:schemeClr val="tx2"/>
-                </a:solidFill>
-              </a:defRPr>
-            </a:lvl8pPr>
-            <a:lvl9pPr eaLnBrk="1" hangingPunct="1">
-              <a:defRPr>
-                <a:solidFill>
-                  <a:schemeClr val="tx2"/>
-                </a:solidFill>
-              </a:defRPr>
-            </a:lvl9pPr>
-          </a:lstStyle>
-          <a:p>
-            <a:pPr algn="l"/>
-            <a:r>
-              <a:rPr lang="en-US" altLang="zh-CN" sz="3600" dirty="0"/>
-              <a:t>Bonus Quiz 15</a:t>
-            </a:r>
-            <a:endParaRPr lang="en-US" sz="3500" dirty="0"/>
-          </a:p>
-        </p:txBody>
-      </p:sp>
-      <p:sp>
-        <p:nvSpPr>
-          <p:cNvPr id="4" name="Content Placeholder 2">
-            <a:extLst>
-              <a:ext uri="{FF2B5EF4-FFF2-40B4-BE49-F238E27FC236}">
-                <a16:creationId xmlns:a16="http://schemas.microsoft.com/office/drawing/2014/main" id="{F584A6FA-8927-473C-984A-2AE89223AA0F}"/>
-              </a:ext>
-            </a:extLst>
-          </p:cNvPr>
-          <p:cNvSpPr>
-            <a:spLocks noGrp="1"/>
-          </p:cNvSpPr>
-          <p:nvPr>
-            <p:ph idx="1"/>
-          </p:nvPr>
-        </p:nvSpPr>
-        <p:spPr>
-          <a:xfrm>
-            <a:off x="381000" y="1229674"/>
-            <a:ext cx="8229600" cy="4066495"/>
-          </a:xfrm>
-        </p:spPr>
-        <p:txBody>
-          <a:bodyPr/>
-          <a:lstStyle/>
-          <a:p>
-            <a:r>
-              <a:rPr lang="en-US" dirty="0">
-                <a:solidFill>
-                  <a:srgbClr val="0C533A"/>
-                </a:solidFill>
-              </a:rPr>
-              <a:t>When sample size </a:t>
-            </a:r>
-            <a:r>
-              <a:rPr lang="en-US" i="1" dirty="0">
-                <a:solidFill>
-                  <a:srgbClr val="0C533A"/>
-                </a:solidFill>
-              </a:rPr>
-              <a:t>n </a:t>
-            </a:r>
-            <a:r>
-              <a:rPr lang="en-US" dirty="0">
-                <a:solidFill>
-                  <a:srgbClr val="0C533A"/>
-                </a:solidFill>
-              </a:rPr>
-              <a:t>is large</a:t>
-            </a:r>
-            <a:r>
-              <a:rPr lang="zh-CN" altLang="en-US" dirty="0">
-                <a:solidFill>
-                  <a:srgbClr val="0C533A"/>
-                </a:solidFill>
-              </a:rPr>
-              <a:t>，</a:t>
-            </a:r>
-            <a:r>
-              <a:rPr lang="en-US" dirty="0">
-                <a:solidFill>
-                  <a:srgbClr val="0C533A"/>
-                </a:solidFill>
-              </a:rPr>
-              <a:t>we know a bootstrap dataset will contain 1 – e</a:t>
-            </a:r>
-            <a:r>
-              <a:rPr lang="en-US" baseline="30000" dirty="0">
-                <a:solidFill>
-                  <a:srgbClr val="0C533A"/>
-                </a:solidFill>
-              </a:rPr>
-              <a:t>-1 </a:t>
-            </a:r>
-            <a:r>
-              <a:rPr lang="en-US" dirty="0">
-                <a:solidFill>
-                  <a:srgbClr val="0C533A"/>
-                </a:solidFill>
-              </a:rPr>
-              <a:t> = 63.2% of original data. Write a code to demonstrate it using </a:t>
-            </a:r>
-            <a:r>
-              <a:rPr lang="en-US" i="1" dirty="0">
-                <a:solidFill>
-                  <a:srgbClr val="0C533A"/>
-                </a:solidFill>
-              </a:rPr>
-              <a:t>n</a:t>
-            </a:r>
-            <a:r>
-              <a:rPr lang="en-US" dirty="0">
-                <a:solidFill>
-                  <a:srgbClr val="0C533A"/>
-                </a:solidFill>
-              </a:rPr>
-              <a:t> = 1000000</a:t>
-            </a:r>
-            <a:r>
-              <a:rPr lang="en-US" baseline="30000" dirty="0">
-                <a:solidFill>
-                  <a:srgbClr val="0C533A"/>
-                </a:solidFill>
-              </a:rPr>
-              <a:t> </a:t>
-            </a:r>
-            <a:endParaRPr lang="en-US" altLang="zh-CN" baseline="30000" dirty="0">
-              <a:solidFill>
-                <a:srgbClr val="0C533A"/>
-              </a:solidFill>
-            </a:endParaRPr>
-          </a:p>
-        </p:txBody>
-      </p:sp>
-    </p:spTree>
-    <p:extLst>
-      <p:ext uri="{BB962C8B-B14F-4D97-AF65-F5344CB8AC3E}">
-        <p14:creationId xmlns:p14="http://schemas.microsoft.com/office/powerpoint/2010/main" val="2482921018"/>
-      </p:ext>
-    </p:extLst>
-  </p:cSld>
-  <p:clrMapOvr>
-    <a:masterClrMapping/>
-  </p:clrMapOvr>
-</p:sld>
-</file>
-
-<file path=ppt/slides/slide5.xml><?xml version="1.0" encoding="utf-8"?>
 <p:sld xmlns:a="http://schemas.openxmlformats.org/drawingml/2006/main" xmlns:r="http://schemas.openxmlformats.org/officeDocument/2006/relationships" xmlns:p="http://schemas.openxmlformats.org/presentationml/2006/main">
   <p:cSld>
     <p:spTree>
@@ -15893,6 +10273,175 @@
 </p:sld>
 </file>
 
+<file path=ppt/slides/slide5.xml><?xml version="1.0" encoding="utf-8"?>
+<p:sld xmlns:a="http://schemas.openxmlformats.org/drawingml/2006/main" xmlns:r="http://schemas.openxmlformats.org/officeDocument/2006/relationships" xmlns:p="http://schemas.openxmlformats.org/presentationml/2006/main">
+  <p:cSld>
+    <p:spTree>
+      <p:nvGrpSpPr>
+        <p:cNvPr id="1" name=""/>
+        <p:cNvGrpSpPr/>
+        <p:nvPr/>
+      </p:nvGrpSpPr>
+      <p:grpSpPr>
+        <a:xfrm>
+          <a:off x="0" y="0"/>
+          <a:ext cx="0" cy="0"/>
+          <a:chOff x="0" y="0"/>
+          <a:chExt cx="0" cy="0"/>
+        </a:xfrm>
+      </p:grpSpPr>
+      <p:sp>
+        <p:nvSpPr>
+          <p:cNvPr id="5" name="Title 1">
+            <a:extLst>
+              <a:ext uri="{FF2B5EF4-FFF2-40B4-BE49-F238E27FC236}">
+                <a16:creationId xmlns:a16="http://schemas.microsoft.com/office/drawing/2014/main" id="{B76350F6-63B2-4B51-9294-CC2A443B21E2}"/>
+              </a:ext>
+            </a:extLst>
+          </p:cNvPr>
+          <p:cNvSpPr txBox="1">
+            <a:spLocks/>
+          </p:cNvSpPr>
+          <p:nvPr/>
+        </p:nvSpPr>
+        <p:spPr>
+          <a:xfrm>
+            <a:off x="304800" y="-492363"/>
+            <a:ext cx="8305800" cy="990600"/>
+          </a:xfrm>
+          <a:prstGeom prst="rect">
+            <a:avLst/>
+          </a:prstGeom>
+        </p:spPr>
+        <p:txBody>
+          <a:bodyPr vert="horz" lIns="91440" tIns="45720" rIns="91440" bIns="45720" rtlCol="0" anchor="b">
+            <a:normAutofit fontScale="97500"/>
+          </a:bodyPr>
+          <a:lstStyle>
+            <a:lvl1pPr algn="ctr" defTabSz="914400" rtl="0" eaLnBrk="1" latinLnBrk="0" hangingPunct="1">
+              <a:spcBef>
+                <a:spcPct val="0"/>
+              </a:spcBef>
+              <a:buNone/>
+              <a:defRPr sz="4400" kern="1200">
+                <a:solidFill>
+                  <a:srgbClr val="FFFFFF"/>
+                </a:solidFill>
+                <a:latin typeface="+mj-lt"/>
+                <a:ea typeface="+mj-ea"/>
+                <a:cs typeface="+mj-cs"/>
+              </a:defRPr>
+            </a:lvl1pPr>
+            <a:lvl2pPr eaLnBrk="1" hangingPunct="1">
+              <a:defRPr>
+                <a:solidFill>
+                  <a:schemeClr val="tx2"/>
+                </a:solidFill>
+              </a:defRPr>
+            </a:lvl2pPr>
+            <a:lvl3pPr eaLnBrk="1" hangingPunct="1">
+              <a:defRPr>
+                <a:solidFill>
+                  <a:schemeClr val="tx2"/>
+                </a:solidFill>
+              </a:defRPr>
+            </a:lvl3pPr>
+            <a:lvl4pPr eaLnBrk="1" hangingPunct="1">
+              <a:defRPr>
+                <a:solidFill>
+                  <a:schemeClr val="tx2"/>
+                </a:solidFill>
+              </a:defRPr>
+            </a:lvl4pPr>
+            <a:lvl5pPr eaLnBrk="1" hangingPunct="1">
+              <a:defRPr>
+                <a:solidFill>
+                  <a:schemeClr val="tx2"/>
+                </a:solidFill>
+              </a:defRPr>
+            </a:lvl5pPr>
+            <a:lvl6pPr eaLnBrk="1" hangingPunct="1">
+              <a:defRPr>
+                <a:solidFill>
+                  <a:schemeClr val="tx2"/>
+                </a:solidFill>
+              </a:defRPr>
+            </a:lvl6pPr>
+            <a:lvl7pPr eaLnBrk="1" hangingPunct="1">
+              <a:defRPr>
+                <a:solidFill>
+                  <a:schemeClr val="tx2"/>
+                </a:solidFill>
+              </a:defRPr>
+            </a:lvl7pPr>
+            <a:lvl8pPr eaLnBrk="1" hangingPunct="1">
+              <a:defRPr>
+                <a:solidFill>
+                  <a:schemeClr val="tx2"/>
+                </a:solidFill>
+              </a:defRPr>
+            </a:lvl8pPr>
+            <a:lvl9pPr eaLnBrk="1" hangingPunct="1">
+              <a:defRPr>
+                <a:solidFill>
+                  <a:schemeClr val="tx2"/>
+                </a:solidFill>
+              </a:defRPr>
+            </a:lvl9pPr>
+          </a:lstStyle>
+          <a:p>
+            <a:pPr algn="l"/>
+            <a:r>
+              <a:rPr lang="en-US" altLang="zh-CN" sz="3600" dirty="0"/>
+              <a:t>Rinse and repeat</a:t>
+            </a:r>
+            <a:endParaRPr lang="en-US" sz="3500" dirty="0"/>
+          </a:p>
+        </p:txBody>
+      </p:sp>
+      <p:pic>
+        <p:nvPicPr>
+          <p:cNvPr id="4" name="Picture 3" descr="Chart&#10;&#10;Description automatically generated">
+            <a:extLst>
+              <a:ext uri="{FF2B5EF4-FFF2-40B4-BE49-F238E27FC236}">
+                <a16:creationId xmlns:a16="http://schemas.microsoft.com/office/drawing/2014/main" id="{42D06DA1-B039-B680-C766-6786841D8DCD}"/>
+              </a:ext>
+            </a:extLst>
+          </p:cNvPr>
+          <p:cNvPicPr>
+            <a:picLocks noChangeAspect="1"/>
+          </p:cNvPicPr>
+          <p:nvPr/>
+        </p:nvPicPr>
+        <p:blipFill>
+          <a:blip r:embed="rId2"/>
+          <a:stretch>
+            <a:fillRect/>
+          </a:stretch>
+        </p:blipFill>
+        <p:spPr>
+          <a:xfrm>
+            <a:off x="399393" y="1014017"/>
+            <a:ext cx="7772400" cy="3283561"/>
+          </a:xfrm>
+          <a:prstGeom prst="rect">
+            <a:avLst/>
+          </a:prstGeom>
+        </p:spPr>
+      </p:pic>
+    </p:spTree>
+    <p:extLst>
+      <p:ext uri="{BB962C8B-B14F-4D97-AF65-F5344CB8AC3E}">
+        <p14:creationId xmlns:p14="http://schemas.microsoft.com/office/powerpoint/2010/main" val="2101179695"/>
+      </p:ext>
+    </p:extLst>
+  </p:cSld>
+  <p:clrMapOvr>
+    <a:masterClrMapping/>
+  </p:clrMapOvr>
+</p:sld>
+</file>
+
 <file path=ppt/slides/slide6.xml><?xml version="1.0" encoding="utf-8"?>
 <p:sld xmlns:a="http://schemas.openxmlformats.org/drawingml/2006/main" xmlns:r="http://schemas.openxmlformats.org/officeDocument/2006/relationships" xmlns:p="http://schemas.openxmlformats.org/presentationml/2006/main">
   <p:cSld>
@@ -16013,175 +10562,6 @@
             <a:pPr algn="l"/>
             <a:r>
               <a:rPr lang="en-US" altLang="zh-CN" sz="3600" dirty="0"/>
-              <a:t>Rinse and repeat</a:t>
-            </a:r>
-            <a:endParaRPr lang="en-US" sz="3500" dirty="0"/>
-          </a:p>
-        </p:txBody>
-      </p:sp>
-      <p:pic>
-        <p:nvPicPr>
-          <p:cNvPr id="4" name="Picture 3" descr="Chart&#10;&#10;Description automatically generated">
-            <a:extLst>
-              <a:ext uri="{FF2B5EF4-FFF2-40B4-BE49-F238E27FC236}">
-                <a16:creationId xmlns:a16="http://schemas.microsoft.com/office/drawing/2014/main" id="{42D06DA1-B039-B680-C766-6786841D8DCD}"/>
-              </a:ext>
-            </a:extLst>
-          </p:cNvPr>
-          <p:cNvPicPr>
-            <a:picLocks noChangeAspect="1"/>
-          </p:cNvPicPr>
-          <p:nvPr/>
-        </p:nvPicPr>
-        <p:blipFill>
-          <a:blip r:embed="rId2"/>
-          <a:stretch>
-            <a:fillRect/>
-          </a:stretch>
-        </p:blipFill>
-        <p:spPr>
-          <a:xfrm>
-            <a:off x="399393" y="1014017"/>
-            <a:ext cx="7772400" cy="3283561"/>
-          </a:xfrm>
-          <a:prstGeom prst="rect">
-            <a:avLst/>
-          </a:prstGeom>
-        </p:spPr>
-      </p:pic>
-    </p:spTree>
-    <p:extLst>
-      <p:ext uri="{BB962C8B-B14F-4D97-AF65-F5344CB8AC3E}">
-        <p14:creationId xmlns:p14="http://schemas.microsoft.com/office/powerpoint/2010/main" val="2101179695"/>
-      </p:ext>
-    </p:extLst>
-  </p:cSld>
-  <p:clrMapOvr>
-    <a:masterClrMapping/>
-  </p:clrMapOvr>
-</p:sld>
-</file>
-
-<file path=ppt/slides/slide7.xml><?xml version="1.0" encoding="utf-8"?>
-<p:sld xmlns:a="http://schemas.openxmlformats.org/drawingml/2006/main" xmlns:r="http://schemas.openxmlformats.org/officeDocument/2006/relationships" xmlns:p="http://schemas.openxmlformats.org/presentationml/2006/main">
-  <p:cSld>
-    <p:spTree>
-      <p:nvGrpSpPr>
-        <p:cNvPr id="1" name=""/>
-        <p:cNvGrpSpPr/>
-        <p:nvPr/>
-      </p:nvGrpSpPr>
-      <p:grpSpPr>
-        <a:xfrm>
-          <a:off x="0" y="0"/>
-          <a:ext cx="0" cy="0"/>
-          <a:chOff x="0" y="0"/>
-          <a:chExt cx="0" cy="0"/>
-        </a:xfrm>
-      </p:grpSpPr>
-      <p:sp>
-        <p:nvSpPr>
-          <p:cNvPr id="5" name="Title 1">
-            <a:extLst>
-              <a:ext uri="{FF2B5EF4-FFF2-40B4-BE49-F238E27FC236}">
-                <a16:creationId xmlns:a16="http://schemas.microsoft.com/office/drawing/2014/main" id="{B76350F6-63B2-4B51-9294-CC2A443B21E2}"/>
-              </a:ext>
-            </a:extLst>
-          </p:cNvPr>
-          <p:cNvSpPr txBox="1">
-            <a:spLocks/>
-          </p:cNvSpPr>
-          <p:nvPr/>
-        </p:nvSpPr>
-        <p:spPr>
-          <a:xfrm>
-            <a:off x="304800" y="-492363"/>
-            <a:ext cx="8305800" cy="990600"/>
-          </a:xfrm>
-          <a:prstGeom prst="rect">
-            <a:avLst/>
-          </a:prstGeom>
-        </p:spPr>
-        <p:txBody>
-          <a:bodyPr vert="horz" lIns="91440" tIns="45720" rIns="91440" bIns="45720" rtlCol="0" anchor="b">
-            <a:normAutofit fontScale="97500"/>
-          </a:bodyPr>
-          <a:lstStyle>
-            <a:lvl1pPr algn="ctr" defTabSz="914400" rtl="0" eaLnBrk="1" latinLnBrk="0" hangingPunct="1">
-              <a:spcBef>
-                <a:spcPct val="0"/>
-              </a:spcBef>
-              <a:buNone/>
-              <a:defRPr sz="4400" kern="1200">
-                <a:solidFill>
-                  <a:srgbClr val="FFFFFF"/>
-                </a:solidFill>
-                <a:latin typeface="+mj-lt"/>
-                <a:ea typeface="+mj-ea"/>
-                <a:cs typeface="+mj-cs"/>
-              </a:defRPr>
-            </a:lvl1pPr>
-            <a:lvl2pPr eaLnBrk="1" hangingPunct="1">
-              <a:defRPr>
-                <a:solidFill>
-                  <a:schemeClr val="tx2"/>
-                </a:solidFill>
-              </a:defRPr>
-            </a:lvl2pPr>
-            <a:lvl3pPr eaLnBrk="1" hangingPunct="1">
-              <a:defRPr>
-                <a:solidFill>
-                  <a:schemeClr val="tx2"/>
-                </a:solidFill>
-              </a:defRPr>
-            </a:lvl3pPr>
-            <a:lvl4pPr eaLnBrk="1" hangingPunct="1">
-              <a:defRPr>
-                <a:solidFill>
-                  <a:schemeClr val="tx2"/>
-                </a:solidFill>
-              </a:defRPr>
-            </a:lvl4pPr>
-            <a:lvl5pPr eaLnBrk="1" hangingPunct="1">
-              <a:defRPr>
-                <a:solidFill>
-                  <a:schemeClr val="tx2"/>
-                </a:solidFill>
-              </a:defRPr>
-            </a:lvl5pPr>
-            <a:lvl6pPr eaLnBrk="1" hangingPunct="1">
-              <a:defRPr>
-                <a:solidFill>
-                  <a:schemeClr val="tx2"/>
-                </a:solidFill>
-              </a:defRPr>
-            </a:lvl6pPr>
-            <a:lvl7pPr eaLnBrk="1" hangingPunct="1">
-              <a:defRPr>
-                <a:solidFill>
-                  <a:schemeClr val="tx2"/>
-                </a:solidFill>
-              </a:defRPr>
-            </a:lvl7pPr>
-            <a:lvl8pPr eaLnBrk="1" hangingPunct="1">
-              <a:defRPr>
-                <a:solidFill>
-                  <a:schemeClr val="tx2"/>
-                </a:solidFill>
-              </a:defRPr>
-            </a:lvl8pPr>
-            <a:lvl9pPr eaLnBrk="1" hangingPunct="1">
-              <a:defRPr>
-                <a:solidFill>
-                  <a:schemeClr val="tx2"/>
-                </a:solidFill>
-              </a:defRPr>
-            </a:lvl9pPr>
-          </a:lstStyle>
-          <a:p>
-            <a:pPr algn="l"/>
-            <a:r>
-              <a:rPr lang="en-US" altLang="zh-CN" sz="3600" dirty="0"/>
               <a:t>Example: Automobile Data</a:t>
             </a:r>
             <a:endParaRPr lang="en-US" sz="3500" dirty="0"/>
@@ -16222,6 +10602,242 @@
     <p:extLst>
       <p:ext uri="{BB962C8B-B14F-4D97-AF65-F5344CB8AC3E}">
         <p14:creationId xmlns:p14="http://schemas.microsoft.com/office/powerpoint/2010/main" val="1770397644"/>
+      </p:ext>
+    </p:extLst>
+  </p:cSld>
+  <p:clrMapOvr>
+    <a:masterClrMapping/>
+  </p:clrMapOvr>
+</p:sld>
+</file>
+
+<file path=ppt/slides/slide7.xml><?xml version="1.0" encoding="utf-8"?>
+<p:sld xmlns:a="http://schemas.openxmlformats.org/drawingml/2006/main" xmlns:r="http://schemas.openxmlformats.org/officeDocument/2006/relationships" xmlns:p="http://schemas.openxmlformats.org/presentationml/2006/main">
+  <p:cSld>
+    <p:spTree>
+      <p:nvGrpSpPr>
+        <p:cNvPr id="1" name=""/>
+        <p:cNvGrpSpPr/>
+        <p:nvPr/>
+      </p:nvGrpSpPr>
+      <p:grpSpPr>
+        <a:xfrm>
+          <a:off x="0" y="0"/>
+          <a:ext cx="0" cy="0"/>
+          <a:chOff x="0" y="0"/>
+          <a:chExt cx="0" cy="0"/>
+        </a:xfrm>
+      </p:grpSpPr>
+      <p:sp>
+        <p:nvSpPr>
+          <p:cNvPr id="5" name="Title 1">
+            <a:extLst>
+              <a:ext uri="{FF2B5EF4-FFF2-40B4-BE49-F238E27FC236}">
+                <a16:creationId xmlns:a16="http://schemas.microsoft.com/office/drawing/2014/main" id="{607C5C96-66AF-4BFD-80B4-BE0E46F3B28D}"/>
+              </a:ext>
+            </a:extLst>
+          </p:cNvPr>
+          <p:cNvSpPr txBox="1">
+            <a:spLocks/>
+          </p:cNvSpPr>
+          <p:nvPr/>
+        </p:nvSpPr>
+        <p:spPr>
+          <a:xfrm>
+            <a:off x="199290" y="-84407"/>
+            <a:ext cx="6477000" cy="990600"/>
+          </a:xfrm>
+          <a:prstGeom prst="rect">
+            <a:avLst/>
+          </a:prstGeom>
+        </p:spPr>
+        <p:txBody>
+          <a:bodyPr>
+            <a:normAutofit fontScale="92500"/>
+          </a:bodyPr>
+          <a:lstStyle>
+            <a:lvl1pPr algn="l" defTabSz="457200" rtl="0" eaLnBrk="1" fontAlgn="base" hangingPunct="1">
+              <a:spcBef>
+                <a:spcPct val="0"/>
+              </a:spcBef>
+              <a:spcAft>
+                <a:spcPct val="0"/>
+              </a:spcAft>
+              <a:defRPr sz="3600" b="0" i="0" kern="1200" baseline="0">
+                <a:solidFill>
+                  <a:srgbClr val="18453B"/>
+                </a:solidFill>
+                <a:latin typeface="Gotham-Bold"/>
+                <a:ea typeface="ＭＳ Ｐゴシック" charset="-128"/>
+                <a:cs typeface="Gotham-Bold"/>
+              </a:defRPr>
+            </a:lvl1pPr>
+            <a:lvl2pPr algn="ctr" defTabSz="457200" rtl="0" eaLnBrk="1" fontAlgn="base" hangingPunct="1">
+              <a:spcBef>
+                <a:spcPct val="0"/>
+              </a:spcBef>
+              <a:spcAft>
+                <a:spcPct val="0"/>
+              </a:spcAft>
+              <a:defRPr sz="4400">
+                <a:solidFill>
+                  <a:schemeClr val="tx1"/>
+                </a:solidFill>
+                <a:latin typeface="Gotham Book" charset="0"/>
+                <a:ea typeface="ＭＳ Ｐゴシック" charset="-128"/>
+                <a:cs typeface="ＭＳ Ｐゴシック" charset="-128"/>
+              </a:defRPr>
+            </a:lvl2pPr>
+            <a:lvl3pPr algn="ctr" defTabSz="457200" rtl="0" eaLnBrk="1" fontAlgn="base" hangingPunct="1">
+              <a:spcBef>
+                <a:spcPct val="0"/>
+              </a:spcBef>
+              <a:spcAft>
+                <a:spcPct val="0"/>
+              </a:spcAft>
+              <a:defRPr sz="4400">
+                <a:solidFill>
+                  <a:schemeClr val="tx1"/>
+                </a:solidFill>
+                <a:latin typeface="Gotham Book" charset="0"/>
+                <a:ea typeface="ＭＳ Ｐゴシック" charset="-128"/>
+                <a:cs typeface="ＭＳ Ｐゴシック" charset="-128"/>
+              </a:defRPr>
+            </a:lvl3pPr>
+            <a:lvl4pPr algn="ctr" defTabSz="457200" rtl="0" eaLnBrk="1" fontAlgn="base" hangingPunct="1">
+              <a:spcBef>
+                <a:spcPct val="0"/>
+              </a:spcBef>
+              <a:spcAft>
+                <a:spcPct val="0"/>
+              </a:spcAft>
+              <a:defRPr sz="4400">
+                <a:solidFill>
+                  <a:schemeClr val="tx1"/>
+                </a:solidFill>
+                <a:latin typeface="Gotham Book" charset="0"/>
+                <a:ea typeface="ＭＳ Ｐゴシック" charset="-128"/>
+                <a:cs typeface="ＭＳ Ｐゴシック" charset="-128"/>
+              </a:defRPr>
+            </a:lvl4pPr>
+            <a:lvl5pPr algn="ctr" defTabSz="457200" rtl="0" eaLnBrk="1" fontAlgn="base" hangingPunct="1">
+              <a:spcBef>
+                <a:spcPct val="0"/>
+              </a:spcBef>
+              <a:spcAft>
+                <a:spcPct val="0"/>
+              </a:spcAft>
+              <a:defRPr sz="4400">
+                <a:solidFill>
+                  <a:schemeClr val="tx1"/>
+                </a:solidFill>
+                <a:latin typeface="Gotham Book" charset="0"/>
+                <a:ea typeface="ＭＳ Ｐゴシック" charset="-128"/>
+                <a:cs typeface="ＭＳ Ｐゴシック" charset="-128"/>
+              </a:defRPr>
+            </a:lvl5pPr>
+            <a:lvl6pPr marL="457200" algn="ctr" defTabSz="457200" rtl="0" eaLnBrk="1" fontAlgn="base" hangingPunct="1">
+              <a:spcBef>
+                <a:spcPct val="0"/>
+              </a:spcBef>
+              <a:spcAft>
+                <a:spcPct val="0"/>
+              </a:spcAft>
+              <a:defRPr sz="4400">
+                <a:solidFill>
+                  <a:schemeClr val="tx1"/>
+                </a:solidFill>
+                <a:latin typeface="Gotham Book" charset="0"/>
+                <a:ea typeface="ＭＳ Ｐゴシック" charset="-128"/>
+                <a:cs typeface="ＭＳ Ｐゴシック" charset="-128"/>
+              </a:defRPr>
+            </a:lvl6pPr>
+            <a:lvl7pPr marL="914400" algn="ctr" defTabSz="457200" rtl="0" eaLnBrk="1" fontAlgn="base" hangingPunct="1">
+              <a:spcBef>
+                <a:spcPct val="0"/>
+              </a:spcBef>
+              <a:spcAft>
+                <a:spcPct val="0"/>
+              </a:spcAft>
+              <a:defRPr sz="4400">
+                <a:solidFill>
+                  <a:schemeClr val="tx1"/>
+                </a:solidFill>
+                <a:latin typeface="Gotham Book" charset="0"/>
+                <a:ea typeface="ＭＳ Ｐゴシック" charset="-128"/>
+                <a:cs typeface="ＭＳ Ｐゴシック" charset="-128"/>
+              </a:defRPr>
+            </a:lvl7pPr>
+            <a:lvl8pPr marL="1371600" algn="ctr" defTabSz="457200" rtl="0" eaLnBrk="1" fontAlgn="base" hangingPunct="1">
+              <a:spcBef>
+                <a:spcPct val="0"/>
+              </a:spcBef>
+              <a:spcAft>
+                <a:spcPct val="0"/>
+              </a:spcAft>
+              <a:defRPr sz="4400">
+                <a:solidFill>
+                  <a:schemeClr val="tx1"/>
+                </a:solidFill>
+                <a:latin typeface="Gotham Book" charset="0"/>
+                <a:ea typeface="ＭＳ Ｐゴシック" charset="-128"/>
+                <a:cs typeface="ＭＳ Ｐゴシック" charset="-128"/>
+              </a:defRPr>
+            </a:lvl8pPr>
+            <a:lvl9pPr marL="1828800" algn="ctr" defTabSz="457200" rtl="0" eaLnBrk="1" fontAlgn="base" hangingPunct="1">
+              <a:spcBef>
+                <a:spcPct val="0"/>
+              </a:spcBef>
+              <a:spcAft>
+                <a:spcPct val="0"/>
+              </a:spcAft>
+              <a:defRPr sz="4400">
+                <a:solidFill>
+                  <a:schemeClr val="tx1"/>
+                </a:solidFill>
+                <a:latin typeface="Gotham Book" charset="0"/>
+                <a:ea typeface="ＭＳ Ｐゴシック" charset="-128"/>
+                <a:cs typeface="ＭＳ Ｐゴシック" charset="-128"/>
+              </a:defRPr>
+            </a:lvl9pPr>
+          </a:lstStyle>
+          <a:p>
+            <a:r>
+              <a:rPr lang="en-US" sz="3500" dirty="0">
+                <a:solidFill>
+                  <a:schemeClr val="bg1"/>
+                </a:solidFill>
+              </a:rPr>
+              <a:t>Coding example in </a:t>
+            </a:r>
+            <a:r>
+              <a:rPr lang="en-US" sz="3500" dirty="0" err="1">
+                <a:solidFill>
+                  <a:schemeClr val="bg1"/>
+                </a:solidFill>
+              </a:rPr>
+              <a:t>Jupyter</a:t>
+            </a:r>
+            <a:r>
+              <a:rPr lang="en-US" sz="3500" dirty="0">
+                <a:solidFill>
+                  <a:schemeClr val="bg1"/>
+                </a:solidFill>
+              </a:rPr>
+              <a:t> Notebook</a:t>
+            </a:r>
+            <a:endParaRPr lang="en-US" sz="3500" i="1" dirty="0">
+              <a:solidFill>
+                <a:schemeClr val="bg1"/>
+              </a:solidFill>
+            </a:endParaRPr>
+          </a:p>
+        </p:txBody>
+      </p:sp>
+    </p:spTree>
+    <p:extLst>
+      <p:ext uri="{BB962C8B-B14F-4D97-AF65-F5344CB8AC3E}">
+        <p14:creationId xmlns:p14="http://schemas.microsoft.com/office/powerpoint/2010/main" val="4110726921"/>
       </p:ext>
     </p:extLst>
   </p:cSld>
